--- a/Presentation/A Style-Based Generator Architecture for Generative Adversarial Networks/A Style-Based Generator Architecture for Generative Adversarial Networks.pptx
+++ b/Presentation/A Style-Based Generator Architecture for Generative Adversarial Networks/A Style-Based Generator Architecture for Generative Adversarial Networks.pptx
@@ -7,9 +7,24 @@
   <p:sldIdLst>
     <p:sldId id="256" r:id="rId2"/>
     <p:sldId id="259" r:id="rId3"/>
-    <p:sldId id="260" r:id="rId4"/>
-    <p:sldId id="258" r:id="rId5"/>
+    <p:sldId id="258" r:id="rId4"/>
+    <p:sldId id="260" r:id="rId5"/>
     <p:sldId id="261" r:id="rId6"/>
+    <p:sldId id="263" r:id="rId7"/>
+    <p:sldId id="264" r:id="rId8"/>
+    <p:sldId id="266" r:id="rId9"/>
+    <p:sldId id="267" r:id="rId10"/>
+    <p:sldId id="265" r:id="rId11"/>
+    <p:sldId id="268" r:id="rId12"/>
+    <p:sldId id="269" r:id="rId13"/>
+    <p:sldId id="274" r:id="rId14"/>
+    <p:sldId id="270" r:id="rId15"/>
+    <p:sldId id="275" r:id="rId16"/>
+    <p:sldId id="271" r:id="rId17"/>
+    <p:sldId id="276" r:id="rId18"/>
+    <p:sldId id="272" r:id="rId19"/>
+    <p:sldId id="277" r:id="rId20"/>
+    <p:sldId id="273" r:id="rId21"/>
   </p:sldIdLst>
   <p:sldSz cx="12192000" cy="6858000"/>
   <p:notesSz cx="6858000" cy="9144000"/>
@@ -108,6 +123,11 @@
       </a:defRPr>
     </a:lvl9pPr>
   </p:defaultTextStyle>
+  <p:extLst>
+    <p:ext uri="{EFAFB233-063F-42B5-8137-9DF3F51BA10A}">
+      <p15:sldGuideLst xmlns:p15="http://schemas.microsoft.com/office/powerpoint/2012/main"/>
+    </p:ext>
+  </p:extLst>
 </p:presentation>
 </file>
 
@@ -3443,6 +3463,2562 @@
 </p:sld>
 </file>
 
+<file path=ppt/slides/slide10.xml><?xml version="1.0" encoding="utf-8"?>
+<p:sld xmlns:a="http://schemas.openxmlformats.org/drawingml/2006/main" xmlns:r="http://schemas.openxmlformats.org/officeDocument/2006/relationships" xmlns:p="http://schemas.openxmlformats.org/presentationml/2006/main">
+  <p:cSld>
+    <p:spTree>
+      <p:nvGrpSpPr>
+        <p:cNvPr id="1" name=""/>
+        <p:cNvGrpSpPr/>
+        <p:nvPr/>
+      </p:nvGrpSpPr>
+      <p:grpSpPr>
+        <a:xfrm>
+          <a:off x="0" y="0"/>
+          <a:ext cx="0" cy="0"/>
+          <a:chOff x="0" y="0"/>
+          <a:chExt cx="0" cy="0"/>
+        </a:xfrm>
+      </p:grpSpPr>
+      <p:sp>
+        <p:nvSpPr>
+          <p:cNvPr id="2" name="标题 1">
+            <a:extLst>
+              <a:ext uri="{FF2B5EF4-FFF2-40B4-BE49-F238E27FC236}">
+                <a16:creationId xmlns:a16="http://schemas.microsoft.com/office/drawing/2014/main" id="{9ABDBD79-D929-45D4-846A-C2F473FABC04}"/>
+              </a:ext>
+            </a:extLst>
+          </p:cNvPr>
+          <p:cNvSpPr>
+            <a:spLocks noGrp="1"/>
+          </p:cNvSpPr>
+          <p:nvPr>
+            <p:ph type="ctrTitle"/>
+          </p:nvPr>
+        </p:nvSpPr>
+        <p:spPr>
+          <a:xfrm>
+            <a:off x="710119" y="428017"/>
+            <a:ext cx="10910751" cy="960234"/>
+          </a:xfrm>
+        </p:spPr>
+        <p:txBody>
+          <a:bodyPr>
+            <a:normAutofit/>
+          </a:bodyPr>
+          <a:lstStyle/>
+          <a:p>
+            <a:pPr algn="l">
+              <a:lnSpc>
+                <a:spcPct val="150000"/>
+              </a:lnSpc>
+            </a:pPr>
+            <a:r>
+              <a:rPr lang="en-US" altLang="zh-CN" sz="4200" dirty="0">
+                <a:latin typeface="微软雅黑" panose="020B0503020204020204" pitchFamily="34" charset="-122"/>
+                <a:ea typeface="微软雅黑" panose="020B0503020204020204" pitchFamily="34" charset="-122"/>
+              </a:rPr>
+              <a:t>Content</a:t>
+            </a:r>
+            <a:endParaRPr lang="zh-CN" altLang="en-US" sz="4200" dirty="0">
+              <a:latin typeface="微软雅黑" panose="020B0503020204020204" pitchFamily="34" charset="-122"/>
+              <a:ea typeface="微软雅黑" panose="020B0503020204020204" pitchFamily="34" charset="-122"/>
+            </a:endParaRPr>
+          </a:p>
+        </p:txBody>
+      </p:sp>
+      <p:sp>
+        <p:nvSpPr>
+          <p:cNvPr id="3" name="副标题 2">
+            <a:extLst>
+              <a:ext uri="{FF2B5EF4-FFF2-40B4-BE49-F238E27FC236}">
+                <a16:creationId xmlns:a16="http://schemas.microsoft.com/office/drawing/2014/main" id="{8B01A6D5-3DA3-44B2-B4D0-61B95FFF11B1}"/>
+              </a:ext>
+            </a:extLst>
+          </p:cNvPr>
+          <p:cNvSpPr>
+            <a:spLocks noGrp="1"/>
+          </p:cNvSpPr>
+          <p:nvPr>
+            <p:ph type="subTitle" idx="1"/>
+          </p:nvPr>
+        </p:nvSpPr>
+        <p:spPr>
+          <a:xfrm>
+            <a:off x="982492" y="1773238"/>
+            <a:ext cx="5785953" cy="2044618"/>
+          </a:xfrm>
+        </p:spPr>
+        <p:txBody>
+          <a:bodyPr>
+            <a:normAutofit/>
+          </a:bodyPr>
+          <a:lstStyle/>
+          <a:p>
+            <a:pPr marL="457200" indent="-457200" algn="l">
+              <a:buFont typeface="Arial" panose="020B0604020202020204" pitchFamily="34" charset="0"/>
+              <a:buChar char="•"/>
+            </a:pPr>
+            <a:r>
+              <a:rPr lang="en-US" altLang="zh-CN" sz="2800" dirty="0">
+                <a:latin typeface="微软雅黑" panose="020B0503020204020204" pitchFamily="34" charset="-122"/>
+                <a:ea typeface="微软雅黑" panose="020B0503020204020204" pitchFamily="34" charset="-122"/>
+              </a:rPr>
+              <a:t>Introduction</a:t>
+            </a:r>
+          </a:p>
+          <a:p>
+            <a:pPr marL="457200" indent="-457200" algn="l">
+              <a:buFont typeface="Arial" panose="020B0604020202020204" pitchFamily="34" charset="0"/>
+              <a:buChar char="•"/>
+            </a:pPr>
+            <a:r>
+              <a:rPr lang="en-US" altLang="zh-CN" sz="2800" dirty="0">
+                <a:latin typeface="微软雅黑" panose="020B0503020204020204" pitchFamily="34" charset="-122"/>
+                <a:ea typeface="微软雅黑" panose="020B0503020204020204" pitchFamily="34" charset="-122"/>
+              </a:rPr>
+              <a:t>Motivation</a:t>
+            </a:r>
+          </a:p>
+          <a:p>
+            <a:pPr marL="457200" indent="-457200" algn="l">
+              <a:buFont typeface="Arial" panose="020B0604020202020204" pitchFamily="34" charset="0"/>
+              <a:buChar char="•"/>
+            </a:pPr>
+            <a:r>
+              <a:rPr lang="en-US" altLang="zh-CN" sz="2800" dirty="0">
+                <a:solidFill>
+                  <a:srgbClr val="FF0000"/>
+                </a:solidFill>
+                <a:latin typeface="微软雅黑" panose="020B0503020204020204" pitchFamily="34" charset="-122"/>
+                <a:ea typeface="微软雅黑" panose="020B0503020204020204" pitchFamily="34" charset="-122"/>
+              </a:rPr>
+              <a:t>Architecture Details</a:t>
+            </a:r>
+          </a:p>
+          <a:p>
+            <a:pPr marL="457200" indent="-457200" algn="l">
+              <a:buFont typeface="Arial" panose="020B0604020202020204" pitchFamily="34" charset="0"/>
+              <a:buChar char="•"/>
+            </a:pPr>
+            <a:r>
+              <a:rPr lang="en-US" altLang="zh-CN" sz="2800" dirty="0">
+                <a:latin typeface="微软雅黑" panose="020B0503020204020204" pitchFamily="34" charset="-122"/>
+                <a:ea typeface="微软雅黑" panose="020B0503020204020204" pitchFamily="34" charset="-122"/>
+              </a:rPr>
+              <a:t>Evaluation</a:t>
+            </a:r>
+          </a:p>
+          <a:p>
+            <a:pPr marL="914400" lvl="1" indent="-457200" algn="l">
+              <a:buFont typeface="Arial" panose="020B0604020202020204" pitchFamily="34" charset="0"/>
+              <a:buChar char="•"/>
+            </a:pPr>
+            <a:endParaRPr lang="zh-CN" altLang="en-US" sz="2400" dirty="0">
+              <a:solidFill>
+                <a:srgbClr val="FF0000"/>
+              </a:solidFill>
+              <a:latin typeface="微软雅黑" panose="020B0503020204020204" pitchFamily="34" charset="-122"/>
+              <a:ea typeface="微软雅黑" panose="020B0503020204020204" pitchFamily="34" charset="-122"/>
+            </a:endParaRPr>
+          </a:p>
+        </p:txBody>
+      </p:sp>
+    </p:spTree>
+    <p:extLst>
+      <p:ext uri="{BB962C8B-B14F-4D97-AF65-F5344CB8AC3E}">
+        <p14:creationId xmlns:p14="http://schemas.microsoft.com/office/powerpoint/2010/main" val="1830725774"/>
+      </p:ext>
+    </p:extLst>
+  </p:cSld>
+  <p:clrMapOvr>
+    <a:masterClrMapping/>
+  </p:clrMapOvr>
+</p:sld>
+</file>
+
+<file path=ppt/slides/slide11.xml><?xml version="1.0" encoding="utf-8"?>
+<p:sld xmlns:a="http://schemas.openxmlformats.org/drawingml/2006/main" xmlns:r="http://schemas.openxmlformats.org/officeDocument/2006/relationships" xmlns:p="http://schemas.openxmlformats.org/presentationml/2006/main">
+  <p:cSld>
+    <p:spTree>
+      <p:nvGrpSpPr>
+        <p:cNvPr id="1" name=""/>
+        <p:cNvGrpSpPr/>
+        <p:nvPr/>
+      </p:nvGrpSpPr>
+      <p:grpSpPr>
+        <a:xfrm>
+          <a:off x="0" y="0"/>
+          <a:ext cx="0" cy="0"/>
+          <a:chOff x="0" y="0"/>
+          <a:chExt cx="0" cy="0"/>
+        </a:xfrm>
+      </p:grpSpPr>
+      <p:sp>
+        <p:nvSpPr>
+          <p:cNvPr id="2" name="标题 1">
+            <a:extLst>
+              <a:ext uri="{FF2B5EF4-FFF2-40B4-BE49-F238E27FC236}">
+                <a16:creationId xmlns:a16="http://schemas.microsoft.com/office/drawing/2014/main" id="{9ABDBD79-D929-45D4-846A-C2F473FABC04}"/>
+              </a:ext>
+            </a:extLst>
+          </p:cNvPr>
+          <p:cNvSpPr>
+            <a:spLocks noGrp="1"/>
+          </p:cNvSpPr>
+          <p:nvPr>
+            <p:ph type="ctrTitle"/>
+          </p:nvPr>
+        </p:nvSpPr>
+        <p:spPr>
+          <a:xfrm>
+            <a:off x="210499" y="258335"/>
+            <a:ext cx="8999489" cy="960234"/>
+          </a:xfrm>
+        </p:spPr>
+        <p:txBody>
+          <a:bodyPr>
+            <a:noAutofit/>
+          </a:bodyPr>
+          <a:lstStyle/>
+          <a:p>
+            <a:pPr algn="l">
+              <a:lnSpc>
+                <a:spcPct val="150000"/>
+              </a:lnSpc>
+            </a:pPr>
+            <a:r>
+              <a:rPr lang="en-US" altLang="zh-CN" sz="3200" dirty="0">
+                <a:latin typeface="微软雅黑" panose="020B0503020204020204" pitchFamily="34" charset="-122"/>
+                <a:ea typeface="微软雅黑" panose="020B0503020204020204" pitchFamily="34" charset="-122"/>
+              </a:rPr>
+              <a:t>Mapping Network</a:t>
+            </a:r>
+            <a:endParaRPr lang="zh-CN" altLang="en-US" sz="3200" dirty="0">
+              <a:latin typeface="微软雅黑" panose="020B0503020204020204" pitchFamily="34" charset="-122"/>
+              <a:ea typeface="微软雅黑" panose="020B0503020204020204" pitchFamily="34" charset="-122"/>
+            </a:endParaRPr>
+          </a:p>
+        </p:txBody>
+      </p:sp>
+      <p:pic>
+        <p:nvPicPr>
+          <p:cNvPr id="1026" name="Picture 2">
+            <a:extLst>
+              <a:ext uri="{FF2B5EF4-FFF2-40B4-BE49-F238E27FC236}">
+                <a16:creationId xmlns:a16="http://schemas.microsoft.com/office/drawing/2014/main" id="{6352C88A-96BA-4081-81FD-685A1B7556AB}"/>
+              </a:ext>
+            </a:extLst>
+          </p:cNvPr>
+          <p:cNvPicPr>
+            <a:picLocks noChangeAspect="1" noChangeArrowheads="1"/>
+          </p:cNvPicPr>
+          <p:nvPr/>
+        </p:nvPicPr>
+        <p:blipFill>
+          <a:blip r:embed="rId2">
+            <a:extLst>
+              <a:ext uri="{28A0092B-C50C-407E-A947-70E740481C1C}">
+                <a14:useLocalDpi xmlns:a14="http://schemas.microsoft.com/office/drawing/2010/main" val="0"/>
+              </a:ext>
+            </a:extLst>
+          </a:blip>
+          <a:srcRect/>
+          <a:stretch>
+            <a:fillRect/>
+          </a:stretch>
+        </p:blipFill>
+        <p:spPr bwMode="auto">
+          <a:xfrm>
+            <a:off x="768507" y="1681162"/>
+            <a:ext cx="10097195" cy="4805363"/>
+          </a:xfrm>
+          <a:prstGeom prst="rect">
+            <a:avLst/>
+          </a:prstGeom>
+          <a:noFill/>
+          <a:extLst>
+            <a:ext uri="{909E8E84-426E-40DD-AFC4-6F175D3DCCD1}">
+              <a14:hiddenFill xmlns:a14="http://schemas.microsoft.com/office/drawing/2010/main">
+                <a:solidFill>
+                  <a:srgbClr val="FFFFFF"/>
+                </a:solidFill>
+              </a14:hiddenFill>
+            </a:ext>
+          </a:extLst>
+        </p:spPr>
+      </p:pic>
+    </p:spTree>
+    <p:extLst>
+      <p:ext uri="{BB962C8B-B14F-4D97-AF65-F5344CB8AC3E}">
+        <p14:creationId xmlns:p14="http://schemas.microsoft.com/office/powerpoint/2010/main" val="239762292"/>
+      </p:ext>
+    </p:extLst>
+  </p:cSld>
+  <p:clrMapOvr>
+    <a:masterClrMapping/>
+  </p:clrMapOvr>
+</p:sld>
+</file>
+
+<file path=ppt/slides/slide12.xml><?xml version="1.0" encoding="utf-8"?>
+<p:sld xmlns:a="http://schemas.openxmlformats.org/drawingml/2006/main" xmlns:r="http://schemas.openxmlformats.org/officeDocument/2006/relationships" xmlns:p="http://schemas.openxmlformats.org/presentationml/2006/main">
+  <p:cSld>
+    <p:spTree>
+      <p:nvGrpSpPr>
+        <p:cNvPr id="1" name=""/>
+        <p:cNvGrpSpPr/>
+        <p:nvPr/>
+      </p:nvGrpSpPr>
+      <p:grpSpPr>
+        <a:xfrm>
+          <a:off x="0" y="0"/>
+          <a:ext cx="0" cy="0"/>
+          <a:chOff x="0" y="0"/>
+          <a:chExt cx="0" cy="0"/>
+        </a:xfrm>
+      </p:grpSpPr>
+      <p:sp>
+        <p:nvSpPr>
+          <p:cNvPr id="2" name="标题 1">
+            <a:extLst>
+              <a:ext uri="{FF2B5EF4-FFF2-40B4-BE49-F238E27FC236}">
+                <a16:creationId xmlns:a16="http://schemas.microsoft.com/office/drawing/2014/main" id="{9ABDBD79-D929-45D4-846A-C2F473FABC04}"/>
+              </a:ext>
+            </a:extLst>
+          </p:cNvPr>
+          <p:cNvSpPr>
+            <a:spLocks noGrp="1"/>
+          </p:cNvSpPr>
+          <p:nvPr>
+            <p:ph type="ctrTitle"/>
+          </p:nvPr>
+        </p:nvSpPr>
+        <p:spPr>
+          <a:xfrm>
+            <a:off x="210499" y="258335"/>
+            <a:ext cx="8999489" cy="960234"/>
+          </a:xfrm>
+        </p:spPr>
+        <p:txBody>
+          <a:bodyPr>
+            <a:noAutofit/>
+          </a:bodyPr>
+          <a:lstStyle/>
+          <a:p>
+            <a:pPr algn="l">
+              <a:lnSpc>
+                <a:spcPct val="150000"/>
+              </a:lnSpc>
+            </a:pPr>
+            <a:r>
+              <a:rPr lang="en-US" altLang="zh-CN" sz="3200">
+                <a:latin typeface="微软雅黑" panose="020B0503020204020204" pitchFamily="34" charset="-122"/>
+                <a:ea typeface="微软雅黑" panose="020B0503020204020204" pitchFamily="34" charset="-122"/>
+              </a:rPr>
+              <a:t>Style Modules (AdaIN)</a:t>
+            </a:r>
+            <a:endParaRPr lang="zh-CN" altLang="en-US" sz="3200" dirty="0">
+              <a:latin typeface="微软雅黑" panose="020B0503020204020204" pitchFamily="34" charset="-122"/>
+              <a:ea typeface="微软雅黑" panose="020B0503020204020204" pitchFamily="34" charset="-122"/>
+            </a:endParaRPr>
+          </a:p>
+        </p:txBody>
+      </p:sp>
+      <p:sp>
+        <p:nvSpPr>
+          <p:cNvPr id="4" name="副标题 2">
+            <a:extLst>
+              <a:ext uri="{FF2B5EF4-FFF2-40B4-BE49-F238E27FC236}">
+                <a16:creationId xmlns:a16="http://schemas.microsoft.com/office/drawing/2014/main" id="{189F0642-A6A1-47F3-AF41-D3BE49C5352D}"/>
+              </a:ext>
+            </a:extLst>
+          </p:cNvPr>
+          <p:cNvSpPr>
+            <a:spLocks noGrp="1"/>
+          </p:cNvSpPr>
+          <p:nvPr>
+            <p:ph type="subTitle" idx="1"/>
+          </p:nvPr>
+        </p:nvSpPr>
+        <p:spPr>
+          <a:xfrm>
+            <a:off x="398840" y="1593889"/>
+            <a:ext cx="11394319" cy="2016086"/>
+          </a:xfrm>
+        </p:spPr>
+        <p:txBody>
+          <a:bodyPr>
+            <a:noAutofit/>
+          </a:bodyPr>
+          <a:lstStyle/>
+          <a:p>
+            <a:pPr algn="l">
+              <a:lnSpc>
+                <a:spcPct val="100000"/>
+              </a:lnSpc>
+            </a:pPr>
+            <a:r>
+              <a:rPr lang="en-US" altLang="zh-CN" dirty="0">
+                <a:latin typeface="微软雅黑" panose="020B0503020204020204" pitchFamily="34" charset="-122"/>
+                <a:ea typeface="微软雅黑" panose="020B0503020204020204" pitchFamily="34" charset="-122"/>
+              </a:rPr>
+              <a:t>When we want to paint a face with features: </a:t>
+            </a:r>
+          </a:p>
+          <a:p>
+            <a:pPr algn="l">
+              <a:lnSpc>
+                <a:spcPct val="100000"/>
+              </a:lnSpc>
+            </a:pPr>
+            <a:r>
+              <a:rPr lang="en-US" altLang="zh-CN" dirty="0">
+                <a:latin typeface="微软雅黑" panose="020B0503020204020204" pitchFamily="34" charset="-122"/>
+                <a:ea typeface="微软雅黑" panose="020B0503020204020204" pitchFamily="34" charset="-122"/>
+              </a:rPr>
+              <a:t>[black hair, yellow skin, wearing glasses, smiling, woman, …, white teeth]</a:t>
+            </a:r>
+            <a:endParaRPr lang="zh-CN" altLang="en-US" dirty="0">
+              <a:latin typeface="微软雅黑" panose="020B0503020204020204" pitchFamily="34" charset="-122"/>
+              <a:ea typeface="微软雅黑" panose="020B0503020204020204" pitchFamily="34" charset="-122"/>
+            </a:endParaRPr>
+          </a:p>
+        </p:txBody>
+      </p:sp>
+      <p:pic>
+        <p:nvPicPr>
+          <p:cNvPr id="5" name="Picture 2">
+            <a:extLst>
+              <a:ext uri="{FF2B5EF4-FFF2-40B4-BE49-F238E27FC236}">
+                <a16:creationId xmlns:a16="http://schemas.microsoft.com/office/drawing/2014/main" id="{36330B5B-0C87-46DD-8369-473B7B452994}"/>
+              </a:ext>
+            </a:extLst>
+          </p:cNvPr>
+          <p:cNvPicPr>
+            <a:picLocks noChangeAspect="1" noChangeArrowheads="1"/>
+          </p:cNvPicPr>
+          <p:nvPr/>
+        </p:nvPicPr>
+        <p:blipFill>
+          <a:blip r:embed="rId2">
+            <a:extLst>
+              <a:ext uri="{28A0092B-C50C-407E-A947-70E740481C1C}">
+                <a14:useLocalDpi xmlns:a14="http://schemas.microsoft.com/office/drawing/2010/main" val="0"/>
+              </a:ext>
+            </a:extLst>
+          </a:blip>
+          <a:srcRect/>
+          <a:stretch>
+            <a:fillRect/>
+          </a:stretch>
+        </p:blipFill>
+        <p:spPr bwMode="auto">
+          <a:xfrm>
+            <a:off x="1623677" y="2908970"/>
+            <a:ext cx="7965675" cy="3790950"/>
+          </a:xfrm>
+          <a:prstGeom prst="rect">
+            <a:avLst/>
+          </a:prstGeom>
+          <a:noFill/>
+          <a:extLst>
+            <a:ext uri="{909E8E84-426E-40DD-AFC4-6F175D3DCCD1}">
+              <a14:hiddenFill xmlns:a14="http://schemas.microsoft.com/office/drawing/2010/main">
+                <a:solidFill>
+                  <a:srgbClr val="FFFFFF"/>
+                </a:solidFill>
+              </a14:hiddenFill>
+            </a:ext>
+          </a:extLst>
+        </p:spPr>
+      </p:pic>
+    </p:spTree>
+    <p:extLst>
+      <p:ext uri="{BB962C8B-B14F-4D97-AF65-F5344CB8AC3E}">
+        <p14:creationId xmlns:p14="http://schemas.microsoft.com/office/powerpoint/2010/main" val="124473667"/>
+      </p:ext>
+    </p:extLst>
+  </p:cSld>
+  <p:clrMapOvr>
+    <a:masterClrMapping/>
+  </p:clrMapOvr>
+</p:sld>
+</file>
+
+<file path=ppt/slides/slide13.xml><?xml version="1.0" encoding="utf-8"?>
+<p:sld xmlns:a="http://schemas.openxmlformats.org/drawingml/2006/main" xmlns:r="http://schemas.openxmlformats.org/officeDocument/2006/relationships" xmlns:p="http://schemas.openxmlformats.org/presentationml/2006/main">
+  <p:cSld>
+    <p:spTree>
+      <p:nvGrpSpPr>
+        <p:cNvPr id="1" name=""/>
+        <p:cNvGrpSpPr/>
+        <p:nvPr/>
+      </p:nvGrpSpPr>
+      <p:grpSpPr>
+        <a:xfrm>
+          <a:off x="0" y="0"/>
+          <a:ext cx="0" cy="0"/>
+          <a:chOff x="0" y="0"/>
+          <a:chExt cx="0" cy="0"/>
+        </a:xfrm>
+      </p:grpSpPr>
+      <p:sp>
+        <p:nvSpPr>
+          <p:cNvPr id="2" name="标题 1">
+            <a:extLst>
+              <a:ext uri="{FF2B5EF4-FFF2-40B4-BE49-F238E27FC236}">
+                <a16:creationId xmlns:a16="http://schemas.microsoft.com/office/drawing/2014/main" id="{9ABDBD79-D929-45D4-846A-C2F473FABC04}"/>
+              </a:ext>
+            </a:extLst>
+          </p:cNvPr>
+          <p:cNvSpPr>
+            <a:spLocks noGrp="1"/>
+          </p:cNvSpPr>
+          <p:nvPr>
+            <p:ph type="ctrTitle"/>
+          </p:nvPr>
+        </p:nvSpPr>
+        <p:spPr>
+          <a:xfrm>
+            <a:off x="210499" y="258335"/>
+            <a:ext cx="8999489" cy="960234"/>
+          </a:xfrm>
+        </p:spPr>
+        <p:txBody>
+          <a:bodyPr>
+            <a:noAutofit/>
+          </a:bodyPr>
+          <a:lstStyle/>
+          <a:p>
+            <a:pPr algn="l">
+              <a:lnSpc>
+                <a:spcPct val="150000"/>
+              </a:lnSpc>
+            </a:pPr>
+            <a:r>
+              <a:rPr lang="en-US" altLang="zh-CN" sz="3200">
+                <a:latin typeface="微软雅黑" panose="020B0503020204020204" pitchFamily="34" charset="-122"/>
+                <a:ea typeface="微软雅黑" panose="020B0503020204020204" pitchFamily="34" charset="-122"/>
+              </a:rPr>
+              <a:t>Style Modules (AdaIN)</a:t>
+            </a:r>
+            <a:endParaRPr lang="zh-CN" altLang="en-US" sz="3200" dirty="0">
+              <a:latin typeface="微软雅黑" panose="020B0503020204020204" pitchFamily="34" charset="-122"/>
+              <a:ea typeface="微软雅黑" panose="020B0503020204020204" pitchFamily="34" charset="-122"/>
+            </a:endParaRPr>
+          </a:p>
+        </p:txBody>
+      </p:sp>
+      <p:pic>
+        <p:nvPicPr>
+          <p:cNvPr id="5122" name="Picture 2">
+            <a:extLst>
+              <a:ext uri="{FF2B5EF4-FFF2-40B4-BE49-F238E27FC236}">
+                <a16:creationId xmlns:a16="http://schemas.microsoft.com/office/drawing/2014/main" id="{94D557B9-EF6F-441E-8B55-80F795A723BC}"/>
+              </a:ext>
+            </a:extLst>
+          </p:cNvPr>
+          <p:cNvPicPr>
+            <a:picLocks noChangeAspect="1" noChangeArrowheads="1"/>
+          </p:cNvPicPr>
+          <p:nvPr/>
+        </p:nvPicPr>
+        <p:blipFill>
+          <a:blip r:embed="rId2">
+            <a:extLst>
+              <a:ext uri="{28A0092B-C50C-407E-A947-70E740481C1C}">
+                <a14:useLocalDpi xmlns:a14="http://schemas.microsoft.com/office/drawing/2010/main" val="0"/>
+              </a:ext>
+            </a:extLst>
+          </a:blip>
+          <a:srcRect/>
+          <a:stretch>
+            <a:fillRect/>
+          </a:stretch>
+        </p:blipFill>
+        <p:spPr bwMode="auto">
+          <a:xfrm>
+            <a:off x="376282" y="1676400"/>
+            <a:ext cx="11439436" cy="4606886"/>
+          </a:xfrm>
+          <a:prstGeom prst="rect">
+            <a:avLst/>
+          </a:prstGeom>
+          <a:noFill/>
+          <a:extLst>
+            <a:ext uri="{909E8E84-426E-40DD-AFC4-6F175D3DCCD1}">
+              <a14:hiddenFill xmlns:a14="http://schemas.microsoft.com/office/drawing/2010/main">
+                <a:solidFill>
+                  <a:srgbClr val="FFFFFF"/>
+                </a:solidFill>
+              </a14:hiddenFill>
+            </a:ext>
+          </a:extLst>
+        </p:spPr>
+      </p:pic>
+    </p:spTree>
+    <p:extLst>
+      <p:ext uri="{BB962C8B-B14F-4D97-AF65-F5344CB8AC3E}">
+        <p14:creationId xmlns:p14="http://schemas.microsoft.com/office/powerpoint/2010/main" val="3902241193"/>
+      </p:ext>
+    </p:extLst>
+  </p:cSld>
+  <p:clrMapOvr>
+    <a:masterClrMapping/>
+  </p:clrMapOvr>
+</p:sld>
+</file>
+
+<file path=ppt/slides/slide14.xml><?xml version="1.0" encoding="utf-8"?>
+<p:sld xmlns:a="http://schemas.openxmlformats.org/drawingml/2006/main" xmlns:r="http://schemas.openxmlformats.org/officeDocument/2006/relationships" xmlns:p="http://schemas.openxmlformats.org/presentationml/2006/main">
+  <p:cSld>
+    <p:spTree>
+      <p:nvGrpSpPr>
+        <p:cNvPr id="1" name=""/>
+        <p:cNvGrpSpPr/>
+        <p:nvPr/>
+      </p:nvGrpSpPr>
+      <p:grpSpPr>
+        <a:xfrm>
+          <a:off x="0" y="0"/>
+          <a:ext cx="0" cy="0"/>
+          <a:chOff x="0" y="0"/>
+          <a:chExt cx="0" cy="0"/>
+        </a:xfrm>
+      </p:grpSpPr>
+      <p:sp>
+        <p:nvSpPr>
+          <p:cNvPr id="2" name="标题 1">
+            <a:extLst>
+              <a:ext uri="{FF2B5EF4-FFF2-40B4-BE49-F238E27FC236}">
+                <a16:creationId xmlns:a16="http://schemas.microsoft.com/office/drawing/2014/main" id="{9ABDBD79-D929-45D4-846A-C2F473FABC04}"/>
+              </a:ext>
+            </a:extLst>
+          </p:cNvPr>
+          <p:cNvSpPr>
+            <a:spLocks noGrp="1"/>
+          </p:cNvSpPr>
+          <p:nvPr>
+            <p:ph type="ctrTitle"/>
+          </p:nvPr>
+        </p:nvSpPr>
+        <p:spPr>
+          <a:xfrm>
+            <a:off x="210499" y="258335"/>
+            <a:ext cx="8999489" cy="960234"/>
+          </a:xfrm>
+        </p:spPr>
+        <p:txBody>
+          <a:bodyPr>
+            <a:noAutofit/>
+          </a:bodyPr>
+          <a:lstStyle/>
+          <a:p>
+            <a:pPr algn="l">
+              <a:lnSpc>
+                <a:spcPct val="150000"/>
+              </a:lnSpc>
+            </a:pPr>
+            <a:r>
+              <a:rPr lang="en-US" altLang="zh-CN" sz="3200" dirty="0">
+                <a:latin typeface="微软雅黑" panose="020B0503020204020204" pitchFamily="34" charset="-122"/>
+                <a:ea typeface="微软雅黑" panose="020B0503020204020204" pitchFamily="34" charset="-122"/>
+              </a:rPr>
+              <a:t>Constant Input of Generator</a:t>
+            </a:r>
+            <a:endParaRPr lang="zh-CN" altLang="en-US" sz="3200" dirty="0">
+              <a:latin typeface="微软雅黑" panose="020B0503020204020204" pitchFamily="34" charset="-122"/>
+              <a:ea typeface="微软雅黑" panose="020B0503020204020204" pitchFamily="34" charset="-122"/>
+            </a:endParaRPr>
+          </a:p>
+        </p:txBody>
+      </p:sp>
+      <p:sp>
+        <p:nvSpPr>
+          <p:cNvPr id="4" name="副标题 2">
+            <a:extLst>
+              <a:ext uri="{FF2B5EF4-FFF2-40B4-BE49-F238E27FC236}">
+                <a16:creationId xmlns:a16="http://schemas.microsoft.com/office/drawing/2014/main" id="{59F91749-B8F3-47D1-884F-AD535D00B04C}"/>
+              </a:ext>
+            </a:extLst>
+          </p:cNvPr>
+          <p:cNvSpPr>
+            <a:spLocks noGrp="1"/>
+          </p:cNvSpPr>
+          <p:nvPr>
+            <p:ph type="subTitle" idx="1"/>
+          </p:nvPr>
+        </p:nvSpPr>
+        <p:spPr>
+          <a:xfrm>
+            <a:off x="398840" y="1593889"/>
+            <a:ext cx="11394319" cy="2016086"/>
+          </a:xfrm>
+        </p:spPr>
+        <p:txBody>
+          <a:bodyPr>
+            <a:noAutofit/>
+          </a:bodyPr>
+          <a:lstStyle/>
+          <a:p>
+            <a:pPr algn="l">
+              <a:lnSpc>
+                <a:spcPct val="100000"/>
+              </a:lnSpc>
+            </a:pPr>
+            <a:r>
+              <a:rPr lang="en-US" altLang="zh-CN" dirty="0">
+                <a:latin typeface="微软雅黑" panose="020B0503020204020204" pitchFamily="34" charset="-122"/>
+                <a:ea typeface="微软雅黑" panose="020B0503020204020204" pitchFamily="34" charset="-122"/>
+              </a:rPr>
+              <a:t>What about the 4 x 4 layer block ?</a:t>
+            </a:r>
+            <a:endParaRPr lang="zh-CN" altLang="en-US" dirty="0">
+              <a:latin typeface="微软雅黑" panose="020B0503020204020204" pitchFamily="34" charset="-122"/>
+              <a:ea typeface="微软雅黑" panose="020B0503020204020204" pitchFamily="34" charset="-122"/>
+            </a:endParaRPr>
+          </a:p>
+        </p:txBody>
+      </p:sp>
+      <p:pic>
+        <p:nvPicPr>
+          <p:cNvPr id="5" name="Picture 2">
+            <a:extLst>
+              <a:ext uri="{FF2B5EF4-FFF2-40B4-BE49-F238E27FC236}">
+                <a16:creationId xmlns:a16="http://schemas.microsoft.com/office/drawing/2014/main" id="{959E0737-9A59-49E4-B434-F26D4915E3EE}"/>
+              </a:ext>
+            </a:extLst>
+          </p:cNvPr>
+          <p:cNvPicPr>
+            <a:picLocks noChangeAspect="1" noChangeArrowheads="1"/>
+          </p:cNvPicPr>
+          <p:nvPr/>
+        </p:nvPicPr>
+        <p:blipFill>
+          <a:blip r:embed="rId2">
+            <a:extLst>
+              <a:ext uri="{28A0092B-C50C-407E-A947-70E740481C1C}">
+                <a14:useLocalDpi xmlns:a14="http://schemas.microsoft.com/office/drawing/2010/main" val="0"/>
+              </a:ext>
+            </a:extLst>
+          </a:blip>
+          <a:srcRect/>
+          <a:stretch>
+            <a:fillRect/>
+          </a:stretch>
+        </p:blipFill>
+        <p:spPr bwMode="auto">
+          <a:xfrm>
+            <a:off x="885824" y="2241918"/>
+            <a:ext cx="10129793" cy="4079467"/>
+          </a:xfrm>
+          <a:prstGeom prst="rect">
+            <a:avLst/>
+          </a:prstGeom>
+          <a:noFill/>
+          <a:extLst>
+            <a:ext uri="{909E8E84-426E-40DD-AFC4-6F175D3DCCD1}">
+              <a14:hiddenFill xmlns:a14="http://schemas.microsoft.com/office/drawing/2010/main">
+                <a:solidFill>
+                  <a:srgbClr val="FFFFFF"/>
+                </a:solidFill>
+              </a14:hiddenFill>
+            </a:ext>
+          </a:extLst>
+        </p:spPr>
+      </p:pic>
+    </p:spTree>
+    <p:extLst>
+      <p:ext uri="{BB962C8B-B14F-4D97-AF65-F5344CB8AC3E}">
+        <p14:creationId xmlns:p14="http://schemas.microsoft.com/office/powerpoint/2010/main" val="3094611586"/>
+      </p:ext>
+    </p:extLst>
+  </p:cSld>
+  <p:clrMapOvr>
+    <a:masterClrMapping/>
+  </p:clrMapOvr>
+</p:sld>
+</file>
+
+<file path=ppt/slides/slide15.xml><?xml version="1.0" encoding="utf-8"?>
+<p:sld xmlns:a="http://schemas.openxmlformats.org/drawingml/2006/main" xmlns:r="http://schemas.openxmlformats.org/officeDocument/2006/relationships" xmlns:p="http://schemas.openxmlformats.org/presentationml/2006/main">
+  <p:cSld>
+    <p:spTree>
+      <p:nvGrpSpPr>
+        <p:cNvPr id="1" name=""/>
+        <p:cNvGrpSpPr/>
+        <p:nvPr/>
+      </p:nvGrpSpPr>
+      <p:grpSpPr>
+        <a:xfrm>
+          <a:off x="0" y="0"/>
+          <a:ext cx="0" cy="0"/>
+          <a:chOff x="0" y="0"/>
+          <a:chExt cx="0" cy="0"/>
+        </a:xfrm>
+      </p:grpSpPr>
+      <p:sp>
+        <p:nvSpPr>
+          <p:cNvPr id="2" name="标题 1">
+            <a:extLst>
+              <a:ext uri="{FF2B5EF4-FFF2-40B4-BE49-F238E27FC236}">
+                <a16:creationId xmlns:a16="http://schemas.microsoft.com/office/drawing/2014/main" id="{9ABDBD79-D929-45D4-846A-C2F473FABC04}"/>
+              </a:ext>
+            </a:extLst>
+          </p:cNvPr>
+          <p:cNvSpPr>
+            <a:spLocks noGrp="1"/>
+          </p:cNvSpPr>
+          <p:nvPr>
+            <p:ph type="ctrTitle"/>
+          </p:nvPr>
+        </p:nvSpPr>
+        <p:spPr>
+          <a:xfrm>
+            <a:off x="210499" y="258335"/>
+            <a:ext cx="8999489" cy="960234"/>
+          </a:xfrm>
+        </p:spPr>
+        <p:txBody>
+          <a:bodyPr>
+            <a:noAutofit/>
+          </a:bodyPr>
+          <a:lstStyle/>
+          <a:p>
+            <a:pPr algn="l">
+              <a:lnSpc>
+                <a:spcPct val="150000"/>
+              </a:lnSpc>
+            </a:pPr>
+            <a:r>
+              <a:rPr lang="en-US" altLang="zh-CN" sz="3200" dirty="0">
+                <a:latin typeface="微软雅黑" panose="020B0503020204020204" pitchFamily="34" charset="-122"/>
+                <a:ea typeface="微软雅黑" panose="020B0503020204020204" pitchFamily="34" charset="-122"/>
+              </a:rPr>
+              <a:t>Constant Input of Generator</a:t>
+            </a:r>
+            <a:endParaRPr lang="zh-CN" altLang="en-US" sz="3200" dirty="0">
+              <a:latin typeface="微软雅黑" panose="020B0503020204020204" pitchFamily="34" charset="-122"/>
+              <a:ea typeface="微软雅黑" panose="020B0503020204020204" pitchFamily="34" charset="-122"/>
+            </a:endParaRPr>
+          </a:p>
+        </p:txBody>
+      </p:sp>
+      <p:pic>
+        <p:nvPicPr>
+          <p:cNvPr id="6146" name="Picture 2">
+            <a:extLst>
+              <a:ext uri="{FF2B5EF4-FFF2-40B4-BE49-F238E27FC236}">
+                <a16:creationId xmlns:a16="http://schemas.microsoft.com/office/drawing/2014/main" id="{12AAAA51-3D09-4BB1-9C17-5522AE276BF1}"/>
+              </a:ext>
+            </a:extLst>
+          </p:cNvPr>
+          <p:cNvPicPr>
+            <a:picLocks noChangeAspect="1" noChangeArrowheads="1"/>
+          </p:cNvPicPr>
+          <p:nvPr/>
+        </p:nvPicPr>
+        <p:blipFill>
+          <a:blip r:embed="rId2">
+            <a:extLst>
+              <a:ext uri="{28A0092B-C50C-407E-A947-70E740481C1C}">
+                <a14:useLocalDpi xmlns:a14="http://schemas.microsoft.com/office/drawing/2010/main" val="0"/>
+              </a:ext>
+            </a:extLst>
+          </a:blip>
+          <a:srcRect/>
+          <a:stretch>
+            <a:fillRect/>
+          </a:stretch>
+        </p:blipFill>
+        <p:spPr bwMode="auto">
+          <a:xfrm>
+            <a:off x="2352674" y="1523616"/>
+            <a:ext cx="6410325" cy="5076049"/>
+          </a:xfrm>
+          <a:prstGeom prst="rect">
+            <a:avLst/>
+          </a:prstGeom>
+          <a:noFill/>
+          <a:extLst>
+            <a:ext uri="{909E8E84-426E-40DD-AFC4-6F175D3DCCD1}">
+              <a14:hiddenFill xmlns:a14="http://schemas.microsoft.com/office/drawing/2010/main">
+                <a:solidFill>
+                  <a:srgbClr val="FFFFFF"/>
+                </a:solidFill>
+              </a14:hiddenFill>
+            </a:ext>
+          </a:extLst>
+        </p:spPr>
+      </p:pic>
+    </p:spTree>
+    <p:extLst>
+      <p:ext uri="{BB962C8B-B14F-4D97-AF65-F5344CB8AC3E}">
+        <p14:creationId xmlns:p14="http://schemas.microsoft.com/office/powerpoint/2010/main" val="1222561586"/>
+      </p:ext>
+    </p:extLst>
+  </p:cSld>
+  <p:clrMapOvr>
+    <a:masterClrMapping/>
+  </p:clrMapOvr>
+</p:sld>
+</file>
+
+<file path=ppt/slides/slide16.xml><?xml version="1.0" encoding="utf-8"?>
+<p:sld xmlns:a="http://schemas.openxmlformats.org/drawingml/2006/main" xmlns:r="http://schemas.openxmlformats.org/officeDocument/2006/relationships" xmlns:p="http://schemas.openxmlformats.org/presentationml/2006/main">
+  <p:cSld>
+    <p:spTree>
+      <p:nvGrpSpPr>
+        <p:cNvPr id="1" name=""/>
+        <p:cNvGrpSpPr/>
+        <p:nvPr/>
+      </p:nvGrpSpPr>
+      <p:grpSpPr>
+        <a:xfrm>
+          <a:off x="0" y="0"/>
+          <a:ext cx="0" cy="0"/>
+          <a:chOff x="0" y="0"/>
+          <a:chExt cx="0" cy="0"/>
+        </a:xfrm>
+      </p:grpSpPr>
+      <p:sp>
+        <p:nvSpPr>
+          <p:cNvPr id="2" name="标题 1">
+            <a:extLst>
+              <a:ext uri="{FF2B5EF4-FFF2-40B4-BE49-F238E27FC236}">
+                <a16:creationId xmlns:a16="http://schemas.microsoft.com/office/drawing/2014/main" id="{9ABDBD79-D929-45D4-846A-C2F473FABC04}"/>
+              </a:ext>
+            </a:extLst>
+          </p:cNvPr>
+          <p:cNvSpPr>
+            <a:spLocks noGrp="1"/>
+          </p:cNvSpPr>
+          <p:nvPr>
+            <p:ph type="ctrTitle"/>
+          </p:nvPr>
+        </p:nvSpPr>
+        <p:spPr>
+          <a:xfrm>
+            <a:off x="210499" y="258335"/>
+            <a:ext cx="8999489" cy="960234"/>
+          </a:xfrm>
+        </p:spPr>
+        <p:txBody>
+          <a:bodyPr>
+            <a:noAutofit/>
+          </a:bodyPr>
+          <a:lstStyle/>
+          <a:p>
+            <a:pPr algn="l">
+              <a:lnSpc>
+                <a:spcPct val="150000"/>
+              </a:lnSpc>
+            </a:pPr>
+            <a:r>
+              <a:rPr lang="en-US" altLang="zh-CN" sz="3200" dirty="0">
+                <a:latin typeface="微软雅黑" panose="020B0503020204020204" pitchFamily="34" charset="-122"/>
+                <a:ea typeface="微软雅黑" panose="020B0503020204020204" pitchFamily="34" charset="-122"/>
+              </a:rPr>
+              <a:t>Stochastic variation</a:t>
+            </a:r>
+            <a:endParaRPr lang="zh-CN" altLang="en-US" sz="3200" dirty="0">
+              <a:latin typeface="微软雅黑" panose="020B0503020204020204" pitchFamily="34" charset="-122"/>
+              <a:ea typeface="微软雅黑" panose="020B0503020204020204" pitchFamily="34" charset="-122"/>
+            </a:endParaRPr>
+          </a:p>
+        </p:txBody>
+      </p:sp>
+      <p:pic>
+        <p:nvPicPr>
+          <p:cNvPr id="5" name="Picture 2">
+            <a:extLst>
+              <a:ext uri="{FF2B5EF4-FFF2-40B4-BE49-F238E27FC236}">
+                <a16:creationId xmlns:a16="http://schemas.microsoft.com/office/drawing/2014/main" id="{9BF285BD-8541-4EBA-B9E6-749E10161197}"/>
+              </a:ext>
+            </a:extLst>
+          </p:cNvPr>
+          <p:cNvPicPr>
+            <a:picLocks noChangeAspect="1" noChangeArrowheads="1"/>
+          </p:cNvPicPr>
+          <p:nvPr/>
+        </p:nvPicPr>
+        <p:blipFill>
+          <a:blip r:embed="rId2">
+            <a:extLst>
+              <a:ext uri="{28A0092B-C50C-407E-A947-70E740481C1C}">
+                <a14:useLocalDpi xmlns:a14="http://schemas.microsoft.com/office/drawing/2010/main" val="0"/>
+              </a:ext>
+            </a:extLst>
+          </a:blip>
+          <a:srcRect/>
+          <a:stretch>
+            <a:fillRect/>
+          </a:stretch>
+        </p:blipFill>
+        <p:spPr bwMode="auto">
+          <a:xfrm>
+            <a:off x="4212470" y="1451014"/>
+            <a:ext cx="5912604" cy="4681926"/>
+          </a:xfrm>
+          <a:prstGeom prst="rect">
+            <a:avLst/>
+          </a:prstGeom>
+          <a:noFill/>
+          <a:extLst>
+            <a:ext uri="{909E8E84-426E-40DD-AFC4-6F175D3DCCD1}">
+              <a14:hiddenFill xmlns:a14="http://schemas.microsoft.com/office/drawing/2010/main">
+                <a:solidFill>
+                  <a:srgbClr val="FFFFFF"/>
+                </a:solidFill>
+              </a14:hiddenFill>
+            </a:ext>
+          </a:extLst>
+        </p:spPr>
+      </p:pic>
+      <p:sp>
+        <p:nvSpPr>
+          <p:cNvPr id="3" name="矩形 2">
+            <a:extLst>
+              <a:ext uri="{FF2B5EF4-FFF2-40B4-BE49-F238E27FC236}">
+                <a16:creationId xmlns:a16="http://schemas.microsoft.com/office/drawing/2014/main" id="{703770AB-CCFF-4FB2-B13C-FF91C7543AE9}"/>
+              </a:ext>
+            </a:extLst>
+          </p:cNvPr>
+          <p:cNvSpPr/>
+          <p:nvPr/>
+        </p:nvSpPr>
+        <p:spPr>
+          <a:xfrm>
+            <a:off x="104775" y="3571875"/>
+            <a:ext cx="3352800" cy="371475"/>
+          </a:xfrm>
+          <a:prstGeom prst="rect">
+            <a:avLst/>
+          </a:prstGeom>
+          <a:solidFill>
+            <a:schemeClr val="bg1"/>
+          </a:solidFill>
+          <a:ln w="19050">
+            <a:solidFill>
+              <a:schemeClr val="tx1"/>
+            </a:solidFill>
+          </a:ln>
+        </p:spPr>
+        <p:style>
+          <a:lnRef idx="2">
+            <a:schemeClr val="accent1">
+              <a:shade val="50000"/>
+            </a:schemeClr>
+          </a:lnRef>
+          <a:fillRef idx="1">
+            <a:schemeClr val="accent1"/>
+          </a:fillRef>
+          <a:effectRef idx="0">
+            <a:schemeClr val="accent1"/>
+          </a:effectRef>
+          <a:fontRef idx="minor">
+            <a:schemeClr val="lt1"/>
+          </a:fontRef>
+        </p:style>
+        <p:txBody>
+          <a:bodyPr rtlCol="0" anchor="ctr"/>
+          <a:lstStyle/>
+          <a:p>
+            <a:pPr algn="ctr"/>
+            <a:r>
+              <a:rPr lang="en-US" altLang="zh-CN" b="1" dirty="0">
+                <a:solidFill>
+                  <a:schemeClr val="tx1"/>
+                </a:solidFill>
+              </a:rPr>
+              <a:t>512 x 1</a:t>
+            </a:r>
+            <a:endParaRPr lang="zh-CN" altLang="en-US" b="1" dirty="0">
+              <a:solidFill>
+                <a:schemeClr val="tx1"/>
+              </a:solidFill>
+            </a:endParaRPr>
+          </a:p>
+        </p:txBody>
+      </p:sp>
+      <p:sp>
+        <p:nvSpPr>
+          <p:cNvPr id="7" name="副标题 2">
+            <a:extLst>
+              <a:ext uri="{FF2B5EF4-FFF2-40B4-BE49-F238E27FC236}">
+                <a16:creationId xmlns:a16="http://schemas.microsoft.com/office/drawing/2014/main" id="{B4E2E2F4-CFD8-44B2-BB6E-6829355C25BD}"/>
+              </a:ext>
+            </a:extLst>
+          </p:cNvPr>
+          <p:cNvSpPr txBox="1">
+            <a:spLocks/>
+          </p:cNvSpPr>
+          <p:nvPr/>
+        </p:nvSpPr>
+        <p:spPr>
+          <a:xfrm>
+            <a:off x="856040" y="3145172"/>
+            <a:ext cx="3992185" cy="853405"/>
+          </a:xfrm>
+          <a:prstGeom prst="rect">
+            <a:avLst/>
+          </a:prstGeom>
+        </p:spPr>
+        <p:txBody>
+          <a:bodyPr vert="horz" lIns="91440" tIns="45720" rIns="91440" bIns="45720" rtlCol="0">
+            <a:noAutofit/>
+          </a:bodyPr>
+          <a:lstStyle>
+            <a:lvl1pPr marL="0" indent="0" algn="ctr" defTabSz="914400" rtl="0" eaLnBrk="1" latinLnBrk="0" hangingPunct="1">
+              <a:lnSpc>
+                <a:spcPct val="90000"/>
+              </a:lnSpc>
+              <a:spcBef>
+                <a:spcPts val="1000"/>
+              </a:spcBef>
+              <a:buFont typeface="Arial" panose="020B0604020202020204" pitchFamily="34" charset="0"/>
+              <a:buNone/>
+              <a:defRPr sz="2400" kern="1200">
+                <a:solidFill>
+                  <a:schemeClr val="tx1"/>
+                </a:solidFill>
+                <a:latin typeface="+mn-lt"/>
+                <a:ea typeface="+mn-ea"/>
+                <a:cs typeface="+mn-cs"/>
+              </a:defRPr>
+            </a:lvl1pPr>
+            <a:lvl2pPr marL="457200" indent="0" algn="ctr" defTabSz="914400" rtl="0" eaLnBrk="1" latinLnBrk="0" hangingPunct="1">
+              <a:lnSpc>
+                <a:spcPct val="90000"/>
+              </a:lnSpc>
+              <a:spcBef>
+                <a:spcPts val="500"/>
+              </a:spcBef>
+              <a:buFont typeface="Arial" panose="020B0604020202020204" pitchFamily="34" charset="0"/>
+              <a:buNone/>
+              <a:defRPr sz="2000" kern="1200">
+                <a:solidFill>
+                  <a:schemeClr val="tx1"/>
+                </a:solidFill>
+                <a:latin typeface="+mn-lt"/>
+                <a:ea typeface="+mn-ea"/>
+                <a:cs typeface="+mn-cs"/>
+              </a:defRPr>
+            </a:lvl2pPr>
+            <a:lvl3pPr marL="914400" indent="0" algn="ctr" defTabSz="914400" rtl="0" eaLnBrk="1" latinLnBrk="0" hangingPunct="1">
+              <a:lnSpc>
+                <a:spcPct val="90000"/>
+              </a:lnSpc>
+              <a:spcBef>
+                <a:spcPts val="500"/>
+              </a:spcBef>
+              <a:buFont typeface="Arial" panose="020B0604020202020204" pitchFamily="34" charset="0"/>
+              <a:buNone/>
+              <a:defRPr sz="1800" kern="1200">
+                <a:solidFill>
+                  <a:schemeClr val="tx1"/>
+                </a:solidFill>
+                <a:latin typeface="+mn-lt"/>
+                <a:ea typeface="+mn-ea"/>
+                <a:cs typeface="+mn-cs"/>
+              </a:defRPr>
+            </a:lvl3pPr>
+            <a:lvl4pPr marL="1371600" indent="0" algn="ctr" defTabSz="914400" rtl="0" eaLnBrk="1" latinLnBrk="0" hangingPunct="1">
+              <a:lnSpc>
+                <a:spcPct val="90000"/>
+              </a:lnSpc>
+              <a:spcBef>
+                <a:spcPts val="500"/>
+              </a:spcBef>
+              <a:buFont typeface="Arial" panose="020B0604020202020204" pitchFamily="34" charset="0"/>
+              <a:buNone/>
+              <a:defRPr sz="1600" kern="1200">
+                <a:solidFill>
+                  <a:schemeClr val="tx1"/>
+                </a:solidFill>
+                <a:latin typeface="+mn-lt"/>
+                <a:ea typeface="+mn-ea"/>
+                <a:cs typeface="+mn-cs"/>
+              </a:defRPr>
+            </a:lvl4pPr>
+            <a:lvl5pPr marL="1828800" indent="0" algn="ctr" defTabSz="914400" rtl="0" eaLnBrk="1" latinLnBrk="0" hangingPunct="1">
+              <a:lnSpc>
+                <a:spcPct val="90000"/>
+              </a:lnSpc>
+              <a:spcBef>
+                <a:spcPts val="500"/>
+              </a:spcBef>
+              <a:buFont typeface="Arial" panose="020B0604020202020204" pitchFamily="34" charset="0"/>
+              <a:buNone/>
+              <a:defRPr sz="1600" kern="1200">
+                <a:solidFill>
+                  <a:schemeClr val="tx1"/>
+                </a:solidFill>
+                <a:latin typeface="+mn-lt"/>
+                <a:ea typeface="+mn-ea"/>
+                <a:cs typeface="+mn-cs"/>
+              </a:defRPr>
+            </a:lvl5pPr>
+            <a:lvl6pPr marL="2286000" indent="0" algn="ctr" defTabSz="914400" rtl="0" eaLnBrk="1" latinLnBrk="0" hangingPunct="1">
+              <a:lnSpc>
+                <a:spcPct val="90000"/>
+              </a:lnSpc>
+              <a:spcBef>
+                <a:spcPts val="500"/>
+              </a:spcBef>
+              <a:buFont typeface="Arial" panose="020B0604020202020204" pitchFamily="34" charset="0"/>
+              <a:buNone/>
+              <a:defRPr sz="1600" kern="1200">
+                <a:solidFill>
+                  <a:schemeClr val="tx1"/>
+                </a:solidFill>
+                <a:latin typeface="+mn-lt"/>
+                <a:ea typeface="+mn-ea"/>
+                <a:cs typeface="+mn-cs"/>
+              </a:defRPr>
+            </a:lvl6pPr>
+            <a:lvl7pPr marL="2743200" indent="0" algn="ctr" defTabSz="914400" rtl="0" eaLnBrk="1" latinLnBrk="0" hangingPunct="1">
+              <a:lnSpc>
+                <a:spcPct val="90000"/>
+              </a:lnSpc>
+              <a:spcBef>
+                <a:spcPts val="500"/>
+              </a:spcBef>
+              <a:buFont typeface="Arial" panose="020B0604020202020204" pitchFamily="34" charset="0"/>
+              <a:buNone/>
+              <a:defRPr sz="1600" kern="1200">
+                <a:solidFill>
+                  <a:schemeClr val="tx1"/>
+                </a:solidFill>
+                <a:latin typeface="+mn-lt"/>
+                <a:ea typeface="+mn-ea"/>
+                <a:cs typeface="+mn-cs"/>
+              </a:defRPr>
+            </a:lvl7pPr>
+            <a:lvl8pPr marL="3200400" indent="0" algn="ctr" defTabSz="914400" rtl="0" eaLnBrk="1" latinLnBrk="0" hangingPunct="1">
+              <a:lnSpc>
+                <a:spcPct val="90000"/>
+              </a:lnSpc>
+              <a:spcBef>
+                <a:spcPts val="500"/>
+              </a:spcBef>
+              <a:buFont typeface="Arial" panose="020B0604020202020204" pitchFamily="34" charset="0"/>
+              <a:buNone/>
+              <a:defRPr sz="1600" kern="1200">
+                <a:solidFill>
+                  <a:schemeClr val="tx1"/>
+                </a:solidFill>
+                <a:latin typeface="+mn-lt"/>
+                <a:ea typeface="+mn-ea"/>
+                <a:cs typeface="+mn-cs"/>
+              </a:defRPr>
+            </a:lvl8pPr>
+            <a:lvl9pPr marL="3657600" indent="0" algn="ctr" defTabSz="914400" rtl="0" eaLnBrk="1" latinLnBrk="0" hangingPunct="1">
+              <a:lnSpc>
+                <a:spcPct val="90000"/>
+              </a:lnSpc>
+              <a:spcBef>
+                <a:spcPts val="500"/>
+              </a:spcBef>
+              <a:buFont typeface="Arial" panose="020B0604020202020204" pitchFamily="34" charset="0"/>
+              <a:buNone/>
+              <a:defRPr sz="1600" kern="1200">
+                <a:solidFill>
+                  <a:schemeClr val="tx1"/>
+                </a:solidFill>
+                <a:latin typeface="+mn-lt"/>
+                <a:ea typeface="+mn-ea"/>
+                <a:cs typeface="+mn-cs"/>
+              </a:defRPr>
+            </a:lvl9pPr>
+          </a:lstStyle>
+          <a:p>
+            <a:pPr algn="l">
+              <a:lnSpc>
+                <a:spcPct val="100000"/>
+              </a:lnSpc>
+            </a:pPr>
+            <a:r>
+              <a:rPr lang="en-US" altLang="zh-CN" sz="2000" dirty="0">
+                <a:latin typeface="微软雅黑" panose="020B0503020204020204" pitchFamily="34" charset="-122"/>
+                <a:ea typeface="微软雅黑" panose="020B0503020204020204" pitchFamily="34" charset="-122"/>
+              </a:rPr>
+              <a:t>Variation term</a:t>
+            </a:r>
+            <a:endParaRPr lang="zh-CN" altLang="en-US" sz="2000" dirty="0">
+              <a:latin typeface="微软雅黑" panose="020B0503020204020204" pitchFamily="34" charset="-122"/>
+              <a:ea typeface="微软雅黑" panose="020B0503020204020204" pitchFamily="34" charset="-122"/>
+            </a:endParaRPr>
+          </a:p>
+        </p:txBody>
+      </p:sp>
+      <p:pic>
+        <p:nvPicPr>
+          <p:cNvPr id="10" name="Picture 2">
+            <a:extLst>
+              <a:ext uri="{FF2B5EF4-FFF2-40B4-BE49-F238E27FC236}">
+                <a16:creationId xmlns:a16="http://schemas.microsoft.com/office/drawing/2014/main" id="{3E067769-6F27-4E9F-804F-F452A5162B31}"/>
+              </a:ext>
+            </a:extLst>
+          </p:cNvPr>
+          <p:cNvPicPr>
+            <a:picLocks noChangeAspect="1" noChangeArrowheads="1"/>
+          </p:cNvPicPr>
+          <p:nvPr/>
+        </p:nvPicPr>
+        <p:blipFill rotWithShape="1">
+          <a:blip r:embed="rId3">
+            <a:extLst>
+              <a:ext uri="{28A0092B-C50C-407E-A947-70E740481C1C}">
+                <a14:useLocalDpi xmlns:a14="http://schemas.microsoft.com/office/drawing/2010/main" val="0"/>
+              </a:ext>
+            </a:extLst>
+          </a:blip>
+          <a:srcRect l="10300" t="43706" r="80349" b="44202"/>
+          <a:stretch/>
+        </p:blipFill>
+        <p:spPr bwMode="auto">
+          <a:xfrm>
+            <a:off x="3467099" y="3472889"/>
+            <a:ext cx="944185" cy="581026"/>
+          </a:xfrm>
+          <a:prstGeom prst="rect">
+            <a:avLst/>
+          </a:prstGeom>
+          <a:noFill/>
+          <a:extLst>
+            <a:ext uri="{909E8E84-426E-40DD-AFC4-6F175D3DCCD1}">
+              <a14:hiddenFill xmlns:a14="http://schemas.microsoft.com/office/drawing/2010/main">
+                <a:solidFill>
+                  <a:srgbClr val="FFFFFF"/>
+                </a:solidFill>
+              </a14:hiddenFill>
+            </a:ext>
+          </a:extLst>
+        </p:spPr>
+      </p:pic>
+    </p:spTree>
+    <p:extLst>
+      <p:ext uri="{BB962C8B-B14F-4D97-AF65-F5344CB8AC3E}">
+        <p14:creationId xmlns:p14="http://schemas.microsoft.com/office/powerpoint/2010/main" val="1696246111"/>
+      </p:ext>
+    </p:extLst>
+  </p:cSld>
+  <p:clrMapOvr>
+    <a:masterClrMapping/>
+  </p:clrMapOvr>
+</p:sld>
+</file>
+
+<file path=ppt/slides/slide17.xml><?xml version="1.0" encoding="utf-8"?>
+<p:sld xmlns:a="http://schemas.openxmlformats.org/drawingml/2006/main" xmlns:r="http://schemas.openxmlformats.org/officeDocument/2006/relationships" xmlns:p="http://schemas.openxmlformats.org/presentationml/2006/main">
+  <p:cSld>
+    <p:spTree>
+      <p:nvGrpSpPr>
+        <p:cNvPr id="1" name=""/>
+        <p:cNvGrpSpPr/>
+        <p:nvPr/>
+      </p:nvGrpSpPr>
+      <p:grpSpPr>
+        <a:xfrm>
+          <a:off x="0" y="0"/>
+          <a:ext cx="0" cy="0"/>
+          <a:chOff x="0" y="0"/>
+          <a:chExt cx="0" cy="0"/>
+        </a:xfrm>
+      </p:grpSpPr>
+      <p:sp>
+        <p:nvSpPr>
+          <p:cNvPr id="2" name="标题 1">
+            <a:extLst>
+              <a:ext uri="{FF2B5EF4-FFF2-40B4-BE49-F238E27FC236}">
+                <a16:creationId xmlns:a16="http://schemas.microsoft.com/office/drawing/2014/main" id="{9ABDBD79-D929-45D4-846A-C2F473FABC04}"/>
+              </a:ext>
+            </a:extLst>
+          </p:cNvPr>
+          <p:cNvSpPr>
+            <a:spLocks noGrp="1"/>
+          </p:cNvSpPr>
+          <p:nvPr>
+            <p:ph type="ctrTitle"/>
+          </p:nvPr>
+        </p:nvSpPr>
+        <p:spPr>
+          <a:xfrm>
+            <a:off x="210499" y="258335"/>
+            <a:ext cx="8999489" cy="960234"/>
+          </a:xfrm>
+        </p:spPr>
+        <p:txBody>
+          <a:bodyPr>
+            <a:noAutofit/>
+          </a:bodyPr>
+          <a:lstStyle/>
+          <a:p>
+            <a:pPr algn="l">
+              <a:lnSpc>
+                <a:spcPct val="150000"/>
+              </a:lnSpc>
+            </a:pPr>
+            <a:r>
+              <a:rPr lang="en-US" altLang="zh-CN" sz="3200" dirty="0">
+                <a:latin typeface="微软雅黑" panose="020B0503020204020204" pitchFamily="34" charset="-122"/>
+                <a:ea typeface="微软雅黑" panose="020B0503020204020204" pitchFamily="34" charset="-122"/>
+              </a:rPr>
+              <a:t>Stochastic variation</a:t>
+            </a:r>
+            <a:endParaRPr lang="zh-CN" altLang="en-US" sz="3200" dirty="0">
+              <a:latin typeface="微软雅黑" panose="020B0503020204020204" pitchFamily="34" charset="-122"/>
+              <a:ea typeface="微软雅黑" panose="020B0503020204020204" pitchFamily="34" charset="-122"/>
+            </a:endParaRPr>
+          </a:p>
+        </p:txBody>
+      </p:sp>
+      <p:pic>
+        <p:nvPicPr>
+          <p:cNvPr id="8198" name="Picture 6">
+            <a:extLst>
+              <a:ext uri="{FF2B5EF4-FFF2-40B4-BE49-F238E27FC236}">
+                <a16:creationId xmlns:a16="http://schemas.microsoft.com/office/drawing/2014/main" id="{99D3FCFB-A77D-4D29-BEC8-D8637F197D88}"/>
+              </a:ext>
+            </a:extLst>
+          </p:cNvPr>
+          <p:cNvPicPr>
+            <a:picLocks noChangeAspect="1" noChangeArrowheads="1"/>
+          </p:cNvPicPr>
+          <p:nvPr/>
+        </p:nvPicPr>
+        <p:blipFill>
+          <a:blip r:embed="rId2">
+            <a:extLst>
+              <a:ext uri="{28A0092B-C50C-407E-A947-70E740481C1C}">
+                <a14:useLocalDpi xmlns:a14="http://schemas.microsoft.com/office/drawing/2010/main" val="0"/>
+              </a:ext>
+            </a:extLst>
+          </a:blip>
+          <a:srcRect/>
+          <a:stretch>
+            <a:fillRect/>
+          </a:stretch>
+        </p:blipFill>
+        <p:spPr bwMode="auto">
+          <a:xfrm>
+            <a:off x="1249411" y="1633537"/>
+            <a:ext cx="9086850" cy="4694453"/>
+          </a:xfrm>
+          <a:prstGeom prst="rect">
+            <a:avLst/>
+          </a:prstGeom>
+          <a:noFill/>
+          <a:extLst>
+            <a:ext uri="{909E8E84-426E-40DD-AFC4-6F175D3DCCD1}">
+              <a14:hiddenFill xmlns:a14="http://schemas.microsoft.com/office/drawing/2010/main">
+                <a:solidFill>
+                  <a:srgbClr val="FFFFFF"/>
+                </a:solidFill>
+              </a14:hiddenFill>
+            </a:ext>
+          </a:extLst>
+        </p:spPr>
+      </p:pic>
+    </p:spTree>
+    <p:extLst>
+      <p:ext uri="{BB962C8B-B14F-4D97-AF65-F5344CB8AC3E}">
+        <p14:creationId xmlns:p14="http://schemas.microsoft.com/office/powerpoint/2010/main" val="1035951215"/>
+      </p:ext>
+    </p:extLst>
+  </p:cSld>
+  <p:clrMapOvr>
+    <a:masterClrMapping/>
+  </p:clrMapOvr>
+</p:sld>
+</file>
+
+<file path=ppt/slides/slide18.xml><?xml version="1.0" encoding="utf-8"?>
+<p:sld xmlns:a="http://schemas.openxmlformats.org/drawingml/2006/main" xmlns:r="http://schemas.openxmlformats.org/officeDocument/2006/relationships" xmlns:p="http://schemas.openxmlformats.org/presentationml/2006/main">
+  <p:cSld>
+    <p:spTree>
+      <p:nvGrpSpPr>
+        <p:cNvPr id="1" name=""/>
+        <p:cNvGrpSpPr/>
+        <p:nvPr/>
+      </p:nvGrpSpPr>
+      <p:grpSpPr>
+        <a:xfrm>
+          <a:off x="0" y="0"/>
+          <a:ext cx="0" cy="0"/>
+          <a:chOff x="0" y="0"/>
+          <a:chExt cx="0" cy="0"/>
+        </a:xfrm>
+      </p:grpSpPr>
+      <p:sp>
+        <p:nvSpPr>
+          <p:cNvPr id="2" name="标题 1">
+            <a:extLst>
+              <a:ext uri="{FF2B5EF4-FFF2-40B4-BE49-F238E27FC236}">
+                <a16:creationId xmlns:a16="http://schemas.microsoft.com/office/drawing/2014/main" id="{9ABDBD79-D929-45D4-846A-C2F473FABC04}"/>
+              </a:ext>
+            </a:extLst>
+          </p:cNvPr>
+          <p:cNvSpPr>
+            <a:spLocks noGrp="1"/>
+          </p:cNvSpPr>
+          <p:nvPr>
+            <p:ph type="ctrTitle"/>
+          </p:nvPr>
+        </p:nvSpPr>
+        <p:spPr>
+          <a:xfrm>
+            <a:off x="210499" y="258335"/>
+            <a:ext cx="8999489" cy="960234"/>
+          </a:xfrm>
+        </p:spPr>
+        <p:txBody>
+          <a:bodyPr>
+            <a:noAutofit/>
+          </a:bodyPr>
+          <a:lstStyle/>
+          <a:p>
+            <a:pPr algn="l">
+              <a:lnSpc>
+                <a:spcPct val="150000"/>
+              </a:lnSpc>
+            </a:pPr>
+            <a:r>
+              <a:rPr lang="en-US" altLang="zh-CN" sz="3200" dirty="0">
+                <a:latin typeface="微软雅黑" panose="020B0503020204020204" pitchFamily="34" charset="-122"/>
+                <a:ea typeface="微软雅黑" panose="020B0503020204020204" pitchFamily="34" charset="-122"/>
+              </a:rPr>
+              <a:t>Style Mixing</a:t>
+            </a:r>
+            <a:endParaRPr lang="zh-CN" altLang="en-US" sz="3200" dirty="0">
+              <a:latin typeface="微软雅黑" panose="020B0503020204020204" pitchFamily="34" charset="-122"/>
+              <a:ea typeface="微软雅黑" panose="020B0503020204020204" pitchFamily="34" charset="-122"/>
+            </a:endParaRPr>
+          </a:p>
+        </p:txBody>
+      </p:sp>
+      <p:pic>
+        <p:nvPicPr>
+          <p:cNvPr id="4" name="Picture 6">
+            <a:extLst>
+              <a:ext uri="{FF2B5EF4-FFF2-40B4-BE49-F238E27FC236}">
+                <a16:creationId xmlns:a16="http://schemas.microsoft.com/office/drawing/2014/main" id="{80017C8A-59A5-45F8-84A5-3617F215EDB1}"/>
+              </a:ext>
+            </a:extLst>
+          </p:cNvPr>
+          <p:cNvPicPr>
+            <a:picLocks noChangeAspect="1" noChangeArrowheads="1"/>
+          </p:cNvPicPr>
+          <p:nvPr/>
+        </p:nvPicPr>
+        <p:blipFill>
+          <a:blip r:embed="rId2">
+            <a:extLst>
+              <a:ext uri="{28A0092B-C50C-407E-A947-70E740481C1C}">
+                <a14:useLocalDpi xmlns:a14="http://schemas.microsoft.com/office/drawing/2010/main" val="0"/>
+              </a:ext>
+            </a:extLst>
+          </a:blip>
+          <a:srcRect/>
+          <a:stretch>
+            <a:fillRect/>
+          </a:stretch>
+        </p:blipFill>
+        <p:spPr bwMode="auto">
+          <a:xfrm>
+            <a:off x="2161357" y="2485022"/>
+            <a:ext cx="7964536" cy="4114643"/>
+          </a:xfrm>
+          <a:prstGeom prst="rect">
+            <a:avLst/>
+          </a:prstGeom>
+          <a:noFill/>
+          <a:extLst>
+            <a:ext uri="{909E8E84-426E-40DD-AFC4-6F175D3DCCD1}">
+              <a14:hiddenFill xmlns:a14="http://schemas.microsoft.com/office/drawing/2010/main">
+                <a:solidFill>
+                  <a:srgbClr val="FFFFFF"/>
+                </a:solidFill>
+              </a14:hiddenFill>
+            </a:ext>
+          </a:extLst>
+        </p:spPr>
+      </p:pic>
+      <p:sp>
+        <p:nvSpPr>
+          <p:cNvPr id="3" name="矩形 2">
+            <a:extLst>
+              <a:ext uri="{FF2B5EF4-FFF2-40B4-BE49-F238E27FC236}">
+                <a16:creationId xmlns:a16="http://schemas.microsoft.com/office/drawing/2014/main" id="{DA23FECB-D22E-49ED-A29A-79E2F7665DB3}"/>
+              </a:ext>
+            </a:extLst>
+          </p:cNvPr>
+          <p:cNvSpPr/>
+          <p:nvPr/>
+        </p:nvSpPr>
+        <p:spPr>
+          <a:xfrm>
+            <a:off x="4981575" y="2847975"/>
+            <a:ext cx="609600" cy="3648075"/>
+          </a:xfrm>
+          <a:prstGeom prst="rect">
+            <a:avLst/>
+          </a:prstGeom>
+          <a:noFill/>
+          <a:ln w="28575">
+            <a:solidFill>
+              <a:srgbClr val="FF0000"/>
+            </a:solidFill>
+          </a:ln>
+        </p:spPr>
+        <p:style>
+          <a:lnRef idx="2">
+            <a:schemeClr val="accent1">
+              <a:shade val="50000"/>
+            </a:schemeClr>
+          </a:lnRef>
+          <a:fillRef idx="1">
+            <a:schemeClr val="accent1"/>
+          </a:fillRef>
+          <a:effectRef idx="0">
+            <a:schemeClr val="accent1"/>
+          </a:effectRef>
+          <a:fontRef idx="minor">
+            <a:schemeClr val="lt1"/>
+          </a:fontRef>
+        </p:style>
+        <p:txBody>
+          <a:bodyPr rtlCol="0" anchor="ctr"/>
+          <a:lstStyle/>
+          <a:p>
+            <a:pPr algn="ctr"/>
+            <a:endParaRPr lang="zh-CN" altLang="en-US"/>
+          </a:p>
+        </p:txBody>
+      </p:sp>
+      <p:sp>
+        <p:nvSpPr>
+          <p:cNvPr id="7" name="副标题 2">
+            <a:extLst>
+              <a:ext uri="{FF2B5EF4-FFF2-40B4-BE49-F238E27FC236}">
+                <a16:creationId xmlns:a16="http://schemas.microsoft.com/office/drawing/2014/main" id="{53EB1CDE-CC9D-4907-BD36-D18B4A13D1DA}"/>
+              </a:ext>
+            </a:extLst>
+          </p:cNvPr>
+          <p:cNvSpPr>
+            <a:spLocks noGrp="1"/>
+          </p:cNvSpPr>
+          <p:nvPr>
+            <p:ph type="subTitle" idx="1"/>
+          </p:nvPr>
+        </p:nvSpPr>
+        <p:spPr>
+          <a:xfrm>
+            <a:off x="1932365" y="1581522"/>
+            <a:ext cx="7573585" cy="644486"/>
+          </a:xfrm>
+        </p:spPr>
+        <p:txBody>
+          <a:bodyPr>
+            <a:noAutofit/>
+          </a:bodyPr>
+          <a:lstStyle/>
+          <a:p>
+            <a:pPr algn="l">
+              <a:lnSpc>
+                <a:spcPct val="100000"/>
+              </a:lnSpc>
+            </a:pPr>
+            <a:r>
+              <a:rPr lang="en-US" altLang="zh-CN" dirty="0">
+                <a:latin typeface="微软雅黑" panose="020B0503020204020204" pitchFamily="34" charset="-122"/>
+                <a:ea typeface="微软雅黑" panose="020B0503020204020204" pitchFamily="34" charset="-122"/>
+              </a:rPr>
+              <a:t>Independently insert, independently handled.</a:t>
+            </a:r>
+            <a:endParaRPr lang="zh-CN" altLang="en-US" dirty="0">
+              <a:latin typeface="微软雅黑" panose="020B0503020204020204" pitchFamily="34" charset="-122"/>
+              <a:ea typeface="微软雅黑" panose="020B0503020204020204" pitchFamily="34" charset="-122"/>
+            </a:endParaRPr>
+          </a:p>
+        </p:txBody>
+      </p:sp>
+    </p:spTree>
+    <p:extLst>
+      <p:ext uri="{BB962C8B-B14F-4D97-AF65-F5344CB8AC3E}">
+        <p14:creationId xmlns:p14="http://schemas.microsoft.com/office/powerpoint/2010/main" val="2493706030"/>
+      </p:ext>
+    </p:extLst>
+  </p:cSld>
+  <p:clrMapOvr>
+    <a:masterClrMapping/>
+  </p:clrMapOvr>
+</p:sld>
+</file>
+
+<file path=ppt/slides/slide19.xml><?xml version="1.0" encoding="utf-8"?>
+<p:sld xmlns:a="http://schemas.openxmlformats.org/drawingml/2006/main" xmlns:r="http://schemas.openxmlformats.org/officeDocument/2006/relationships" xmlns:p="http://schemas.openxmlformats.org/presentationml/2006/main">
+  <p:cSld>
+    <p:spTree>
+      <p:nvGrpSpPr>
+        <p:cNvPr id="1" name=""/>
+        <p:cNvGrpSpPr/>
+        <p:nvPr/>
+      </p:nvGrpSpPr>
+      <p:grpSpPr>
+        <a:xfrm>
+          <a:off x="0" y="0"/>
+          <a:ext cx="0" cy="0"/>
+          <a:chOff x="0" y="0"/>
+          <a:chExt cx="0" cy="0"/>
+        </a:xfrm>
+      </p:grpSpPr>
+      <p:sp>
+        <p:nvSpPr>
+          <p:cNvPr id="2" name="标题 1">
+            <a:extLst>
+              <a:ext uri="{FF2B5EF4-FFF2-40B4-BE49-F238E27FC236}">
+                <a16:creationId xmlns:a16="http://schemas.microsoft.com/office/drawing/2014/main" id="{9ABDBD79-D929-45D4-846A-C2F473FABC04}"/>
+              </a:ext>
+            </a:extLst>
+          </p:cNvPr>
+          <p:cNvSpPr>
+            <a:spLocks noGrp="1"/>
+          </p:cNvSpPr>
+          <p:nvPr>
+            <p:ph type="ctrTitle"/>
+          </p:nvPr>
+        </p:nvSpPr>
+        <p:spPr>
+          <a:xfrm>
+            <a:off x="210499" y="258335"/>
+            <a:ext cx="8999489" cy="960234"/>
+          </a:xfrm>
+        </p:spPr>
+        <p:txBody>
+          <a:bodyPr>
+            <a:noAutofit/>
+          </a:bodyPr>
+          <a:lstStyle/>
+          <a:p>
+            <a:pPr algn="l">
+              <a:lnSpc>
+                <a:spcPct val="150000"/>
+              </a:lnSpc>
+            </a:pPr>
+            <a:r>
+              <a:rPr lang="en-US" altLang="zh-CN" sz="3200" dirty="0">
+                <a:latin typeface="微软雅黑" panose="020B0503020204020204" pitchFamily="34" charset="-122"/>
+                <a:ea typeface="微软雅黑" panose="020B0503020204020204" pitchFamily="34" charset="-122"/>
+              </a:rPr>
+              <a:t>Style Mixing</a:t>
+            </a:r>
+            <a:endParaRPr lang="zh-CN" altLang="en-US" sz="3200" dirty="0">
+              <a:latin typeface="微软雅黑" panose="020B0503020204020204" pitchFamily="34" charset="-122"/>
+              <a:ea typeface="微软雅黑" panose="020B0503020204020204" pitchFamily="34" charset="-122"/>
+            </a:endParaRPr>
+          </a:p>
+        </p:txBody>
+      </p:sp>
+      <p:sp>
+        <p:nvSpPr>
+          <p:cNvPr id="7" name="副标题 2">
+            <a:extLst>
+              <a:ext uri="{FF2B5EF4-FFF2-40B4-BE49-F238E27FC236}">
+                <a16:creationId xmlns:a16="http://schemas.microsoft.com/office/drawing/2014/main" id="{53EB1CDE-CC9D-4907-BD36-D18B4A13D1DA}"/>
+              </a:ext>
+            </a:extLst>
+          </p:cNvPr>
+          <p:cNvSpPr>
+            <a:spLocks noGrp="1"/>
+          </p:cNvSpPr>
+          <p:nvPr>
+            <p:ph type="subTitle" idx="1"/>
+          </p:nvPr>
+        </p:nvSpPr>
+        <p:spPr>
+          <a:xfrm>
+            <a:off x="210500" y="2441771"/>
+            <a:ext cx="7573585" cy="644486"/>
+          </a:xfrm>
+        </p:spPr>
+        <p:txBody>
+          <a:bodyPr>
+            <a:noAutofit/>
+          </a:bodyPr>
+          <a:lstStyle/>
+          <a:p>
+            <a:pPr algn="l">
+              <a:lnSpc>
+                <a:spcPct val="100000"/>
+              </a:lnSpc>
+            </a:pPr>
+            <a:r>
+              <a:rPr lang="en-US" altLang="zh-CN" dirty="0">
+                <a:latin typeface="微软雅黑" panose="020B0503020204020204" pitchFamily="34" charset="-122"/>
+                <a:ea typeface="微软雅黑" panose="020B0503020204020204" pitchFamily="34" charset="-122"/>
+              </a:rPr>
+              <a:t>Latent code 1: [blue hair, smiling, no glasses]</a:t>
+            </a:r>
+            <a:endParaRPr lang="zh-CN" altLang="en-US" dirty="0">
+              <a:latin typeface="微软雅黑" panose="020B0503020204020204" pitchFamily="34" charset="-122"/>
+              <a:ea typeface="微软雅黑" panose="020B0503020204020204" pitchFamily="34" charset="-122"/>
+            </a:endParaRPr>
+          </a:p>
+        </p:txBody>
+      </p:sp>
+      <p:sp>
+        <p:nvSpPr>
+          <p:cNvPr id="6" name="副标题 2">
+            <a:extLst>
+              <a:ext uri="{FF2B5EF4-FFF2-40B4-BE49-F238E27FC236}">
+                <a16:creationId xmlns:a16="http://schemas.microsoft.com/office/drawing/2014/main" id="{D0EE58B3-D9B5-44F5-94A6-14D323277FBE}"/>
+              </a:ext>
+            </a:extLst>
+          </p:cNvPr>
+          <p:cNvSpPr txBox="1">
+            <a:spLocks/>
+          </p:cNvSpPr>
+          <p:nvPr/>
+        </p:nvSpPr>
+        <p:spPr>
+          <a:xfrm>
+            <a:off x="210499" y="3383197"/>
+            <a:ext cx="7573585" cy="644486"/>
+          </a:xfrm>
+          <a:prstGeom prst="rect">
+            <a:avLst/>
+          </a:prstGeom>
+        </p:spPr>
+        <p:txBody>
+          <a:bodyPr vert="horz" lIns="91440" tIns="45720" rIns="91440" bIns="45720" rtlCol="0">
+            <a:noAutofit/>
+          </a:bodyPr>
+          <a:lstStyle>
+            <a:lvl1pPr marL="0" indent="0" algn="ctr" defTabSz="914400" rtl="0" eaLnBrk="1" latinLnBrk="0" hangingPunct="1">
+              <a:lnSpc>
+                <a:spcPct val="90000"/>
+              </a:lnSpc>
+              <a:spcBef>
+                <a:spcPts val="1000"/>
+              </a:spcBef>
+              <a:buFont typeface="Arial" panose="020B0604020202020204" pitchFamily="34" charset="0"/>
+              <a:buNone/>
+              <a:defRPr sz="2400" kern="1200">
+                <a:solidFill>
+                  <a:schemeClr val="tx1"/>
+                </a:solidFill>
+                <a:latin typeface="+mn-lt"/>
+                <a:ea typeface="+mn-ea"/>
+                <a:cs typeface="+mn-cs"/>
+              </a:defRPr>
+            </a:lvl1pPr>
+            <a:lvl2pPr marL="457200" indent="0" algn="ctr" defTabSz="914400" rtl="0" eaLnBrk="1" latinLnBrk="0" hangingPunct="1">
+              <a:lnSpc>
+                <a:spcPct val="90000"/>
+              </a:lnSpc>
+              <a:spcBef>
+                <a:spcPts val="500"/>
+              </a:spcBef>
+              <a:buFont typeface="Arial" panose="020B0604020202020204" pitchFamily="34" charset="0"/>
+              <a:buNone/>
+              <a:defRPr sz="2000" kern="1200">
+                <a:solidFill>
+                  <a:schemeClr val="tx1"/>
+                </a:solidFill>
+                <a:latin typeface="+mn-lt"/>
+                <a:ea typeface="+mn-ea"/>
+                <a:cs typeface="+mn-cs"/>
+              </a:defRPr>
+            </a:lvl2pPr>
+            <a:lvl3pPr marL="914400" indent="0" algn="ctr" defTabSz="914400" rtl="0" eaLnBrk="1" latinLnBrk="0" hangingPunct="1">
+              <a:lnSpc>
+                <a:spcPct val="90000"/>
+              </a:lnSpc>
+              <a:spcBef>
+                <a:spcPts val="500"/>
+              </a:spcBef>
+              <a:buFont typeface="Arial" panose="020B0604020202020204" pitchFamily="34" charset="0"/>
+              <a:buNone/>
+              <a:defRPr sz="1800" kern="1200">
+                <a:solidFill>
+                  <a:schemeClr val="tx1"/>
+                </a:solidFill>
+                <a:latin typeface="+mn-lt"/>
+                <a:ea typeface="+mn-ea"/>
+                <a:cs typeface="+mn-cs"/>
+              </a:defRPr>
+            </a:lvl3pPr>
+            <a:lvl4pPr marL="1371600" indent="0" algn="ctr" defTabSz="914400" rtl="0" eaLnBrk="1" latinLnBrk="0" hangingPunct="1">
+              <a:lnSpc>
+                <a:spcPct val="90000"/>
+              </a:lnSpc>
+              <a:spcBef>
+                <a:spcPts val="500"/>
+              </a:spcBef>
+              <a:buFont typeface="Arial" panose="020B0604020202020204" pitchFamily="34" charset="0"/>
+              <a:buNone/>
+              <a:defRPr sz="1600" kern="1200">
+                <a:solidFill>
+                  <a:schemeClr val="tx1"/>
+                </a:solidFill>
+                <a:latin typeface="+mn-lt"/>
+                <a:ea typeface="+mn-ea"/>
+                <a:cs typeface="+mn-cs"/>
+              </a:defRPr>
+            </a:lvl4pPr>
+            <a:lvl5pPr marL="1828800" indent="0" algn="ctr" defTabSz="914400" rtl="0" eaLnBrk="1" latinLnBrk="0" hangingPunct="1">
+              <a:lnSpc>
+                <a:spcPct val="90000"/>
+              </a:lnSpc>
+              <a:spcBef>
+                <a:spcPts val="500"/>
+              </a:spcBef>
+              <a:buFont typeface="Arial" panose="020B0604020202020204" pitchFamily="34" charset="0"/>
+              <a:buNone/>
+              <a:defRPr sz="1600" kern="1200">
+                <a:solidFill>
+                  <a:schemeClr val="tx1"/>
+                </a:solidFill>
+                <a:latin typeface="+mn-lt"/>
+                <a:ea typeface="+mn-ea"/>
+                <a:cs typeface="+mn-cs"/>
+              </a:defRPr>
+            </a:lvl5pPr>
+            <a:lvl6pPr marL="2286000" indent="0" algn="ctr" defTabSz="914400" rtl="0" eaLnBrk="1" latinLnBrk="0" hangingPunct="1">
+              <a:lnSpc>
+                <a:spcPct val="90000"/>
+              </a:lnSpc>
+              <a:spcBef>
+                <a:spcPts val="500"/>
+              </a:spcBef>
+              <a:buFont typeface="Arial" panose="020B0604020202020204" pitchFamily="34" charset="0"/>
+              <a:buNone/>
+              <a:defRPr sz="1600" kern="1200">
+                <a:solidFill>
+                  <a:schemeClr val="tx1"/>
+                </a:solidFill>
+                <a:latin typeface="+mn-lt"/>
+                <a:ea typeface="+mn-ea"/>
+                <a:cs typeface="+mn-cs"/>
+              </a:defRPr>
+            </a:lvl6pPr>
+            <a:lvl7pPr marL="2743200" indent="0" algn="ctr" defTabSz="914400" rtl="0" eaLnBrk="1" latinLnBrk="0" hangingPunct="1">
+              <a:lnSpc>
+                <a:spcPct val="90000"/>
+              </a:lnSpc>
+              <a:spcBef>
+                <a:spcPts val="500"/>
+              </a:spcBef>
+              <a:buFont typeface="Arial" panose="020B0604020202020204" pitchFamily="34" charset="0"/>
+              <a:buNone/>
+              <a:defRPr sz="1600" kern="1200">
+                <a:solidFill>
+                  <a:schemeClr val="tx1"/>
+                </a:solidFill>
+                <a:latin typeface="+mn-lt"/>
+                <a:ea typeface="+mn-ea"/>
+                <a:cs typeface="+mn-cs"/>
+              </a:defRPr>
+            </a:lvl7pPr>
+            <a:lvl8pPr marL="3200400" indent="0" algn="ctr" defTabSz="914400" rtl="0" eaLnBrk="1" latinLnBrk="0" hangingPunct="1">
+              <a:lnSpc>
+                <a:spcPct val="90000"/>
+              </a:lnSpc>
+              <a:spcBef>
+                <a:spcPts val="500"/>
+              </a:spcBef>
+              <a:buFont typeface="Arial" panose="020B0604020202020204" pitchFamily="34" charset="0"/>
+              <a:buNone/>
+              <a:defRPr sz="1600" kern="1200">
+                <a:solidFill>
+                  <a:schemeClr val="tx1"/>
+                </a:solidFill>
+                <a:latin typeface="+mn-lt"/>
+                <a:ea typeface="+mn-ea"/>
+                <a:cs typeface="+mn-cs"/>
+              </a:defRPr>
+            </a:lvl8pPr>
+            <a:lvl9pPr marL="3657600" indent="0" algn="ctr" defTabSz="914400" rtl="0" eaLnBrk="1" latinLnBrk="0" hangingPunct="1">
+              <a:lnSpc>
+                <a:spcPct val="90000"/>
+              </a:lnSpc>
+              <a:spcBef>
+                <a:spcPts val="500"/>
+              </a:spcBef>
+              <a:buFont typeface="Arial" panose="020B0604020202020204" pitchFamily="34" charset="0"/>
+              <a:buNone/>
+              <a:defRPr sz="1600" kern="1200">
+                <a:solidFill>
+                  <a:schemeClr val="tx1"/>
+                </a:solidFill>
+                <a:latin typeface="+mn-lt"/>
+                <a:ea typeface="+mn-ea"/>
+                <a:cs typeface="+mn-cs"/>
+              </a:defRPr>
+            </a:lvl9pPr>
+          </a:lstStyle>
+          <a:p>
+            <a:pPr algn="l">
+              <a:lnSpc>
+                <a:spcPct val="100000"/>
+              </a:lnSpc>
+            </a:pPr>
+            <a:r>
+              <a:rPr lang="en-US" altLang="zh-CN" dirty="0">
+                <a:latin typeface="微软雅黑" panose="020B0503020204020204" pitchFamily="34" charset="-122"/>
+                <a:ea typeface="微软雅黑" panose="020B0503020204020204" pitchFamily="34" charset="-122"/>
+              </a:rPr>
+              <a:t>Latent code 2: [black hair, grinning, round glasses]</a:t>
+            </a:r>
+            <a:endParaRPr lang="zh-CN" altLang="en-US" dirty="0">
+              <a:latin typeface="微软雅黑" panose="020B0503020204020204" pitchFamily="34" charset="-122"/>
+              <a:ea typeface="微软雅黑" panose="020B0503020204020204" pitchFamily="34" charset="-122"/>
+            </a:endParaRPr>
+          </a:p>
+        </p:txBody>
+      </p:sp>
+      <p:sp>
+        <p:nvSpPr>
+          <p:cNvPr id="8" name="副标题 2">
+            <a:extLst>
+              <a:ext uri="{FF2B5EF4-FFF2-40B4-BE49-F238E27FC236}">
+                <a16:creationId xmlns:a16="http://schemas.microsoft.com/office/drawing/2014/main" id="{6B37D4BC-D8BE-4CAF-AEEF-08E5DE497DE0}"/>
+              </a:ext>
+            </a:extLst>
+          </p:cNvPr>
+          <p:cNvSpPr txBox="1">
+            <a:spLocks/>
+          </p:cNvSpPr>
+          <p:nvPr/>
+        </p:nvSpPr>
+        <p:spPr>
+          <a:xfrm>
+            <a:off x="210499" y="4327994"/>
+            <a:ext cx="7790501" cy="644486"/>
+          </a:xfrm>
+          <a:prstGeom prst="rect">
+            <a:avLst/>
+          </a:prstGeom>
+        </p:spPr>
+        <p:txBody>
+          <a:bodyPr vert="horz" lIns="91440" tIns="45720" rIns="91440" bIns="45720" rtlCol="0">
+            <a:noAutofit/>
+          </a:bodyPr>
+          <a:lstStyle>
+            <a:lvl1pPr marL="0" indent="0" algn="ctr" defTabSz="914400" rtl="0" eaLnBrk="1" latinLnBrk="0" hangingPunct="1">
+              <a:lnSpc>
+                <a:spcPct val="90000"/>
+              </a:lnSpc>
+              <a:spcBef>
+                <a:spcPts val="1000"/>
+              </a:spcBef>
+              <a:buFont typeface="Arial" panose="020B0604020202020204" pitchFamily="34" charset="0"/>
+              <a:buNone/>
+              <a:defRPr sz="2400" kern="1200">
+                <a:solidFill>
+                  <a:schemeClr val="tx1"/>
+                </a:solidFill>
+                <a:latin typeface="+mn-lt"/>
+                <a:ea typeface="+mn-ea"/>
+                <a:cs typeface="+mn-cs"/>
+              </a:defRPr>
+            </a:lvl1pPr>
+            <a:lvl2pPr marL="457200" indent="0" algn="ctr" defTabSz="914400" rtl="0" eaLnBrk="1" latinLnBrk="0" hangingPunct="1">
+              <a:lnSpc>
+                <a:spcPct val="90000"/>
+              </a:lnSpc>
+              <a:spcBef>
+                <a:spcPts val="500"/>
+              </a:spcBef>
+              <a:buFont typeface="Arial" panose="020B0604020202020204" pitchFamily="34" charset="0"/>
+              <a:buNone/>
+              <a:defRPr sz="2000" kern="1200">
+                <a:solidFill>
+                  <a:schemeClr val="tx1"/>
+                </a:solidFill>
+                <a:latin typeface="+mn-lt"/>
+                <a:ea typeface="+mn-ea"/>
+                <a:cs typeface="+mn-cs"/>
+              </a:defRPr>
+            </a:lvl2pPr>
+            <a:lvl3pPr marL="914400" indent="0" algn="ctr" defTabSz="914400" rtl="0" eaLnBrk="1" latinLnBrk="0" hangingPunct="1">
+              <a:lnSpc>
+                <a:spcPct val="90000"/>
+              </a:lnSpc>
+              <a:spcBef>
+                <a:spcPts val="500"/>
+              </a:spcBef>
+              <a:buFont typeface="Arial" panose="020B0604020202020204" pitchFamily="34" charset="0"/>
+              <a:buNone/>
+              <a:defRPr sz="1800" kern="1200">
+                <a:solidFill>
+                  <a:schemeClr val="tx1"/>
+                </a:solidFill>
+                <a:latin typeface="+mn-lt"/>
+                <a:ea typeface="+mn-ea"/>
+                <a:cs typeface="+mn-cs"/>
+              </a:defRPr>
+            </a:lvl3pPr>
+            <a:lvl4pPr marL="1371600" indent="0" algn="ctr" defTabSz="914400" rtl="0" eaLnBrk="1" latinLnBrk="0" hangingPunct="1">
+              <a:lnSpc>
+                <a:spcPct val="90000"/>
+              </a:lnSpc>
+              <a:spcBef>
+                <a:spcPts val="500"/>
+              </a:spcBef>
+              <a:buFont typeface="Arial" panose="020B0604020202020204" pitchFamily="34" charset="0"/>
+              <a:buNone/>
+              <a:defRPr sz="1600" kern="1200">
+                <a:solidFill>
+                  <a:schemeClr val="tx1"/>
+                </a:solidFill>
+                <a:latin typeface="+mn-lt"/>
+                <a:ea typeface="+mn-ea"/>
+                <a:cs typeface="+mn-cs"/>
+              </a:defRPr>
+            </a:lvl4pPr>
+            <a:lvl5pPr marL="1828800" indent="0" algn="ctr" defTabSz="914400" rtl="0" eaLnBrk="1" latinLnBrk="0" hangingPunct="1">
+              <a:lnSpc>
+                <a:spcPct val="90000"/>
+              </a:lnSpc>
+              <a:spcBef>
+                <a:spcPts val="500"/>
+              </a:spcBef>
+              <a:buFont typeface="Arial" panose="020B0604020202020204" pitchFamily="34" charset="0"/>
+              <a:buNone/>
+              <a:defRPr sz="1600" kern="1200">
+                <a:solidFill>
+                  <a:schemeClr val="tx1"/>
+                </a:solidFill>
+                <a:latin typeface="+mn-lt"/>
+                <a:ea typeface="+mn-ea"/>
+                <a:cs typeface="+mn-cs"/>
+              </a:defRPr>
+            </a:lvl5pPr>
+            <a:lvl6pPr marL="2286000" indent="0" algn="ctr" defTabSz="914400" rtl="0" eaLnBrk="1" latinLnBrk="0" hangingPunct="1">
+              <a:lnSpc>
+                <a:spcPct val="90000"/>
+              </a:lnSpc>
+              <a:spcBef>
+                <a:spcPts val="500"/>
+              </a:spcBef>
+              <a:buFont typeface="Arial" panose="020B0604020202020204" pitchFamily="34" charset="0"/>
+              <a:buNone/>
+              <a:defRPr sz="1600" kern="1200">
+                <a:solidFill>
+                  <a:schemeClr val="tx1"/>
+                </a:solidFill>
+                <a:latin typeface="+mn-lt"/>
+                <a:ea typeface="+mn-ea"/>
+                <a:cs typeface="+mn-cs"/>
+              </a:defRPr>
+            </a:lvl6pPr>
+            <a:lvl7pPr marL="2743200" indent="0" algn="ctr" defTabSz="914400" rtl="0" eaLnBrk="1" latinLnBrk="0" hangingPunct="1">
+              <a:lnSpc>
+                <a:spcPct val="90000"/>
+              </a:lnSpc>
+              <a:spcBef>
+                <a:spcPts val="500"/>
+              </a:spcBef>
+              <a:buFont typeface="Arial" panose="020B0604020202020204" pitchFamily="34" charset="0"/>
+              <a:buNone/>
+              <a:defRPr sz="1600" kern="1200">
+                <a:solidFill>
+                  <a:schemeClr val="tx1"/>
+                </a:solidFill>
+                <a:latin typeface="+mn-lt"/>
+                <a:ea typeface="+mn-ea"/>
+                <a:cs typeface="+mn-cs"/>
+              </a:defRPr>
+            </a:lvl7pPr>
+            <a:lvl8pPr marL="3200400" indent="0" algn="ctr" defTabSz="914400" rtl="0" eaLnBrk="1" latinLnBrk="0" hangingPunct="1">
+              <a:lnSpc>
+                <a:spcPct val="90000"/>
+              </a:lnSpc>
+              <a:spcBef>
+                <a:spcPts val="500"/>
+              </a:spcBef>
+              <a:buFont typeface="Arial" panose="020B0604020202020204" pitchFamily="34" charset="0"/>
+              <a:buNone/>
+              <a:defRPr sz="1600" kern="1200">
+                <a:solidFill>
+                  <a:schemeClr val="tx1"/>
+                </a:solidFill>
+                <a:latin typeface="+mn-lt"/>
+                <a:ea typeface="+mn-ea"/>
+                <a:cs typeface="+mn-cs"/>
+              </a:defRPr>
+            </a:lvl8pPr>
+            <a:lvl9pPr marL="3657600" indent="0" algn="ctr" defTabSz="914400" rtl="0" eaLnBrk="1" latinLnBrk="0" hangingPunct="1">
+              <a:lnSpc>
+                <a:spcPct val="90000"/>
+              </a:lnSpc>
+              <a:spcBef>
+                <a:spcPts val="500"/>
+              </a:spcBef>
+              <a:buFont typeface="Arial" panose="020B0604020202020204" pitchFamily="34" charset="0"/>
+              <a:buNone/>
+              <a:defRPr sz="1600" kern="1200">
+                <a:solidFill>
+                  <a:schemeClr val="tx1"/>
+                </a:solidFill>
+                <a:latin typeface="+mn-lt"/>
+                <a:ea typeface="+mn-ea"/>
+                <a:cs typeface="+mn-cs"/>
+              </a:defRPr>
+            </a:lvl9pPr>
+          </a:lstStyle>
+          <a:p>
+            <a:pPr algn="l">
+              <a:lnSpc>
+                <a:spcPct val="100000"/>
+              </a:lnSpc>
+            </a:pPr>
+            <a:r>
+              <a:rPr lang="en-US" altLang="zh-CN" dirty="0">
+                <a:latin typeface="微软雅黑" panose="020B0503020204020204" pitchFamily="34" charset="-122"/>
+                <a:ea typeface="微软雅黑" panose="020B0503020204020204" pitchFamily="34" charset="-122"/>
+              </a:rPr>
+              <a:t>Latent code 3: [pink hair, no-smile, sun glasses]</a:t>
+            </a:r>
+            <a:endParaRPr lang="zh-CN" altLang="en-US" dirty="0">
+              <a:latin typeface="微软雅黑" panose="020B0503020204020204" pitchFamily="34" charset="-122"/>
+              <a:ea typeface="微软雅黑" panose="020B0503020204020204" pitchFamily="34" charset="-122"/>
+            </a:endParaRPr>
+          </a:p>
+        </p:txBody>
+      </p:sp>
+      <p:sp>
+        <p:nvSpPr>
+          <p:cNvPr id="5" name="椭圆 4">
+            <a:extLst>
+              <a:ext uri="{FF2B5EF4-FFF2-40B4-BE49-F238E27FC236}">
+                <a16:creationId xmlns:a16="http://schemas.microsoft.com/office/drawing/2014/main" id="{864BA821-51DF-48F5-8BEC-D24F3A9A0ACC}"/>
+              </a:ext>
+            </a:extLst>
+          </p:cNvPr>
+          <p:cNvSpPr/>
+          <p:nvPr/>
+        </p:nvSpPr>
+        <p:spPr>
+          <a:xfrm>
+            <a:off x="2400300" y="2346521"/>
+            <a:ext cx="1596991" cy="641115"/>
+          </a:xfrm>
+          <a:prstGeom prst="ellipse">
+            <a:avLst/>
+          </a:prstGeom>
+          <a:noFill/>
+          <a:ln w="28575">
+            <a:solidFill>
+              <a:srgbClr val="FF0000"/>
+            </a:solidFill>
+          </a:ln>
+        </p:spPr>
+        <p:style>
+          <a:lnRef idx="2">
+            <a:schemeClr val="accent1">
+              <a:shade val="50000"/>
+            </a:schemeClr>
+          </a:lnRef>
+          <a:fillRef idx="1">
+            <a:schemeClr val="accent1"/>
+          </a:fillRef>
+          <a:effectRef idx="0">
+            <a:schemeClr val="accent1"/>
+          </a:effectRef>
+          <a:fontRef idx="minor">
+            <a:schemeClr val="lt1"/>
+          </a:fontRef>
+        </p:style>
+        <p:txBody>
+          <a:bodyPr rtlCol="0" anchor="ctr"/>
+          <a:lstStyle/>
+          <a:p>
+            <a:pPr algn="ctr"/>
+            <a:endParaRPr lang="zh-CN" altLang="en-US"/>
+          </a:p>
+        </p:txBody>
+      </p:sp>
+      <p:sp>
+        <p:nvSpPr>
+          <p:cNvPr id="9" name="椭圆 8">
+            <a:extLst>
+              <a:ext uri="{FF2B5EF4-FFF2-40B4-BE49-F238E27FC236}">
+                <a16:creationId xmlns:a16="http://schemas.microsoft.com/office/drawing/2014/main" id="{1300E1F4-6B9B-48CE-9080-0A687E91DC04}"/>
+              </a:ext>
+            </a:extLst>
+          </p:cNvPr>
+          <p:cNvSpPr/>
+          <p:nvPr/>
+        </p:nvSpPr>
+        <p:spPr>
+          <a:xfrm>
+            <a:off x="3997291" y="3284576"/>
+            <a:ext cx="1412910" cy="644486"/>
+          </a:xfrm>
+          <a:prstGeom prst="ellipse">
+            <a:avLst/>
+          </a:prstGeom>
+          <a:noFill/>
+          <a:ln w="28575">
+            <a:solidFill>
+              <a:srgbClr val="FF0000"/>
+            </a:solidFill>
+          </a:ln>
+        </p:spPr>
+        <p:style>
+          <a:lnRef idx="2">
+            <a:schemeClr val="accent1">
+              <a:shade val="50000"/>
+            </a:schemeClr>
+          </a:lnRef>
+          <a:fillRef idx="1">
+            <a:schemeClr val="accent1"/>
+          </a:fillRef>
+          <a:effectRef idx="0">
+            <a:schemeClr val="accent1"/>
+          </a:effectRef>
+          <a:fontRef idx="minor">
+            <a:schemeClr val="lt1"/>
+          </a:fontRef>
+        </p:style>
+        <p:txBody>
+          <a:bodyPr rtlCol="0" anchor="ctr"/>
+          <a:lstStyle/>
+          <a:p>
+            <a:pPr algn="ctr"/>
+            <a:endParaRPr lang="zh-CN" altLang="en-US"/>
+          </a:p>
+        </p:txBody>
+      </p:sp>
+      <p:sp>
+        <p:nvSpPr>
+          <p:cNvPr id="10" name="椭圆 9">
+            <a:extLst>
+              <a:ext uri="{FF2B5EF4-FFF2-40B4-BE49-F238E27FC236}">
+                <a16:creationId xmlns:a16="http://schemas.microsoft.com/office/drawing/2014/main" id="{9468C659-CAFE-464B-907B-9D8FBEBDBCB7}"/>
+              </a:ext>
+            </a:extLst>
+          </p:cNvPr>
+          <p:cNvSpPr/>
+          <p:nvPr/>
+        </p:nvSpPr>
+        <p:spPr>
+          <a:xfrm>
+            <a:off x="5318633" y="4226002"/>
+            <a:ext cx="1815592" cy="644486"/>
+          </a:xfrm>
+          <a:prstGeom prst="ellipse">
+            <a:avLst/>
+          </a:prstGeom>
+          <a:noFill/>
+          <a:ln w="28575">
+            <a:solidFill>
+              <a:srgbClr val="FF0000"/>
+            </a:solidFill>
+          </a:ln>
+        </p:spPr>
+        <p:style>
+          <a:lnRef idx="2">
+            <a:schemeClr val="accent1">
+              <a:shade val="50000"/>
+            </a:schemeClr>
+          </a:lnRef>
+          <a:fillRef idx="1">
+            <a:schemeClr val="accent1"/>
+          </a:fillRef>
+          <a:effectRef idx="0">
+            <a:schemeClr val="accent1"/>
+          </a:effectRef>
+          <a:fontRef idx="minor">
+            <a:schemeClr val="lt1"/>
+          </a:fontRef>
+        </p:style>
+        <p:txBody>
+          <a:bodyPr rtlCol="0" anchor="ctr"/>
+          <a:lstStyle/>
+          <a:p>
+            <a:pPr algn="ctr"/>
+            <a:endParaRPr lang="zh-CN" altLang="en-US"/>
+          </a:p>
+        </p:txBody>
+      </p:sp>
+      <p:pic>
+        <p:nvPicPr>
+          <p:cNvPr id="11" name="图片 10">
+            <a:extLst>
+              <a:ext uri="{FF2B5EF4-FFF2-40B4-BE49-F238E27FC236}">
+                <a16:creationId xmlns:a16="http://schemas.microsoft.com/office/drawing/2014/main" id="{9A876F0D-1D1A-448B-8BC7-23FB53E0F28E}"/>
+              </a:ext>
+            </a:extLst>
+          </p:cNvPr>
+          <p:cNvPicPr>
+            <a:picLocks noChangeAspect="1"/>
+          </p:cNvPicPr>
+          <p:nvPr/>
+        </p:nvPicPr>
+        <p:blipFill>
+          <a:blip r:embed="rId2"/>
+          <a:stretch>
+            <a:fillRect/>
+          </a:stretch>
+        </p:blipFill>
+        <p:spPr>
+          <a:xfrm>
+            <a:off x="8133386" y="1793217"/>
+            <a:ext cx="3088190" cy="3474803"/>
+          </a:xfrm>
+          <a:prstGeom prst="rect">
+            <a:avLst/>
+          </a:prstGeom>
+        </p:spPr>
+      </p:pic>
+    </p:spTree>
+    <p:extLst>
+      <p:ext uri="{BB962C8B-B14F-4D97-AF65-F5344CB8AC3E}">
+        <p14:creationId xmlns:p14="http://schemas.microsoft.com/office/powerpoint/2010/main" val="4032622072"/>
+      </p:ext>
+    </p:extLst>
+  </p:cSld>
+  <p:clrMapOvr>
+    <a:masterClrMapping/>
+  </p:clrMapOvr>
+  <p:timing>
+    <p:tnLst>
+      <p:par>
+        <p:cTn id="1" dur="indefinite" restart="never" nodeType="tmRoot">
+          <p:childTnLst>
+            <p:seq concurrent="1" nextAc="seek">
+              <p:cTn id="2" dur="indefinite" nodeType="mainSeq">
+                <p:childTnLst>
+                  <p:par>
+                    <p:cTn id="3" fill="hold">
+                      <p:stCondLst>
+                        <p:cond delay="indefinite"/>
+                      </p:stCondLst>
+                      <p:childTnLst>
+                        <p:par>
+                          <p:cTn id="4" fill="hold">
+                            <p:stCondLst>
+                              <p:cond delay="0"/>
+                            </p:stCondLst>
+                            <p:childTnLst>
+                              <p:par>
+                                <p:cTn id="5" presetID="42" presetClass="entr" presetSubtype="0" fill="hold" nodeType="clickEffect">
+                                  <p:stCondLst>
+                                    <p:cond delay="0"/>
+                                  </p:stCondLst>
+                                  <p:childTnLst>
+                                    <p:set>
+                                      <p:cBhvr>
+                                        <p:cTn id="6" dur="1" fill="hold">
+                                          <p:stCondLst>
+                                            <p:cond delay="0"/>
+                                          </p:stCondLst>
+                                        </p:cTn>
+                                        <p:tgtEl>
+                                          <p:spTgt spid="11"/>
+                                        </p:tgtEl>
+                                        <p:attrNameLst>
+                                          <p:attrName>style.visibility</p:attrName>
+                                        </p:attrNameLst>
+                                      </p:cBhvr>
+                                      <p:to>
+                                        <p:strVal val="visible"/>
+                                      </p:to>
+                                    </p:set>
+                                    <p:animEffect transition="in" filter="fade">
+                                      <p:cBhvr>
+                                        <p:cTn id="7" dur="500"/>
+                                        <p:tgtEl>
+                                          <p:spTgt spid="11"/>
+                                        </p:tgtEl>
+                                      </p:cBhvr>
+                                    </p:animEffect>
+                                    <p:anim calcmode="lin" valueType="num">
+                                      <p:cBhvr>
+                                        <p:cTn id="8" dur="500" fill="hold"/>
+                                        <p:tgtEl>
+                                          <p:spTgt spid="11"/>
+                                        </p:tgtEl>
+                                        <p:attrNameLst>
+                                          <p:attrName>ppt_x</p:attrName>
+                                        </p:attrNameLst>
+                                      </p:cBhvr>
+                                      <p:tavLst>
+                                        <p:tav tm="0">
+                                          <p:val>
+                                            <p:strVal val="#ppt_x"/>
+                                          </p:val>
+                                        </p:tav>
+                                        <p:tav tm="100000">
+                                          <p:val>
+                                            <p:strVal val="#ppt_x"/>
+                                          </p:val>
+                                        </p:tav>
+                                      </p:tavLst>
+                                    </p:anim>
+                                    <p:anim calcmode="lin" valueType="num">
+                                      <p:cBhvr>
+                                        <p:cTn id="9" dur="500" fill="hold"/>
+                                        <p:tgtEl>
+                                          <p:spTgt spid="11"/>
+                                        </p:tgtEl>
+                                        <p:attrNameLst>
+                                          <p:attrName>ppt_y</p:attrName>
+                                        </p:attrNameLst>
+                                      </p:cBhvr>
+                                      <p:tavLst>
+                                        <p:tav tm="0">
+                                          <p:val>
+                                            <p:strVal val="#ppt_y+.1"/>
+                                          </p:val>
+                                        </p:tav>
+                                        <p:tav tm="100000">
+                                          <p:val>
+                                            <p:strVal val="#ppt_y"/>
+                                          </p:val>
+                                        </p:tav>
+                                      </p:tavLst>
+                                    </p:anim>
+                                  </p:childTnLst>
+                                </p:cTn>
+                              </p:par>
+                            </p:childTnLst>
+                          </p:cTn>
+                        </p:par>
+                      </p:childTnLst>
+                    </p:cTn>
+                  </p:par>
+                </p:childTnLst>
+              </p:cTn>
+              <p:prevCondLst>
+                <p:cond evt="onPrev" delay="0">
+                  <p:tgtEl>
+                    <p:sldTgt/>
+                  </p:tgtEl>
+                </p:cond>
+              </p:prevCondLst>
+              <p:nextCondLst>
+                <p:cond evt="onNext" delay="0">
+                  <p:tgtEl>
+                    <p:sldTgt/>
+                  </p:tgtEl>
+                </p:cond>
+              </p:nextCondLst>
+            </p:seq>
+          </p:childTnLst>
+        </p:cTn>
+      </p:par>
+    </p:tnLst>
+  </p:timing>
+</p:sld>
+</file>
+
 <file path=ppt/slides/slide2.xml><?xml version="1.0" encoding="utf-8"?>
 <p:sld xmlns:a="http://schemas.openxmlformats.org/drawingml/2006/main" xmlns:r="http://schemas.openxmlformats.org/officeDocument/2006/relationships" xmlns:p="http://schemas.openxmlformats.org/presentationml/2006/main">
   <p:cSld>
@@ -3611,6 +6187,180 @@
     <p:extLst>
       <p:ext uri="{BB962C8B-B14F-4D97-AF65-F5344CB8AC3E}">
         <p14:creationId xmlns:p14="http://schemas.microsoft.com/office/powerpoint/2010/main" val="2411638436"/>
+      </p:ext>
+    </p:extLst>
+  </p:cSld>
+  <p:clrMapOvr>
+    <a:masterClrMapping/>
+  </p:clrMapOvr>
+</p:sld>
+</file>
+
+<file path=ppt/slides/slide20.xml><?xml version="1.0" encoding="utf-8"?>
+<p:sld xmlns:a="http://schemas.openxmlformats.org/drawingml/2006/main" xmlns:r="http://schemas.openxmlformats.org/officeDocument/2006/relationships" xmlns:p="http://schemas.openxmlformats.org/presentationml/2006/main">
+  <p:cSld>
+    <p:spTree>
+      <p:nvGrpSpPr>
+        <p:cNvPr id="1" name=""/>
+        <p:cNvGrpSpPr/>
+        <p:nvPr/>
+      </p:nvGrpSpPr>
+      <p:grpSpPr>
+        <a:xfrm>
+          <a:off x="0" y="0"/>
+          <a:ext cx="0" cy="0"/>
+          <a:chOff x="0" y="0"/>
+          <a:chExt cx="0" cy="0"/>
+        </a:xfrm>
+      </p:grpSpPr>
+      <p:sp>
+        <p:nvSpPr>
+          <p:cNvPr id="2" name="标题 1">
+            <a:extLst>
+              <a:ext uri="{FF2B5EF4-FFF2-40B4-BE49-F238E27FC236}">
+                <a16:creationId xmlns:a16="http://schemas.microsoft.com/office/drawing/2014/main" id="{9ABDBD79-D929-45D4-846A-C2F473FABC04}"/>
+              </a:ext>
+            </a:extLst>
+          </p:cNvPr>
+          <p:cNvSpPr>
+            <a:spLocks noGrp="1"/>
+          </p:cNvSpPr>
+          <p:nvPr>
+            <p:ph type="ctrTitle"/>
+          </p:nvPr>
+        </p:nvSpPr>
+        <p:spPr>
+          <a:xfrm>
+            <a:off x="710119" y="428017"/>
+            <a:ext cx="10910751" cy="960234"/>
+          </a:xfrm>
+        </p:spPr>
+        <p:txBody>
+          <a:bodyPr>
+            <a:normAutofit/>
+          </a:bodyPr>
+          <a:lstStyle/>
+          <a:p>
+            <a:pPr algn="l">
+              <a:lnSpc>
+                <a:spcPct val="150000"/>
+              </a:lnSpc>
+            </a:pPr>
+            <a:r>
+              <a:rPr lang="en-US" altLang="zh-CN" sz="4200" dirty="0">
+                <a:latin typeface="微软雅黑" panose="020B0503020204020204" pitchFamily="34" charset="-122"/>
+                <a:ea typeface="微软雅黑" panose="020B0503020204020204" pitchFamily="34" charset="-122"/>
+              </a:rPr>
+              <a:t>Content</a:t>
+            </a:r>
+            <a:endParaRPr lang="zh-CN" altLang="en-US" sz="4200" dirty="0">
+              <a:latin typeface="微软雅黑" panose="020B0503020204020204" pitchFamily="34" charset="-122"/>
+              <a:ea typeface="微软雅黑" panose="020B0503020204020204" pitchFamily="34" charset="-122"/>
+            </a:endParaRPr>
+          </a:p>
+        </p:txBody>
+      </p:sp>
+      <p:sp>
+        <p:nvSpPr>
+          <p:cNvPr id="3" name="副标题 2">
+            <a:extLst>
+              <a:ext uri="{FF2B5EF4-FFF2-40B4-BE49-F238E27FC236}">
+                <a16:creationId xmlns:a16="http://schemas.microsoft.com/office/drawing/2014/main" id="{8B01A6D5-3DA3-44B2-B4D0-61B95FFF11B1}"/>
+              </a:ext>
+            </a:extLst>
+          </p:cNvPr>
+          <p:cNvSpPr>
+            <a:spLocks noGrp="1"/>
+          </p:cNvSpPr>
+          <p:nvPr>
+            <p:ph type="subTitle" idx="1"/>
+          </p:nvPr>
+        </p:nvSpPr>
+        <p:spPr>
+          <a:xfrm>
+            <a:off x="982492" y="1773238"/>
+            <a:ext cx="5785953" cy="2044618"/>
+          </a:xfrm>
+        </p:spPr>
+        <p:txBody>
+          <a:bodyPr>
+            <a:normAutofit/>
+          </a:bodyPr>
+          <a:lstStyle/>
+          <a:p>
+            <a:pPr marL="457200" indent="-457200" algn="l">
+              <a:buFont typeface="Arial" panose="020B0604020202020204" pitchFamily="34" charset="0"/>
+              <a:buChar char="•"/>
+            </a:pPr>
+            <a:r>
+              <a:rPr lang="en-US" altLang="zh-CN" sz="2800" dirty="0">
+                <a:latin typeface="微软雅黑" panose="020B0503020204020204" pitchFamily="34" charset="-122"/>
+                <a:ea typeface="微软雅黑" panose="020B0503020204020204" pitchFamily="34" charset="-122"/>
+              </a:rPr>
+              <a:t>Introduction</a:t>
+            </a:r>
+          </a:p>
+          <a:p>
+            <a:pPr marL="457200" indent="-457200" algn="l">
+              <a:buFont typeface="Arial" panose="020B0604020202020204" pitchFamily="34" charset="0"/>
+              <a:buChar char="•"/>
+            </a:pPr>
+            <a:r>
+              <a:rPr lang="en-US" altLang="zh-CN" sz="2800" dirty="0">
+                <a:latin typeface="微软雅黑" panose="020B0503020204020204" pitchFamily="34" charset="-122"/>
+                <a:ea typeface="微软雅黑" panose="020B0503020204020204" pitchFamily="34" charset="-122"/>
+              </a:rPr>
+              <a:t>Motivation</a:t>
+            </a:r>
+          </a:p>
+          <a:p>
+            <a:pPr marL="457200" indent="-457200" algn="l">
+              <a:buFont typeface="Arial" panose="020B0604020202020204" pitchFamily="34" charset="0"/>
+              <a:buChar char="•"/>
+            </a:pPr>
+            <a:r>
+              <a:rPr lang="en-US" altLang="zh-CN" sz="2800" dirty="0">
+                <a:latin typeface="微软雅黑" panose="020B0503020204020204" pitchFamily="34" charset="-122"/>
+                <a:ea typeface="微软雅黑" panose="020B0503020204020204" pitchFamily="34" charset="-122"/>
+              </a:rPr>
+              <a:t>Architecture Details</a:t>
+            </a:r>
+          </a:p>
+          <a:p>
+            <a:pPr marL="457200" indent="-457200" algn="l">
+              <a:buFont typeface="Arial" panose="020B0604020202020204" pitchFamily="34" charset="0"/>
+              <a:buChar char="•"/>
+            </a:pPr>
+            <a:r>
+              <a:rPr lang="en-US" altLang="zh-CN" sz="2800" dirty="0">
+                <a:solidFill>
+                  <a:srgbClr val="FF0000"/>
+                </a:solidFill>
+                <a:latin typeface="微软雅黑" panose="020B0503020204020204" pitchFamily="34" charset="-122"/>
+                <a:ea typeface="微软雅黑" panose="020B0503020204020204" pitchFamily="34" charset="-122"/>
+              </a:rPr>
+              <a:t>Evaluation</a:t>
+            </a:r>
+          </a:p>
+          <a:p>
+            <a:pPr marL="914400" lvl="1" indent="-457200" algn="l">
+              <a:buFont typeface="Arial" panose="020B0604020202020204" pitchFamily="34" charset="0"/>
+              <a:buChar char="•"/>
+            </a:pPr>
+            <a:endParaRPr lang="zh-CN" altLang="en-US" sz="2400" dirty="0">
+              <a:solidFill>
+                <a:srgbClr val="FF0000"/>
+              </a:solidFill>
+              <a:latin typeface="微软雅黑" panose="020B0503020204020204" pitchFamily="34" charset="-122"/>
+              <a:ea typeface="微软雅黑" panose="020B0503020204020204" pitchFamily="34" charset="-122"/>
+            </a:endParaRPr>
+          </a:p>
+        </p:txBody>
+      </p:sp>
+    </p:spTree>
+    <p:extLst>
+      <p:ext uri="{BB962C8B-B14F-4D97-AF65-F5344CB8AC3E}">
+        <p14:creationId xmlns:p14="http://schemas.microsoft.com/office/powerpoint/2010/main" val="2784155514"/>
       </p:ext>
     </p:extLst>
   </p:cSld>
@@ -3637,41 +6387,12 @@
           <a:chExt cx="0" cy="0"/>
         </a:xfrm>
       </p:grpSpPr>
-      <p:pic>
-        <p:nvPicPr>
-          <p:cNvPr id="6" name="图片 5">
-            <a:extLst>
-              <a:ext uri="{FF2B5EF4-FFF2-40B4-BE49-F238E27FC236}">
-                <a16:creationId xmlns:a16="http://schemas.microsoft.com/office/drawing/2014/main" id="{32A1884F-6E5A-4D1B-BEDC-A485757A7229}"/>
-              </a:ext>
-            </a:extLst>
-          </p:cNvPr>
-          <p:cNvPicPr>
-            <a:picLocks noChangeAspect="1"/>
-          </p:cNvPicPr>
-          <p:nvPr/>
-        </p:nvPicPr>
-        <p:blipFill rotWithShape="1">
-          <a:blip r:embed="rId2"/>
-          <a:srcRect l="14691" t="39374" r="13402"/>
-          <a:stretch/>
-        </p:blipFill>
-        <p:spPr>
-          <a:xfrm>
-            <a:off x="1213315" y="2642080"/>
-            <a:ext cx="9765368" cy="1686986"/>
-          </a:xfrm>
-          <a:prstGeom prst="rect">
-            <a:avLst/>
-          </a:prstGeom>
-        </p:spPr>
-      </p:pic>
-      <p:sp>
-        <p:nvSpPr>
-          <p:cNvPr id="9" name="标题 1">
-            <a:extLst>
-              <a:ext uri="{FF2B5EF4-FFF2-40B4-BE49-F238E27FC236}">
-                <a16:creationId xmlns:a16="http://schemas.microsoft.com/office/drawing/2014/main" id="{387A6FBD-920B-4ED5-9D27-D05C307A4034}"/>
+      <p:sp>
+        <p:nvSpPr>
+          <p:cNvPr id="2" name="标题 1">
+            <a:extLst>
+              <a:ext uri="{FF2B5EF4-FFF2-40B4-BE49-F238E27FC236}">
+                <a16:creationId xmlns:a16="http://schemas.microsoft.com/office/drawing/2014/main" id="{9ABDBD79-D929-45D4-846A-C2F473FABC04}"/>
               </a:ext>
             </a:extLst>
           </p:cNvPr>
@@ -3684,8 +6405,8 @@
         </p:nvSpPr>
         <p:spPr>
           <a:xfrm>
-            <a:off x="3188616" y="4270340"/>
-            <a:ext cx="5814767" cy="927541"/>
+            <a:off x="710119" y="428017"/>
+            <a:ext cx="10484623" cy="960234"/>
           </a:xfrm>
         </p:spPr>
         <p:txBody>
@@ -3694,19 +6415,19 @@
           </a:bodyPr>
           <a:lstStyle/>
           <a:p>
-            <a:pPr>
+            <a:pPr algn="l">
               <a:lnSpc>
                 <a:spcPct val="150000"/>
               </a:lnSpc>
             </a:pPr>
             <a:r>
-              <a:rPr lang="en-US" altLang="zh-CN" sz="3200" dirty="0">
+              <a:rPr lang="en-US" altLang="zh-CN" sz="4200" dirty="0">
                 <a:latin typeface="微软雅黑" panose="020B0503020204020204" pitchFamily="34" charset="-122"/>
                 <a:ea typeface="微软雅黑" panose="020B0503020204020204" pitchFamily="34" charset="-122"/>
               </a:rPr>
-              <a:t>CVPR 2019</a:t>
-            </a:r>
-            <a:endParaRPr lang="zh-CN" altLang="en-US" sz="3200" dirty="0">
+              <a:t>Content</a:t>
+            </a:r>
+            <a:endParaRPr lang="zh-CN" altLang="en-US" sz="4200" dirty="0">
               <a:latin typeface="微软雅黑" panose="020B0503020204020204" pitchFamily="34" charset="-122"/>
               <a:ea typeface="微软雅黑" panose="020B0503020204020204" pitchFamily="34" charset="-122"/>
             </a:endParaRPr>
@@ -3715,85 +6436,75 @@
       </p:sp>
       <p:sp>
         <p:nvSpPr>
-          <p:cNvPr id="10" name="标题 1">
-            <a:extLst>
-              <a:ext uri="{FF2B5EF4-FFF2-40B4-BE49-F238E27FC236}">
-                <a16:creationId xmlns:a16="http://schemas.microsoft.com/office/drawing/2014/main" id="{91996601-F545-4B93-B8A4-28E250B47A4D}"/>
-              </a:ext>
-            </a:extLst>
-          </p:cNvPr>
-          <p:cNvSpPr txBox="1">
-            <a:spLocks/>
-          </p:cNvSpPr>
-          <p:nvPr/>
+          <p:cNvPr id="3" name="副标题 2">
+            <a:extLst>
+              <a:ext uri="{FF2B5EF4-FFF2-40B4-BE49-F238E27FC236}">
+                <a16:creationId xmlns:a16="http://schemas.microsoft.com/office/drawing/2014/main" id="{8B01A6D5-3DA3-44B2-B4D0-61B95FFF11B1}"/>
+              </a:ext>
+            </a:extLst>
+          </p:cNvPr>
+          <p:cNvSpPr>
+            <a:spLocks noGrp="1"/>
+          </p:cNvSpPr>
+          <p:nvPr>
+            <p:ph type="subTitle" idx="1"/>
+          </p:nvPr>
         </p:nvSpPr>
         <p:spPr>
           <a:xfrm>
-            <a:off x="-17334" y="1079617"/>
-            <a:ext cx="12226666" cy="902974"/>
+            <a:off x="982492" y="1773238"/>
+            <a:ext cx="5785953" cy="2044618"/>
           </a:xfrm>
-          <a:prstGeom prst="rect">
-            <a:avLst/>
-          </a:prstGeom>
-          <a:solidFill>
-            <a:schemeClr val="bg1"/>
-          </a:solidFill>
         </p:spPr>
         <p:txBody>
-          <a:bodyPr vert="horz" lIns="91440" tIns="45720" rIns="91440" bIns="45720" rtlCol="0" anchor="b">
+          <a:bodyPr>
             <a:normAutofit/>
           </a:bodyPr>
-          <a:lstStyle>
-            <a:lvl1pPr algn="ctr" defTabSz="914400" rtl="0" eaLnBrk="1" latinLnBrk="0" hangingPunct="1">
-              <a:lnSpc>
-                <a:spcPct val="90000"/>
-              </a:lnSpc>
-              <a:spcBef>
-                <a:spcPct val="0"/>
-              </a:spcBef>
-              <a:buNone/>
-              <a:defRPr sz="6000" kern="1200">
-                <a:solidFill>
-                  <a:schemeClr val="tx1"/>
-                </a:solidFill>
-                <a:latin typeface="+mj-lt"/>
-                <a:ea typeface="+mj-ea"/>
-                <a:cs typeface="+mj-cs"/>
-              </a:defRPr>
-            </a:lvl1pPr>
-          </a:lstStyle>
-          <a:p>
-            <a:pPr>
-              <a:lnSpc>
-                <a:spcPct val="150000"/>
-              </a:lnSpc>
+          <a:lstStyle/>
+          <a:p>
+            <a:pPr marL="457200" indent="-457200" algn="l">
+              <a:buFont typeface="Arial" panose="020B0604020202020204" pitchFamily="34" charset="0"/>
+              <a:buChar char="•"/>
             </a:pPr>
             <a:r>
-              <a:rPr lang="en-US" altLang="zh-CN" sz="2800" b="1" dirty="0">
-                <a:latin typeface="Times New Roman" panose="02020603050405020304" pitchFamily="18" charset="0"/>
+              <a:rPr lang="en-US" altLang="zh-CN" sz="2800" dirty="0">
+                <a:solidFill>
+                  <a:srgbClr val="FF0000"/>
+                </a:solidFill>
+                <a:latin typeface="微软雅黑" panose="020B0503020204020204" pitchFamily="34" charset="-122"/>
                 <a:ea typeface="微软雅黑" panose="020B0503020204020204" pitchFamily="34" charset="-122"/>
-                <a:cs typeface="Times New Roman" panose="02020603050405020304" pitchFamily="18" charset="0"/>
               </a:rPr>
-              <a:t>A Style-Based Generator Architecture for </a:t>
-            </a:r>
-            <a:r>
-              <a:rPr lang="en-US" altLang="zh-CN" sz="2800" b="1" dirty="0">
-                <a:solidFill>
-                  <a:srgbClr val="FF0000"/>
-                </a:solidFill>
-                <a:latin typeface="Times New Roman" panose="02020603050405020304" pitchFamily="18" charset="0"/>
+              <a:t>Introduction</a:t>
+            </a:r>
+          </a:p>
+          <a:p>
+            <a:pPr marL="457200" indent="-457200" algn="l">
+              <a:buFont typeface="Arial" panose="020B0604020202020204" pitchFamily="34" charset="0"/>
+              <a:buChar char="•"/>
+            </a:pPr>
+            <a:r>
+              <a:rPr lang="en-US" altLang="zh-CN" sz="2800" dirty="0">
+                <a:latin typeface="微软雅黑" panose="020B0503020204020204" pitchFamily="34" charset="-122"/>
                 <a:ea typeface="微软雅黑" panose="020B0503020204020204" pitchFamily="34" charset="-122"/>
-                <a:cs typeface="Times New Roman" panose="02020603050405020304" pitchFamily="18" charset="0"/>
               </a:rPr>
-              <a:t>Generative Adversarial Networks</a:t>
-            </a:r>
-            <a:endParaRPr lang="zh-CN" altLang="en-US" sz="2800" b="1" dirty="0">
-              <a:solidFill>
-                <a:srgbClr val="FF0000"/>
-              </a:solidFill>
-              <a:latin typeface="Times New Roman" panose="02020603050405020304" pitchFamily="18" charset="0"/>
+              <a:t>Motivation</a:t>
+            </a:r>
+          </a:p>
+          <a:p>
+            <a:pPr marL="457200" indent="-457200" algn="l">
+              <a:buFont typeface="Arial" panose="020B0604020202020204" pitchFamily="34" charset="0"/>
+              <a:buChar char="•"/>
+            </a:pPr>
+            <a:r>
+              <a:rPr lang="en-US" altLang="zh-CN" sz="2800" dirty="0">
+                <a:latin typeface="微软雅黑" panose="020B0503020204020204" pitchFamily="34" charset="-122"/>
+                <a:ea typeface="微软雅黑" panose="020B0503020204020204" pitchFamily="34" charset="-122"/>
+              </a:rPr>
+              <a:t>Architecture Details</a:t>
+            </a:r>
+            <a:endParaRPr lang="zh-CN" altLang="en-US" sz="2800" dirty="0">
+              <a:latin typeface="微软雅黑" panose="020B0503020204020204" pitchFamily="34" charset="-122"/>
               <a:ea typeface="微软雅黑" panose="020B0503020204020204" pitchFamily="34" charset="-122"/>
-              <a:cs typeface="Times New Roman" panose="02020603050405020304" pitchFamily="18" charset="0"/>
             </a:endParaRPr>
           </a:p>
         </p:txBody>
@@ -3801,7 +6512,7 @@
     </p:spTree>
     <p:extLst>
       <p:ext uri="{BB962C8B-B14F-4D97-AF65-F5344CB8AC3E}">
-        <p14:creationId xmlns:p14="http://schemas.microsoft.com/office/powerpoint/2010/main" val="3309722299"/>
+        <p14:creationId xmlns:p14="http://schemas.microsoft.com/office/powerpoint/2010/main" val="776952425"/>
       </p:ext>
     </p:extLst>
   </p:cSld>
@@ -3846,8 +6557,8 @@
         </p:nvSpPr>
         <p:spPr>
           <a:xfrm>
-            <a:off x="710119" y="428017"/>
-            <a:ext cx="3125921" cy="960234"/>
+            <a:off x="180663" y="188535"/>
+            <a:ext cx="13175563" cy="879204"/>
           </a:xfrm>
         </p:spPr>
         <p:txBody>
@@ -3856,31 +6567,121 @@
           </a:bodyPr>
           <a:lstStyle/>
           <a:p>
-            <a:pPr>
+            <a:pPr algn="l">
               <a:lnSpc>
                 <a:spcPct val="150000"/>
               </a:lnSpc>
             </a:pPr>
             <a:r>
-              <a:rPr lang="en-US" altLang="zh-CN" sz="4200" dirty="0">
+              <a:rPr lang="en-US" altLang="zh-CN" sz="3200" dirty="0">
                 <a:latin typeface="微软雅黑" panose="020B0503020204020204" pitchFamily="34" charset="-122"/>
                 <a:ea typeface="微软雅黑" panose="020B0503020204020204" pitchFamily="34" charset="-122"/>
               </a:rPr>
-              <a:t>Content</a:t>
-            </a:r>
-            <a:endParaRPr lang="zh-CN" altLang="en-US" sz="4200" dirty="0">
+              <a:t>What is GAN (Generative Adversarial Networks) ?</a:t>
+            </a:r>
+            <a:endParaRPr lang="zh-CN" altLang="en-US" sz="3200" dirty="0">
               <a:latin typeface="微软雅黑" panose="020B0503020204020204" pitchFamily="34" charset="-122"/>
               <a:ea typeface="微软雅黑" panose="020B0503020204020204" pitchFamily="34" charset="-122"/>
             </a:endParaRPr>
           </a:p>
         </p:txBody>
       </p:sp>
-      <p:sp>
-        <p:nvSpPr>
-          <p:cNvPr id="3" name="副标题 2">
-            <a:extLst>
-              <a:ext uri="{FF2B5EF4-FFF2-40B4-BE49-F238E27FC236}">
-                <a16:creationId xmlns:a16="http://schemas.microsoft.com/office/drawing/2014/main" id="{8B01A6D5-3DA3-44B2-B4D0-61B95FFF11B1}"/>
+      <p:pic>
+        <p:nvPicPr>
+          <p:cNvPr id="7" name="图片 6">
+            <a:extLst>
+              <a:ext uri="{FF2B5EF4-FFF2-40B4-BE49-F238E27FC236}">
+                <a16:creationId xmlns:a16="http://schemas.microsoft.com/office/drawing/2014/main" id="{FC2FB84F-3E61-4D73-BF77-03B0424F9031}"/>
+              </a:ext>
+            </a:extLst>
+          </p:cNvPr>
+          <p:cNvPicPr>
+            <a:picLocks noChangeAspect="1"/>
+          </p:cNvPicPr>
+          <p:nvPr/>
+        </p:nvPicPr>
+        <p:blipFill>
+          <a:blip r:embed="rId2">
+            <a:extLst>
+              <a:ext uri="{28A0092B-C50C-407E-A947-70E740481C1C}">
+                <a14:useLocalDpi xmlns:a14="http://schemas.microsoft.com/office/drawing/2010/main" val="0"/>
+              </a:ext>
+            </a:extLst>
+          </a:blip>
+          <a:stretch>
+            <a:fillRect/>
+          </a:stretch>
+        </p:blipFill>
+        <p:spPr>
+          <a:xfrm>
+            <a:off x="1315278" y="1385624"/>
+            <a:ext cx="9370944" cy="4086751"/>
+          </a:xfrm>
+          <a:prstGeom prst="rect">
+            <a:avLst/>
+          </a:prstGeom>
+        </p:spPr>
+      </p:pic>
+      <p:sp>
+        <p:nvSpPr>
+          <p:cNvPr id="8" name="箭头: 下 7">
+            <a:extLst>
+              <a:ext uri="{FF2B5EF4-FFF2-40B4-BE49-F238E27FC236}">
+                <a16:creationId xmlns:a16="http://schemas.microsoft.com/office/drawing/2014/main" id="{E2357DE2-C03D-48BB-AFBB-1AB42B9D80A8}"/>
+              </a:ext>
+            </a:extLst>
+          </p:cNvPr>
+          <p:cNvSpPr/>
+          <p:nvPr/>
+        </p:nvSpPr>
+        <p:spPr>
+          <a:xfrm>
+            <a:off x="1605193" y="5022291"/>
+            <a:ext cx="230819" cy="895948"/>
+          </a:xfrm>
+          <a:prstGeom prst="downArrow">
+            <a:avLst/>
+          </a:prstGeom>
+          <a:solidFill>
+            <a:schemeClr val="bg1"/>
+          </a:solidFill>
+          <a:ln>
+            <a:solidFill>
+              <a:schemeClr val="tx1"/>
+            </a:solidFill>
+          </a:ln>
+        </p:spPr>
+        <p:style>
+          <a:lnRef idx="2">
+            <a:schemeClr val="accent1">
+              <a:shade val="50000"/>
+            </a:schemeClr>
+          </a:lnRef>
+          <a:fillRef idx="1">
+            <a:schemeClr val="accent1"/>
+          </a:fillRef>
+          <a:effectRef idx="0">
+            <a:schemeClr val="accent1"/>
+          </a:effectRef>
+          <a:fontRef idx="minor">
+            <a:schemeClr val="lt1"/>
+          </a:fontRef>
+        </p:style>
+        <p:txBody>
+          <a:bodyPr rtlCol="0" anchor="ctr"/>
+          <a:lstStyle/>
+          <a:p>
+            <a:pPr algn="ctr"/>
+            <a:endParaRPr lang="zh-CN" altLang="en-US"/>
+          </a:p>
+        </p:txBody>
+      </p:sp>
+      <p:sp>
+        <p:nvSpPr>
+          <p:cNvPr id="9" name="副标题 2">
+            <a:extLst>
+              <a:ext uri="{FF2B5EF4-FFF2-40B4-BE49-F238E27FC236}">
+                <a16:creationId xmlns:a16="http://schemas.microsoft.com/office/drawing/2014/main" id="{56F9CF0C-90DB-47FF-876B-2415E680F04B}"/>
               </a:ext>
             </a:extLst>
           </p:cNvPr>
@@ -3893,28 +6694,25 @@
         </p:nvSpPr>
         <p:spPr>
           <a:xfrm>
-            <a:off x="982492" y="1773238"/>
-            <a:ext cx="3414409" cy="1655762"/>
+            <a:off x="734253" y="5978603"/>
+            <a:ext cx="10030579" cy="576315"/>
           </a:xfrm>
         </p:spPr>
         <p:txBody>
           <a:bodyPr>
-            <a:normAutofit/>
+            <a:normAutofit fontScale="92500"/>
           </a:bodyPr>
           <a:lstStyle/>
           <a:p>
-            <a:pPr marL="457200" indent="-457200">
-              <a:buFont typeface="Arial" panose="020B0604020202020204" pitchFamily="34" charset="0"/>
-              <a:buChar char="•"/>
-            </a:pPr>
-            <a:r>
-              <a:rPr lang="en-US" altLang="zh-CN" sz="2800" dirty="0">
+            <a:pPr algn="l"/>
+            <a:r>
+              <a:rPr lang="en-US" altLang="zh-CN" dirty="0">
                 <a:latin typeface="微软雅黑" panose="020B0503020204020204" pitchFamily="34" charset="-122"/>
                 <a:ea typeface="微软雅黑" panose="020B0503020204020204" pitchFamily="34" charset="-122"/>
               </a:rPr>
-              <a:t>Introduction</a:t>
-            </a:r>
-            <a:endParaRPr lang="zh-CN" altLang="en-US" sz="2800" dirty="0">
+              <a:t>Usually a latent vector: [1.65, 0.68, 1.98, 0.25, 0.39, …, 0.87, 2.91, 1.87]</a:t>
+            </a:r>
+            <a:endParaRPr lang="zh-CN" altLang="en-US" dirty="0">
               <a:latin typeface="微软雅黑" panose="020B0503020204020204" pitchFamily="34" charset="-122"/>
               <a:ea typeface="微软雅黑" panose="020B0503020204020204" pitchFamily="34" charset="-122"/>
             </a:endParaRPr>
@@ -3924,7 +6722,7 @@
     </p:spTree>
     <p:extLst>
       <p:ext uri="{BB962C8B-B14F-4D97-AF65-F5344CB8AC3E}">
-        <p14:creationId xmlns:p14="http://schemas.microsoft.com/office/powerpoint/2010/main" val="776952425"/>
+        <p14:creationId xmlns:p14="http://schemas.microsoft.com/office/powerpoint/2010/main" val="2632063546"/>
       </p:ext>
     </p:extLst>
   </p:cSld>
@@ -3970,7 +6768,7 @@
         <p:spPr>
           <a:xfrm>
             <a:off x="710119" y="428017"/>
-            <a:ext cx="3125921" cy="960234"/>
+            <a:ext cx="10910751" cy="960234"/>
           </a:xfrm>
         </p:spPr>
         <p:txBody>
@@ -3979,7 +6777,7 @@
           </a:bodyPr>
           <a:lstStyle/>
           <a:p>
-            <a:pPr>
+            <a:pPr algn="l">
               <a:lnSpc>
                 <a:spcPct val="150000"/>
               </a:lnSpc>
@@ -4017,7 +6815,7 @@
         <p:spPr>
           <a:xfrm>
             <a:off x="982492" y="1773238"/>
-            <a:ext cx="3414409" cy="1655762"/>
+            <a:ext cx="5785953" cy="2044618"/>
           </a:xfrm>
         </p:spPr>
         <p:txBody>
@@ -4026,7 +6824,7 @@
           </a:bodyPr>
           <a:lstStyle/>
           <a:p>
-            <a:pPr marL="457200" indent="-457200">
+            <a:pPr marL="457200" indent="-457200" algn="l">
               <a:buFont typeface="Arial" panose="020B0604020202020204" pitchFamily="34" charset="0"/>
               <a:buChar char="•"/>
             </a:pPr>
@@ -4037,6 +6835,35 @@
               </a:rPr>
               <a:t>Introduction</a:t>
             </a:r>
+          </a:p>
+          <a:p>
+            <a:pPr marL="457200" indent="-457200" algn="l">
+              <a:buFont typeface="Arial" panose="020B0604020202020204" pitchFamily="34" charset="0"/>
+              <a:buChar char="•"/>
+            </a:pPr>
+            <a:r>
+              <a:rPr lang="en-US" altLang="zh-CN" sz="2800" dirty="0">
+                <a:solidFill>
+                  <a:srgbClr val="FF0000"/>
+                </a:solidFill>
+                <a:latin typeface="微软雅黑" panose="020B0503020204020204" pitchFamily="34" charset="-122"/>
+                <a:ea typeface="微软雅黑" panose="020B0503020204020204" pitchFamily="34" charset="-122"/>
+              </a:rPr>
+              <a:t>Motivation</a:t>
+            </a:r>
+          </a:p>
+          <a:p>
+            <a:pPr marL="457200" indent="-457200" algn="l">
+              <a:buFont typeface="Arial" panose="020B0604020202020204" pitchFamily="34" charset="0"/>
+              <a:buChar char="•"/>
+            </a:pPr>
+            <a:r>
+              <a:rPr lang="en-US" altLang="zh-CN" sz="2800" dirty="0">
+                <a:latin typeface="微软雅黑" panose="020B0503020204020204" pitchFamily="34" charset="-122"/>
+                <a:ea typeface="微软雅黑" panose="020B0503020204020204" pitchFamily="34" charset="-122"/>
+              </a:rPr>
+              <a:t>Architecture Details</a:t>
+            </a:r>
             <a:endParaRPr lang="zh-CN" altLang="en-US" sz="2800" dirty="0">
               <a:latin typeface="微软雅黑" panose="020B0503020204020204" pitchFamily="34" charset="-122"/>
               <a:ea typeface="微软雅黑" panose="020B0503020204020204" pitchFamily="34" charset="-122"/>
@@ -4047,7 +6874,2997 @@
     </p:spTree>
     <p:extLst>
       <p:ext uri="{BB962C8B-B14F-4D97-AF65-F5344CB8AC3E}">
-        <p14:creationId xmlns:p14="http://schemas.microsoft.com/office/powerpoint/2010/main" val="3263480620"/>
+        <p14:creationId xmlns:p14="http://schemas.microsoft.com/office/powerpoint/2010/main" val="1729852261"/>
+      </p:ext>
+    </p:extLst>
+  </p:cSld>
+  <p:clrMapOvr>
+    <a:masterClrMapping/>
+  </p:clrMapOvr>
+</p:sld>
+</file>
+
+<file path=ppt/slides/slide6.xml><?xml version="1.0" encoding="utf-8"?>
+<p:sld xmlns:a="http://schemas.openxmlformats.org/drawingml/2006/main" xmlns:r="http://schemas.openxmlformats.org/officeDocument/2006/relationships" xmlns:p="http://schemas.openxmlformats.org/presentationml/2006/main">
+  <p:cSld>
+    <p:spTree>
+      <p:nvGrpSpPr>
+        <p:cNvPr id="1" name=""/>
+        <p:cNvGrpSpPr/>
+        <p:nvPr/>
+      </p:nvGrpSpPr>
+      <p:grpSpPr>
+        <a:xfrm>
+          <a:off x="0" y="0"/>
+          <a:ext cx="0" cy="0"/>
+          <a:chOff x="0" y="0"/>
+          <a:chExt cx="0" cy="0"/>
+        </a:xfrm>
+      </p:grpSpPr>
+      <p:sp>
+        <p:nvSpPr>
+          <p:cNvPr id="2" name="标题 1">
+            <a:extLst>
+              <a:ext uri="{FF2B5EF4-FFF2-40B4-BE49-F238E27FC236}">
+                <a16:creationId xmlns:a16="http://schemas.microsoft.com/office/drawing/2014/main" id="{9ABDBD79-D929-45D4-846A-C2F473FABC04}"/>
+              </a:ext>
+            </a:extLst>
+          </p:cNvPr>
+          <p:cNvSpPr>
+            <a:spLocks noGrp="1"/>
+          </p:cNvSpPr>
+          <p:nvPr>
+            <p:ph type="ctrTitle"/>
+          </p:nvPr>
+        </p:nvSpPr>
+        <p:spPr>
+          <a:xfrm>
+            <a:off x="210499" y="258335"/>
+            <a:ext cx="8999489" cy="960234"/>
+          </a:xfrm>
+        </p:spPr>
+        <p:txBody>
+          <a:bodyPr>
+            <a:noAutofit/>
+          </a:bodyPr>
+          <a:lstStyle/>
+          <a:p>
+            <a:pPr algn="l">
+              <a:lnSpc>
+                <a:spcPct val="150000"/>
+              </a:lnSpc>
+            </a:pPr>
+            <a:r>
+              <a:rPr lang="en-US" altLang="zh-CN" sz="3200" dirty="0">
+                <a:latin typeface="微软雅黑" panose="020B0503020204020204" pitchFamily="34" charset="-122"/>
+                <a:ea typeface="微软雅黑" panose="020B0503020204020204" pitchFamily="34" charset="-122"/>
+              </a:rPr>
+              <a:t>Latent Vector z: not just a random noise </a:t>
+            </a:r>
+            <a:endParaRPr lang="zh-CN" altLang="en-US" sz="3200" dirty="0">
+              <a:latin typeface="微软雅黑" panose="020B0503020204020204" pitchFamily="34" charset="-122"/>
+              <a:ea typeface="微软雅黑" panose="020B0503020204020204" pitchFamily="34" charset="-122"/>
+            </a:endParaRPr>
+          </a:p>
+        </p:txBody>
+      </p:sp>
+      <p:pic>
+        <p:nvPicPr>
+          <p:cNvPr id="6" name="图片 5">
+            <a:extLst>
+              <a:ext uri="{FF2B5EF4-FFF2-40B4-BE49-F238E27FC236}">
+                <a16:creationId xmlns:a16="http://schemas.microsoft.com/office/drawing/2014/main" id="{942054A4-C8B7-4B3C-B12F-666B525048D1}"/>
+              </a:ext>
+            </a:extLst>
+          </p:cNvPr>
+          <p:cNvPicPr>
+            <a:picLocks noChangeAspect="1"/>
+          </p:cNvPicPr>
+          <p:nvPr/>
+        </p:nvPicPr>
+        <p:blipFill>
+          <a:blip r:embed="rId2"/>
+          <a:stretch>
+            <a:fillRect/>
+          </a:stretch>
+        </p:blipFill>
+        <p:spPr>
+          <a:xfrm>
+            <a:off x="0" y="2477244"/>
+            <a:ext cx="12192000" cy="1246564"/>
+          </a:xfrm>
+          <a:prstGeom prst="rect">
+            <a:avLst/>
+          </a:prstGeom>
+        </p:spPr>
+      </p:pic>
+      <p:sp>
+        <p:nvSpPr>
+          <p:cNvPr id="7" name="副标题 2">
+            <a:extLst>
+              <a:ext uri="{FF2B5EF4-FFF2-40B4-BE49-F238E27FC236}">
+                <a16:creationId xmlns:a16="http://schemas.microsoft.com/office/drawing/2014/main" id="{3C3F6893-B940-4D31-90AE-D87DD1EDA4EC}"/>
+              </a:ext>
+            </a:extLst>
+          </p:cNvPr>
+          <p:cNvSpPr>
+            <a:spLocks noGrp="1"/>
+          </p:cNvSpPr>
+          <p:nvPr>
+            <p:ph type="subTitle" idx="1"/>
+          </p:nvPr>
+        </p:nvSpPr>
+        <p:spPr>
+          <a:xfrm>
+            <a:off x="2696156" y="3960174"/>
+            <a:ext cx="7308979" cy="576315"/>
+          </a:xfrm>
+        </p:spPr>
+        <p:txBody>
+          <a:bodyPr>
+            <a:normAutofit/>
+          </a:bodyPr>
+          <a:lstStyle/>
+          <a:p>
+            <a:pPr algn="l"/>
+            <a:r>
+              <a:rPr lang="en-US" altLang="zh-CN" dirty="0">
+                <a:latin typeface="微软雅黑" panose="020B0503020204020204" pitchFamily="34" charset="-122"/>
+                <a:ea typeface="微软雅黑" panose="020B0503020204020204" pitchFamily="34" charset="-122"/>
+              </a:rPr>
+              <a:t>Interpolation between latent vectors</a:t>
+            </a:r>
+            <a:endParaRPr lang="zh-CN" altLang="en-US" dirty="0">
+              <a:latin typeface="微软雅黑" panose="020B0503020204020204" pitchFamily="34" charset="-122"/>
+              <a:ea typeface="微软雅黑" panose="020B0503020204020204" pitchFamily="34" charset="-122"/>
+            </a:endParaRPr>
+          </a:p>
+        </p:txBody>
+      </p:sp>
+      <p:sp>
+        <p:nvSpPr>
+          <p:cNvPr id="5" name="副标题 2">
+            <a:extLst>
+              <a:ext uri="{FF2B5EF4-FFF2-40B4-BE49-F238E27FC236}">
+                <a16:creationId xmlns:a16="http://schemas.microsoft.com/office/drawing/2014/main" id="{10DEAF48-8DCC-425A-8128-E34BE82AC743}"/>
+              </a:ext>
+            </a:extLst>
+          </p:cNvPr>
+          <p:cNvSpPr txBox="1">
+            <a:spLocks/>
+          </p:cNvSpPr>
+          <p:nvPr/>
+        </p:nvSpPr>
+        <p:spPr>
+          <a:xfrm>
+            <a:off x="2021453" y="5053607"/>
+            <a:ext cx="7433265" cy="576315"/>
+          </a:xfrm>
+          <a:prstGeom prst="rect">
+            <a:avLst/>
+          </a:prstGeom>
+        </p:spPr>
+        <p:txBody>
+          <a:bodyPr vert="horz" lIns="91440" tIns="45720" rIns="91440" bIns="45720" rtlCol="0">
+            <a:normAutofit fontScale="85000" lnSpcReduction="10000"/>
+          </a:bodyPr>
+          <a:lstStyle>
+            <a:lvl1pPr marL="0" indent="0" algn="ctr" defTabSz="914400" rtl="0" eaLnBrk="1" latinLnBrk="0" hangingPunct="1">
+              <a:lnSpc>
+                <a:spcPct val="90000"/>
+              </a:lnSpc>
+              <a:spcBef>
+                <a:spcPts val="1000"/>
+              </a:spcBef>
+              <a:buFont typeface="Arial" panose="020B0604020202020204" pitchFamily="34" charset="0"/>
+              <a:buNone/>
+              <a:defRPr sz="2400" kern="1200">
+                <a:solidFill>
+                  <a:schemeClr val="tx1"/>
+                </a:solidFill>
+                <a:latin typeface="+mn-lt"/>
+                <a:ea typeface="+mn-ea"/>
+                <a:cs typeface="+mn-cs"/>
+              </a:defRPr>
+            </a:lvl1pPr>
+            <a:lvl2pPr marL="457200" indent="0" algn="ctr" defTabSz="914400" rtl="0" eaLnBrk="1" latinLnBrk="0" hangingPunct="1">
+              <a:lnSpc>
+                <a:spcPct val="90000"/>
+              </a:lnSpc>
+              <a:spcBef>
+                <a:spcPts val="500"/>
+              </a:spcBef>
+              <a:buFont typeface="Arial" panose="020B0604020202020204" pitchFamily="34" charset="0"/>
+              <a:buNone/>
+              <a:defRPr sz="2000" kern="1200">
+                <a:solidFill>
+                  <a:schemeClr val="tx1"/>
+                </a:solidFill>
+                <a:latin typeface="+mn-lt"/>
+                <a:ea typeface="+mn-ea"/>
+                <a:cs typeface="+mn-cs"/>
+              </a:defRPr>
+            </a:lvl2pPr>
+            <a:lvl3pPr marL="914400" indent="0" algn="ctr" defTabSz="914400" rtl="0" eaLnBrk="1" latinLnBrk="0" hangingPunct="1">
+              <a:lnSpc>
+                <a:spcPct val="90000"/>
+              </a:lnSpc>
+              <a:spcBef>
+                <a:spcPts val="500"/>
+              </a:spcBef>
+              <a:buFont typeface="Arial" panose="020B0604020202020204" pitchFamily="34" charset="0"/>
+              <a:buNone/>
+              <a:defRPr sz="1800" kern="1200">
+                <a:solidFill>
+                  <a:schemeClr val="tx1"/>
+                </a:solidFill>
+                <a:latin typeface="+mn-lt"/>
+                <a:ea typeface="+mn-ea"/>
+                <a:cs typeface="+mn-cs"/>
+              </a:defRPr>
+            </a:lvl3pPr>
+            <a:lvl4pPr marL="1371600" indent="0" algn="ctr" defTabSz="914400" rtl="0" eaLnBrk="1" latinLnBrk="0" hangingPunct="1">
+              <a:lnSpc>
+                <a:spcPct val="90000"/>
+              </a:lnSpc>
+              <a:spcBef>
+                <a:spcPts val="500"/>
+              </a:spcBef>
+              <a:buFont typeface="Arial" panose="020B0604020202020204" pitchFamily="34" charset="0"/>
+              <a:buNone/>
+              <a:defRPr sz="1600" kern="1200">
+                <a:solidFill>
+                  <a:schemeClr val="tx1"/>
+                </a:solidFill>
+                <a:latin typeface="+mn-lt"/>
+                <a:ea typeface="+mn-ea"/>
+                <a:cs typeface="+mn-cs"/>
+              </a:defRPr>
+            </a:lvl4pPr>
+            <a:lvl5pPr marL="1828800" indent="0" algn="ctr" defTabSz="914400" rtl="0" eaLnBrk="1" latinLnBrk="0" hangingPunct="1">
+              <a:lnSpc>
+                <a:spcPct val="90000"/>
+              </a:lnSpc>
+              <a:spcBef>
+                <a:spcPts val="500"/>
+              </a:spcBef>
+              <a:buFont typeface="Arial" panose="020B0604020202020204" pitchFamily="34" charset="0"/>
+              <a:buNone/>
+              <a:defRPr sz="1600" kern="1200">
+                <a:solidFill>
+                  <a:schemeClr val="tx1"/>
+                </a:solidFill>
+                <a:latin typeface="+mn-lt"/>
+                <a:ea typeface="+mn-ea"/>
+                <a:cs typeface="+mn-cs"/>
+              </a:defRPr>
+            </a:lvl5pPr>
+            <a:lvl6pPr marL="2286000" indent="0" algn="ctr" defTabSz="914400" rtl="0" eaLnBrk="1" latinLnBrk="0" hangingPunct="1">
+              <a:lnSpc>
+                <a:spcPct val="90000"/>
+              </a:lnSpc>
+              <a:spcBef>
+                <a:spcPts val="500"/>
+              </a:spcBef>
+              <a:buFont typeface="Arial" panose="020B0604020202020204" pitchFamily="34" charset="0"/>
+              <a:buNone/>
+              <a:defRPr sz="1600" kern="1200">
+                <a:solidFill>
+                  <a:schemeClr val="tx1"/>
+                </a:solidFill>
+                <a:latin typeface="+mn-lt"/>
+                <a:ea typeface="+mn-ea"/>
+                <a:cs typeface="+mn-cs"/>
+              </a:defRPr>
+            </a:lvl6pPr>
+            <a:lvl7pPr marL="2743200" indent="0" algn="ctr" defTabSz="914400" rtl="0" eaLnBrk="1" latinLnBrk="0" hangingPunct="1">
+              <a:lnSpc>
+                <a:spcPct val="90000"/>
+              </a:lnSpc>
+              <a:spcBef>
+                <a:spcPts val="500"/>
+              </a:spcBef>
+              <a:buFont typeface="Arial" panose="020B0604020202020204" pitchFamily="34" charset="0"/>
+              <a:buNone/>
+              <a:defRPr sz="1600" kern="1200">
+                <a:solidFill>
+                  <a:schemeClr val="tx1"/>
+                </a:solidFill>
+                <a:latin typeface="+mn-lt"/>
+                <a:ea typeface="+mn-ea"/>
+                <a:cs typeface="+mn-cs"/>
+              </a:defRPr>
+            </a:lvl7pPr>
+            <a:lvl8pPr marL="3200400" indent="0" algn="ctr" defTabSz="914400" rtl="0" eaLnBrk="1" latinLnBrk="0" hangingPunct="1">
+              <a:lnSpc>
+                <a:spcPct val="90000"/>
+              </a:lnSpc>
+              <a:spcBef>
+                <a:spcPts val="500"/>
+              </a:spcBef>
+              <a:buFont typeface="Arial" panose="020B0604020202020204" pitchFamily="34" charset="0"/>
+              <a:buNone/>
+              <a:defRPr sz="1600" kern="1200">
+                <a:solidFill>
+                  <a:schemeClr val="tx1"/>
+                </a:solidFill>
+                <a:latin typeface="+mn-lt"/>
+                <a:ea typeface="+mn-ea"/>
+                <a:cs typeface="+mn-cs"/>
+              </a:defRPr>
+            </a:lvl8pPr>
+            <a:lvl9pPr marL="3657600" indent="0" algn="ctr" defTabSz="914400" rtl="0" eaLnBrk="1" latinLnBrk="0" hangingPunct="1">
+              <a:lnSpc>
+                <a:spcPct val="90000"/>
+              </a:lnSpc>
+              <a:spcBef>
+                <a:spcPts val="500"/>
+              </a:spcBef>
+              <a:buFont typeface="Arial" panose="020B0604020202020204" pitchFamily="34" charset="0"/>
+              <a:buNone/>
+              <a:defRPr sz="1600" kern="1200">
+                <a:solidFill>
+                  <a:schemeClr val="tx1"/>
+                </a:solidFill>
+                <a:latin typeface="+mn-lt"/>
+                <a:ea typeface="+mn-ea"/>
+                <a:cs typeface="+mn-cs"/>
+              </a:defRPr>
+            </a:lvl9pPr>
+          </a:lstStyle>
+          <a:p>
+            <a:pPr algn="l"/>
+            <a:r>
+              <a:rPr lang="en-US" altLang="zh-CN" sz="2800" dirty="0">
+                <a:latin typeface="微软雅黑" panose="020B0503020204020204" pitchFamily="34" charset="-122"/>
+                <a:ea typeface="微软雅黑" panose="020B0503020204020204" pitchFamily="34" charset="-122"/>
+              </a:rPr>
+              <a:t>Realistic generated images + </a:t>
+            </a:r>
+            <a:r>
+              <a:rPr lang="en-US" altLang="zh-CN" sz="2800" dirty="0">
+                <a:solidFill>
+                  <a:srgbClr val="FF0000"/>
+                </a:solidFill>
+                <a:latin typeface="微软雅黑" panose="020B0503020204020204" pitchFamily="34" charset="-122"/>
+                <a:ea typeface="微软雅黑" panose="020B0503020204020204" pitchFamily="34" charset="-122"/>
+              </a:rPr>
+              <a:t>Feature controlling ?</a:t>
+            </a:r>
+            <a:endParaRPr lang="zh-CN" altLang="en-US" sz="2800" dirty="0">
+              <a:solidFill>
+                <a:srgbClr val="FF0000"/>
+              </a:solidFill>
+              <a:latin typeface="微软雅黑" panose="020B0503020204020204" pitchFamily="34" charset="-122"/>
+              <a:ea typeface="微软雅黑" panose="020B0503020204020204" pitchFamily="34" charset="-122"/>
+            </a:endParaRPr>
+          </a:p>
+        </p:txBody>
+      </p:sp>
+    </p:spTree>
+    <p:extLst>
+      <p:ext uri="{BB962C8B-B14F-4D97-AF65-F5344CB8AC3E}">
+        <p14:creationId xmlns:p14="http://schemas.microsoft.com/office/powerpoint/2010/main" val="937122630"/>
+      </p:ext>
+    </p:extLst>
+  </p:cSld>
+  <p:clrMapOvr>
+    <a:masterClrMapping/>
+  </p:clrMapOvr>
+  <p:timing>
+    <p:tnLst>
+      <p:par>
+        <p:cTn id="1" dur="indefinite" restart="never" nodeType="tmRoot">
+          <p:childTnLst>
+            <p:seq concurrent="1" nextAc="seek">
+              <p:cTn id="2" dur="indefinite" nodeType="mainSeq">
+                <p:childTnLst>
+                  <p:par>
+                    <p:cTn id="3" fill="hold">
+                      <p:stCondLst>
+                        <p:cond delay="indefinite"/>
+                      </p:stCondLst>
+                      <p:childTnLst>
+                        <p:par>
+                          <p:cTn id="4" fill="hold">
+                            <p:stCondLst>
+                              <p:cond delay="0"/>
+                            </p:stCondLst>
+                            <p:childTnLst>
+                              <p:par>
+                                <p:cTn id="5" presetID="42" presetClass="entr" presetSubtype="0" fill="hold" grpId="0" nodeType="clickEffect">
+                                  <p:stCondLst>
+                                    <p:cond delay="0"/>
+                                  </p:stCondLst>
+                                  <p:childTnLst>
+                                    <p:set>
+                                      <p:cBhvr>
+                                        <p:cTn id="6" dur="1" fill="hold">
+                                          <p:stCondLst>
+                                            <p:cond delay="0"/>
+                                          </p:stCondLst>
+                                        </p:cTn>
+                                        <p:tgtEl>
+                                          <p:spTgt spid="5"/>
+                                        </p:tgtEl>
+                                        <p:attrNameLst>
+                                          <p:attrName>style.visibility</p:attrName>
+                                        </p:attrNameLst>
+                                      </p:cBhvr>
+                                      <p:to>
+                                        <p:strVal val="visible"/>
+                                      </p:to>
+                                    </p:set>
+                                    <p:animEffect transition="in" filter="fade">
+                                      <p:cBhvr>
+                                        <p:cTn id="7" dur="750"/>
+                                        <p:tgtEl>
+                                          <p:spTgt spid="5"/>
+                                        </p:tgtEl>
+                                      </p:cBhvr>
+                                    </p:animEffect>
+                                    <p:anim calcmode="lin" valueType="num">
+                                      <p:cBhvr>
+                                        <p:cTn id="8" dur="750" fill="hold"/>
+                                        <p:tgtEl>
+                                          <p:spTgt spid="5"/>
+                                        </p:tgtEl>
+                                        <p:attrNameLst>
+                                          <p:attrName>ppt_x</p:attrName>
+                                        </p:attrNameLst>
+                                      </p:cBhvr>
+                                      <p:tavLst>
+                                        <p:tav tm="0">
+                                          <p:val>
+                                            <p:strVal val="#ppt_x"/>
+                                          </p:val>
+                                        </p:tav>
+                                        <p:tav tm="100000">
+                                          <p:val>
+                                            <p:strVal val="#ppt_x"/>
+                                          </p:val>
+                                        </p:tav>
+                                      </p:tavLst>
+                                    </p:anim>
+                                    <p:anim calcmode="lin" valueType="num">
+                                      <p:cBhvr>
+                                        <p:cTn id="9" dur="750" fill="hold"/>
+                                        <p:tgtEl>
+                                          <p:spTgt spid="5"/>
+                                        </p:tgtEl>
+                                        <p:attrNameLst>
+                                          <p:attrName>ppt_y</p:attrName>
+                                        </p:attrNameLst>
+                                      </p:cBhvr>
+                                      <p:tavLst>
+                                        <p:tav tm="0">
+                                          <p:val>
+                                            <p:strVal val="#ppt_y+.1"/>
+                                          </p:val>
+                                        </p:tav>
+                                        <p:tav tm="100000">
+                                          <p:val>
+                                            <p:strVal val="#ppt_y"/>
+                                          </p:val>
+                                        </p:tav>
+                                      </p:tavLst>
+                                    </p:anim>
+                                  </p:childTnLst>
+                                </p:cTn>
+                              </p:par>
+                            </p:childTnLst>
+                          </p:cTn>
+                        </p:par>
+                      </p:childTnLst>
+                    </p:cTn>
+                  </p:par>
+                </p:childTnLst>
+              </p:cTn>
+              <p:prevCondLst>
+                <p:cond evt="onPrev" delay="0">
+                  <p:tgtEl>
+                    <p:sldTgt/>
+                  </p:tgtEl>
+                </p:cond>
+              </p:prevCondLst>
+              <p:nextCondLst>
+                <p:cond evt="onNext" delay="0">
+                  <p:tgtEl>
+                    <p:sldTgt/>
+                  </p:tgtEl>
+                </p:cond>
+              </p:nextCondLst>
+            </p:seq>
+          </p:childTnLst>
+        </p:cTn>
+      </p:par>
+    </p:tnLst>
+    <p:bldLst>
+      <p:bldP spid="5" grpId="0"/>
+    </p:bldLst>
+  </p:timing>
+</p:sld>
+</file>
+
+<file path=ppt/slides/slide7.xml><?xml version="1.0" encoding="utf-8"?>
+<p:sld xmlns:a="http://schemas.openxmlformats.org/drawingml/2006/main" xmlns:r="http://schemas.openxmlformats.org/officeDocument/2006/relationships" xmlns:p="http://schemas.openxmlformats.org/presentationml/2006/main">
+  <p:cSld>
+    <p:spTree>
+      <p:nvGrpSpPr>
+        <p:cNvPr id="1" name=""/>
+        <p:cNvGrpSpPr/>
+        <p:nvPr/>
+      </p:nvGrpSpPr>
+      <p:grpSpPr>
+        <a:xfrm>
+          <a:off x="0" y="0"/>
+          <a:ext cx="0" cy="0"/>
+          <a:chOff x="0" y="0"/>
+          <a:chExt cx="0" cy="0"/>
+        </a:xfrm>
+      </p:grpSpPr>
+      <p:sp>
+        <p:nvSpPr>
+          <p:cNvPr id="2" name="标题 1">
+            <a:extLst>
+              <a:ext uri="{FF2B5EF4-FFF2-40B4-BE49-F238E27FC236}">
+                <a16:creationId xmlns:a16="http://schemas.microsoft.com/office/drawing/2014/main" id="{9ABDBD79-D929-45D4-846A-C2F473FABC04}"/>
+              </a:ext>
+            </a:extLst>
+          </p:cNvPr>
+          <p:cNvSpPr>
+            <a:spLocks noGrp="1"/>
+          </p:cNvSpPr>
+          <p:nvPr>
+            <p:ph type="ctrTitle"/>
+          </p:nvPr>
+        </p:nvSpPr>
+        <p:spPr>
+          <a:xfrm>
+            <a:off x="210499" y="258335"/>
+            <a:ext cx="8999489" cy="960234"/>
+          </a:xfrm>
+        </p:spPr>
+        <p:txBody>
+          <a:bodyPr>
+            <a:noAutofit/>
+          </a:bodyPr>
+          <a:lstStyle/>
+          <a:p>
+            <a:pPr algn="l">
+              <a:lnSpc>
+                <a:spcPct val="150000"/>
+              </a:lnSpc>
+            </a:pPr>
+            <a:r>
+              <a:rPr lang="en-US" altLang="zh-CN" sz="3200" dirty="0">
+                <a:latin typeface="微软雅黑" panose="020B0503020204020204" pitchFamily="34" charset="-122"/>
+                <a:ea typeface="微软雅黑" panose="020B0503020204020204" pitchFamily="34" charset="-122"/>
+              </a:rPr>
+              <a:t>Problem to be solved: Feature Entanglement</a:t>
+            </a:r>
+            <a:endParaRPr lang="zh-CN" altLang="en-US" sz="3200" dirty="0">
+              <a:latin typeface="微软雅黑" panose="020B0503020204020204" pitchFamily="34" charset="-122"/>
+              <a:ea typeface="微软雅黑" panose="020B0503020204020204" pitchFamily="34" charset="-122"/>
+            </a:endParaRPr>
+          </a:p>
+        </p:txBody>
+      </p:sp>
+      <p:sp>
+        <p:nvSpPr>
+          <p:cNvPr id="7" name="副标题 2">
+            <a:extLst>
+              <a:ext uri="{FF2B5EF4-FFF2-40B4-BE49-F238E27FC236}">
+                <a16:creationId xmlns:a16="http://schemas.microsoft.com/office/drawing/2014/main" id="{3C3F6893-B940-4D31-90AE-D87DD1EDA4EC}"/>
+              </a:ext>
+            </a:extLst>
+          </p:cNvPr>
+          <p:cNvSpPr>
+            <a:spLocks noGrp="1"/>
+          </p:cNvSpPr>
+          <p:nvPr>
+            <p:ph type="subTitle" idx="1"/>
+          </p:nvPr>
+        </p:nvSpPr>
+        <p:spPr>
+          <a:xfrm>
+            <a:off x="464306" y="2003464"/>
+            <a:ext cx="10030579" cy="576315"/>
+          </a:xfrm>
+        </p:spPr>
+        <p:txBody>
+          <a:bodyPr>
+            <a:normAutofit/>
+          </a:bodyPr>
+          <a:lstStyle/>
+          <a:p>
+            <a:pPr algn="l"/>
+            <a:r>
+              <a:rPr lang="en-US" altLang="zh-CN" dirty="0">
+                <a:latin typeface="微软雅黑" panose="020B0503020204020204" pitchFamily="34" charset="-122"/>
+                <a:ea typeface="微软雅黑" panose="020B0503020204020204" pitchFamily="34" charset="-122"/>
+              </a:rPr>
+              <a:t>Latent vector: [1.65, 0.68, 1.98, 0.25, 0.39, …, 0.87, 2.91, 1.87]</a:t>
+            </a:r>
+            <a:endParaRPr lang="zh-CN" altLang="en-US" dirty="0">
+              <a:latin typeface="微软雅黑" panose="020B0503020204020204" pitchFamily="34" charset="-122"/>
+              <a:ea typeface="微软雅黑" panose="020B0503020204020204" pitchFamily="34" charset="-122"/>
+            </a:endParaRPr>
+          </a:p>
+        </p:txBody>
+      </p:sp>
+      <p:sp>
+        <p:nvSpPr>
+          <p:cNvPr id="5" name="副标题 2">
+            <a:extLst>
+              <a:ext uri="{FF2B5EF4-FFF2-40B4-BE49-F238E27FC236}">
+                <a16:creationId xmlns:a16="http://schemas.microsoft.com/office/drawing/2014/main" id="{10DEAF48-8DCC-425A-8128-E34BE82AC743}"/>
+              </a:ext>
+            </a:extLst>
+          </p:cNvPr>
+          <p:cNvSpPr txBox="1">
+            <a:spLocks/>
+          </p:cNvSpPr>
+          <p:nvPr/>
+        </p:nvSpPr>
+        <p:spPr>
+          <a:xfrm>
+            <a:off x="2905667" y="4585492"/>
+            <a:ext cx="7308979" cy="1043244"/>
+          </a:xfrm>
+          <a:prstGeom prst="rect">
+            <a:avLst/>
+          </a:prstGeom>
+        </p:spPr>
+        <p:txBody>
+          <a:bodyPr vert="horz" lIns="91440" tIns="45720" rIns="91440" bIns="45720" rtlCol="0">
+            <a:normAutofit/>
+          </a:bodyPr>
+          <a:lstStyle>
+            <a:lvl1pPr marL="0" indent="0" algn="ctr" defTabSz="914400" rtl="0" eaLnBrk="1" latinLnBrk="0" hangingPunct="1">
+              <a:lnSpc>
+                <a:spcPct val="90000"/>
+              </a:lnSpc>
+              <a:spcBef>
+                <a:spcPts val="1000"/>
+              </a:spcBef>
+              <a:buFont typeface="Arial" panose="020B0604020202020204" pitchFamily="34" charset="0"/>
+              <a:buNone/>
+              <a:defRPr sz="2400" kern="1200">
+                <a:solidFill>
+                  <a:schemeClr val="tx1"/>
+                </a:solidFill>
+                <a:latin typeface="+mn-lt"/>
+                <a:ea typeface="+mn-ea"/>
+                <a:cs typeface="+mn-cs"/>
+              </a:defRPr>
+            </a:lvl1pPr>
+            <a:lvl2pPr marL="457200" indent="0" algn="ctr" defTabSz="914400" rtl="0" eaLnBrk="1" latinLnBrk="0" hangingPunct="1">
+              <a:lnSpc>
+                <a:spcPct val="90000"/>
+              </a:lnSpc>
+              <a:spcBef>
+                <a:spcPts val="500"/>
+              </a:spcBef>
+              <a:buFont typeface="Arial" panose="020B0604020202020204" pitchFamily="34" charset="0"/>
+              <a:buNone/>
+              <a:defRPr sz="2000" kern="1200">
+                <a:solidFill>
+                  <a:schemeClr val="tx1"/>
+                </a:solidFill>
+                <a:latin typeface="+mn-lt"/>
+                <a:ea typeface="+mn-ea"/>
+                <a:cs typeface="+mn-cs"/>
+              </a:defRPr>
+            </a:lvl2pPr>
+            <a:lvl3pPr marL="914400" indent="0" algn="ctr" defTabSz="914400" rtl="0" eaLnBrk="1" latinLnBrk="0" hangingPunct="1">
+              <a:lnSpc>
+                <a:spcPct val="90000"/>
+              </a:lnSpc>
+              <a:spcBef>
+                <a:spcPts val="500"/>
+              </a:spcBef>
+              <a:buFont typeface="Arial" panose="020B0604020202020204" pitchFamily="34" charset="0"/>
+              <a:buNone/>
+              <a:defRPr sz="1800" kern="1200">
+                <a:solidFill>
+                  <a:schemeClr val="tx1"/>
+                </a:solidFill>
+                <a:latin typeface="+mn-lt"/>
+                <a:ea typeface="+mn-ea"/>
+                <a:cs typeface="+mn-cs"/>
+              </a:defRPr>
+            </a:lvl3pPr>
+            <a:lvl4pPr marL="1371600" indent="0" algn="ctr" defTabSz="914400" rtl="0" eaLnBrk="1" latinLnBrk="0" hangingPunct="1">
+              <a:lnSpc>
+                <a:spcPct val="90000"/>
+              </a:lnSpc>
+              <a:spcBef>
+                <a:spcPts val="500"/>
+              </a:spcBef>
+              <a:buFont typeface="Arial" panose="020B0604020202020204" pitchFamily="34" charset="0"/>
+              <a:buNone/>
+              <a:defRPr sz="1600" kern="1200">
+                <a:solidFill>
+                  <a:schemeClr val="tx1"/>
+                </a:solidFill>
+                <a:latin typeface="+mn-lt"/>
+                <a:ea typeface="+mn-ea"/>
+                <a:cs typeface="+mn-cs"/>
+              </a:defRPr>
+            </a:lvl4pPr>
+            <a:lvl5pPr marL="1828800" indent="0" algn="ctr" defTabSz="914400" rtl="0" eaLnBrk="1" latinLnBrk="0" hangingPunct="1">
+              <a:lnSpc>
+                <a:spcPct val="90000"/>
+              </a:lnSpc>
+              <a:spcBef>
+                <a:spcPts val="500"/>
+              </a:spcBef>
+              <a:buFont typeface="Arial" panose="020B0604020202020204" pitchFamily="34" charset="0"/>
+              <a:buNone/>
+              <a:defRPr sz="1600" kern="1200">
+                <a:solidFill>
+                  <a:schemeClr val="tx1"/>
+                </a:solidFill>
+                <a:latin typeface="+mn-lt"/>
+                <a:ea typeface="+mn-ea"/>
+                <a:cs typeface="+mn-cs"/>
+              </a:defRPr>
+            </a:lvl5pPr>
+            <a:lvl6pPr marL="2286000" indent="0" algn="ctr" defTabSz="914400" rtl="0" eaLnBrk="1" latinLnBrk="0" hangingPunct="1">
+              <a:lnSpc>
+                <a:spcPct val="90000"/>
+              </a:lnSpc>
+              <a:spcBef>
+                <a:spcPts val="500"/>
+              </a:spcBef>
+              <a:buFont typeface="Arial" panose="020B0604020202020204" pitchFamily="34" charset="0"/>
+              <a:buNone/>
+              <a:defRPr sz="1600" kern="1200">
+                <a:solidFill>
+                  <a:schemeClr val="tx1"/>
+                </a:solidFill>
+                <a:latin typeface="+mn-lt"/>
+                <a:ea typeface="+mn-ea"/>
+                <a:cs typeface="+mn-cs"/>
+              </a:defRPr>
+            </a:lvl6pPr>
+            <a:lvl7pPr marL="2743200" indent="0" algn="ctr" defTabSz="914400" rtl="0" eaLnBrk="1" latinLnBrk="0" hangingPunct="1">
+              <a:lnSpc>
+                <a:spcPct val="90000"/>
+              </a:lnSpc>
+              <a:spcBef>
+                <a:spcPts val="500"/>
+              </a:spcBef>
+              <a:buFont typeface="Arial" panose="020B0604020202020204" pitchFamily="34" charset="0"/>
+              <a:buNone/>
+              <a:defRPr sz="1600" kern="1200">
+                <a:solidFill>
+                  <a:schemeClr val="tx1"/>
+                </a:solidFill>
+                <a:latin typeface="+mn-lt"/>
+                <a:ea typeface="+mn-ea"/>
+                <a:cs typeface="+mn-cs"/>
+              </a:defRPr>
+            </a:lvl7pPr>
+            <a:lvl8pPr marL="3200400" indent="0" algn="ctr" defTabSz="914400" rtl="0" eaLnBrk="1" latinLnBrk="0" hangingPunct="1">
+              <a:lnSpc>
+                <a:spcPct val="90000"/>
+              </a:lnSpc>
+              <a:spcBef>
+                <a:spcPts val="500"/>
+              </a:spcBef>
+              <a:buFont typeface="Arial" panose="020B0604020202020204" pitchFamily="34" charset="0"/>
+              <a:buNone/>
+              <a:defRPr sz="1600" kern="1200">
+                <a:solidFill>
+                  <a:schemeClr val="tx1"/>
+                </a:solidFill>
+                <a:latin typeface="+mn-lt"/>
+                <a:ea typeface="+mn-ea"/>
+                <a:cs typeface="+mn-cs"/>
+              </a:defRPr>
+            </a:lvl8pPr>
+            <a:lvl9pPr marL="3657600" indent="0" algn="ctr" defTabSz="914400" rtl="0" eaLnBrk="1" latinLnBrk="0" hangingPunct="1">
+              <a:lnSpc>
+                <a:spcPct val="90000"/>
+              </a:lnSpc>
+              <a:spcBef>
+                <a:spcPts val="500"/>
+              </a:spcBef>
+              <a:buFont typeface="Arial" panose="020B0604020202020204" pitchFamily="34" charset="0"/>
+              <a:buNone/>
+              <a:defRPr sz="1600" kern="1200">
+                <a:solidFill>
+                  <a:schemeClr val="tx1"/>
+                </a:solidFill>
+                <a:latin typeface="+mn-lt"/>
+                <a:ea typeface="+mn-ea"/>
+                <a:cs typeface="+mn-cs"/>
+              </a:defRPr>
+            </a:lvl9pPr>
+          </a:lstStyle>
+          <a:p>
+            <a:pPr marL="514350" indent="-514350" algn="l">
+              <a:buFont typeface="+mj-lt"/>
+              <a:buAutoNum type="arabicPeriod"/>
+            </a:pPr>
+            <a:r>
+              <a:rPr lang="en-US" altLang="zh-CN" sz="2000" dirty="0">
+                <a:latin typeface="微软雅黑" panose="020B0503020204020204" pitchFamily="34" charset="-122"/>
+                <a:ea typeface="微软雅黑" panose="020B0503020204020204" pitchFamily="34" charset="-122"/>
+              </a:rPr>
+              <a:t>Change of hair color</a:t>
+            </a:r>
+          </a:p>
+          <a:p>
+            <a:pPr marL="514350" indent="-514350" algn="l">
+              <a:buFont typeface="+mj-lt"/>
+              <a:buAutoNum type="arabicPeriod"/>
+            </a:pPr>
+            <a:r>
+              <a:rPr lang="en-US" altLang="zh-CN" sz="2000" dirty="0">
+                <a:latin typeface="微软雅黑" panose="020B0503020204020204" pitchFamily="34" charset="-122"/>
+                <a:ea typeface="微软雅黑" panose="020B0503020204020204" pitchFamily="34" charset="-122"/>
+              </a:rPr>
+              <a:t>Change of gender</a:t>
+            </a:r>
+            <a:endParaRPr lang="zh-CN" altLang="en-US" sz="2000" dirty="0">
+              <a:latin typeface="微软雅黑" panose="020B0503020204020204" pitchFamily="34" charset="-122"/>
+              <a:ea typeface="微软雅黑" panose="020B0503020204020204" pitchFamily="34" charset="-122"/>
+            </a:endParaRPr>
+          </a:p>
+        </p:txBody>
+      </p:sp>
+      <p:sp>
+        <p:nvSpPr>
+          <p:cNvPr id="8" name="副标题 2">
+            <a:extLst>
+              <a:ext uri="{FF2B5EF4-FFF2-40B4-BE49-F238E27FC236}">
+                <a16:creationId xmlns:a16="http://schemas.microsoft.com/office/drawing/2014/main" id="{5D8E43F3-ABB1-4D32-B106-64C09EBCCD00}"/>
+              </a:ext>
+            </a:extLst>
+          </p:cNvPr>
+          <p:cNvSpPr txBox="1">
+            <a:spLocks/>
+          </p:cNvSpPr>
+          <p:nvPr/>
+        </p:nvSpPr>
+        <p:spPr>
+          <a:xfrm>
+            <a:off x="296072" y="4043624"/>
+            <a:ext cx="7308979" cy="576315"/>
+          </a:xfrm>
+          <a:prstGeom prst="rect">
+            <a:avLst/>
+          </a:prstGeom>
+        </p:spPr>
+        <p:txBody>
+          <a:bodyPr vert="horz" lIns="91440" tIns="45720" rIns="91440" bIns="45720" rtlCol="0">
+            <a:normAutofit/>
+          </a:bodyPr>
+          <a:lstStyle>
+            <a:lvl1pPr marL="0" indent="0" algn="ctr" defTabSz="914400" rtl="0" eaLnBrk="1" latinLnBrk="0" hangingPunct="1">
+              <a:lnSpc>
+                <a:spcPct val="90000"/>
+              </a:lnSpc>
+              <a:spcBef>
+                <a:spcPts val="1000"/>
+              </a:spcBef>
+              <a:buFont typeface="Arial" panose="020B0604020202020204" pitchFamily="34" charset="0"/>
+              <a:buNone/>
+              <a:defRPr sz="2400" kern="1200">
+                <a:solidFill>
+                  <a:schemeClr val="tx1"/>
+                </a:solidFill>
+                <a:latin typeface="+mn-lt"/>
+                <a:ea typeface="+mn-ea"/>
+                <a:cs typeface="+mn-cs"/>
+              </a:defRPr>
+            </a:lvl1pPr>
+            <a:lvl2pPr marL="457200" indent="0" algn="ctr" defTabSz="914400" rtl="0" eaLnBrk="1" latinLnBrk="0" hangingPunct="1">
+              <a:lnSpc>
+                <a:spcPct val="90000"/>
+              </a:lnSpc>
+              <a:spcBef>
+                <a:spcPts val="500"/>
+              </a:spcBef>
+              <a:buFont typeface="Arial" panose="020B0604020202020204" pitchFamily="34" charset="0"/>
+              <a:buNone/>
+              <a:defRPr sz="2000" kern="1200">
+                <a:solidFill>
+                  <a:schemeClr val="tx1"/>
+                </a:solidFill>
+                <a:latin typeface="+mn-lt"/>
+                <a:ea typeface="+mn-ea"/>
+                <a:cs typeface="+mn-cs"/>
+              </a:defRPr>
+            </a:lvl2pPr>
+            <a:lvl3pPr marL="914400" indent="0" algn="ctr" defTabSz="914400" rtl="0" eaLnBrk="1" latinLnBrk="0" hangingPunct="1">
+              <a:lnSpc>
+                <a:spcPct val="90000"/>
+              </a:lnSpc>
+              <a:spcBef>
+                <a:spcPts val="500"/>
+              </a:spcBef>
+              <a:buFont typeface="Arial" panose="020B0604020202020204" pitchFamily="34" charset="0"/>
+              <a:buNone/>
+              <a:defRPr sz="1800" kern="1200">
+                <a:solidFill>
+                  <a:schemeClr val="tx1"/>
+                </a:solidFill>
+                <a:latin typeface="+mn-lt"/>
+                <a:ea typeface="+mn-ea"/>
+                <a:cs typeface="+mn-cs"/>
+              </a:defRPr>
+            </a:lvl3pPr>
+            <a:lvl4pPr marL="1371600" indent="0" algn="ctr" defTabSz="914400" rtl="0" eaLnBrk="1" latinLnBrk="0" hangingPunct="1">
+              <a:lnSpc>
+                <a:spcPct val="90000"/>
+              </a:lnSpc>
+              <a:spcBef>
+                <a:spcPts val="500"/>
+              </a:spcBef>
+              <a:buFont typeface="Arial" panose="020B0604020202020204" pitchFamily="34" charset="0"/>
+              <a:buNone/>
+              <a:defRPr sz="1600" kern="1200">
+                <a:solidFill>
+                  <a:schemeClr val="tx1"/>
+                </a:solidFill>
+                <a:latin typeface="+mn-lt"/>
+                <a:ea typeface="+mn-ea"/>
+                <a:cs typeface="+mn-cs"/>
+              </a:defRPr>
+            </a:lvl4pPr>
+            <a:lvl5pPr marL="1828800" indent="0" algn="ctr" defTabSz="914400" rtl="0" eaLnBrk="1" latinLnBrk="0" hangingPunct="1">
+              <a:lnSpc>
+                <a:spcPct val="90000"/>
+              </a:lnSpc>
+              <a:spcBef>
+                <a:spcPts val="500"/>
+              </a:spcBef>
+              <a:buFont typeface="Arial" panose="020B0604020202020204" pitchFamily="34" charset="0"/>
+              <a:buNone/>
+              <a:defRPr sz="1600" kern="1200">
+                <a:solidFill>
+                  <a:schemeClr val="tx1"/>
+                </a:solidFill>
+                <a:latin typeface="+mn-lt"/>
+                <a:ea typeface="+mn-ea"/>
+                <a:cs typeface="+mn-cs"/>
+              </a:defRPr>
+            </a:lvl5pPr>
+            <a:lvl6pPr marL="2286000" indent="0" algn="ctr" defTabSz="914400" rtl="0" eaLnBrk="1" latinLnBrk="0" hangingPunct="1">
+              <a:lnSpc>
+                <a:spcPct val="90000"/>
+              </a:lnSpc>
+              <a:spcBef>
+                <a:spcPts val="500"/>
+              </a:spcBef>
+              <a:buFont typeface="Arial" panose="020B0604020202020204" pitchFamily="34" charset="0"/>
+              <a:buNone/>
+              <a:defRPr sz="1600" kern="1200">
+                <a:solidFill>
+                  <a:schemeClr val="tx1"/>
+                </a:solidFill>
+                <a:latin typeface="+mn-lt"/>
+                <a:ea typeface="+mn-ea"/>
+                <a:cs typeface="+mn-cs"/>
+              </a:defRPr>
+            </a:lvl6pPr>
+            <a:lvl7pPr marL="2743200" indent="0" algn="ctr" defTabSz="914400" rtl="0" eaLnBrk="1" latinLnBrk="0" hangingPunct="1">
+              <a:lnSpc>
+                <a:spcPct val="90000"/>
+              </a:lnSpc>
+              <a:spcBef>
+                <a:spcPts val="500"/>
+              </a:spcBef>
+              <a:buFont typeface="Arial" panose="020B0604020202020204" pitchFamily="34" charset="0"/>
+              <a:buNone/>
+              <a:defRPr sz="1600" kern="1200">
+                <a:solidFill>
+                  <a:schemeClr val="tx1"/>
+                </a:solidFill>
+                <a:latin typeface="+mn-lt"/>
+                <a:ea typeface="+mn-ea"/>
+                <a:cs typeface="+mn-cs"/>
+              </a:defRPr>
+            </a:lvl7pPr>
+            <a:lvl8pPr marL="3200400" indent="0" algn="ctr" defTabSz="914400" rtl="0" eaLnBrk="1" latinLnBrk="0" hangingPunct="1">
+              <a:lnSpc>
+                <a:spcPct val="90000"/>
+              </a:lnSpc>
+              <a:spcBef>
+                <a:spcPts val="500"/>
+              </a:spcBef>
+              <a:buFont typeface="Arial" panose="020B0604020202020204" pitchFamily="34" charset="0"/>
+              <a:buNone/>
+              <a:defRPr sz="1600" kern="1200">
+                <a:solidFill>
+                  <a:schemeClr val="tx1"/>
+                </a:solidFill>
+                <a:latin typeface="+mn-lt"/>
+                <a:ea typeface="+mn-ea"/>
+                <a:cs typeface="+mn-cs"/>
+              </a:defRPr>
+            </a:lvl8pPr>
+            <a:lvl9pPr marL="3657600" indent="0" algn="ctr" defTabSz="914400" rtl="0" eaLnBrk="1" latinLnBrk="0" hangingPunct="1">
+              <a:lnSpc>
+                <a:spcPct val="90000"/>
+              </a:lnSpc>
+              <a:spcBef>
+                <a:spcPts val="500"/>
+              </a:spcBef>
+              <a:buFont typeface="Arial" panose="020B0604020202020204" pitchFamily="34" charset="0"/>
+              <a:buNone/>
+              <a:defRPr sz="1600" kern="1200">
+                <a:solidFill>
+                  <a:schemeClr val="tx1"/>
+                </a:solidFill>
+                <a:latin typeface="+mn-lt"/>
+                <a:ea typeface="+mn-ea"/>
+                <a:cs typeface="+mn-cs"/>
+              </a:defRPr>
+            </a:lvl9pPr>
+          </a:lstStyle>
+          <a:p>
+            <a:pPr algn="l"/>
+            <a:endParaRPr lang="zh-CN" altLang="en-US" dirty="0">
+              <a:latin typeface="微软雅黑" panose="020B0503020204020204" pitchFamily="34" charset="-122"/>
+              <a:ea typeface="微软雅黑" panose="020B0503020204020204" pitchFamily="34" charset="-122"/>
+            </a:endParaRPr>
+          </a:p>
+        </p:txBody>
+      </p:sp>
+      <p:sp>
+        <p:nvSpPr>
+          <p:cNvPr id="9" name="箭头: 下 8">
+            <a:extLst>
+              <a:ext uri="{FF2B5EF4-FFF2-40B4-BE49-F238E27FC236}">
+                <a16:creationId xmlns:a16="http://schemas.microsoft.com/office/drawing/2014/main" id="{2CD18087-CBE6-474B-A010-561C4E4CDA31}"/>
+              </a:ext>
+            </a:extLst>
+          </p:cNvPr>
+          <p:cNvSpPr/>
+          <p:nvPr/>
+        </p:nvSpPr>
+        <p:spPr>
+          <a:xfrm>
+            <a:off x="3719743" y="2491773"/>
+            <a:ext cx="230819" cy="576315"/>
+          </a:xfrm>
+          <a:prstGeom prst="downArrow">
+            <a:avLst/>
+          </a:prstGeom>
+          <a:solidFill>
+            <a:schemeClr val="bg1"/>
+          </a:solidFill>
+          <a:ln>
+            <a:solidFill>
+              <a:schemeClr val="tx1"/>
+            </a:solidFill>
+          </a:ln>
+        </p:spPr>
+        <p:style>
+          <a:lnRef idx="2">
+            <a:schemeClr val="accent1">
+              <a:shade val="50000"/>
+            </a:schemeClr>
+          </a:lnRef>
+          <a:fillRef idx="1">
+            <a:schemeClr val="accent1"/>
+          </a:fillRef>
+          <a:effectRef idx="0">
+            <a:schemeClr val="accent1"/>
+          </a:effectRef>
+          <a:fontRef idx="minor">
+            <a:schemeClr val="lt1"/>
+          </a:fontRef>
+        </p:style>
+        <p:txBody>
+          <a:bodyPr rtlCol="0" anchor="ctr"/>
+          <a:lstStyle/>
+          <a:p>
+            <a:pPr algn="ctr"/>
+            <a:endParaRPr lang="zh-CN" altLang="en-US"/>
+          </a:p>
+        </p:txBody>
+      </p:sp>
+      <p:sp>
+        <p:nvSpPr>
+          <p:cNvPr id="10" name="副标题 2">
+            <a:extLst>
+              <a:ext uri="{FF2B5EF4-FFF2-40B4-BE49-F238E27FC236}">
+                <a16:creationId xmlns:a16="http://schemas.microsoft.com/office/drawing/2014/main" id="{BDF3568A-140B-4880-95E1-EEEDE37BB17C}"/>
+              </a:ext>
+            </a:extLst>
+          </p:cNvPr>
+          <p:cNvSpPr txBox="1">
+            <a:spLocks/>
+          </p:cNvSpPr>
+          <p:nvPr/>
+        </p:nvSpPr>
+        <p:spPr>
+          <a:xfrm>
+            <a:off x="3438327" y="3213598"/>
+            <a:ext cx="6469154" cy="576315"/>
+          </a:xfrm>
+          <a:prstGeom prst="rect">
+            <a:avLst/>
+          </a:prstGeom>
+        </p:spPr>
+        <p:txBody>
+          <a:bodyPr vert="horz" lIns="91440" tIns="45720" rIns="91440" bIns="45720" rtlCol="0">
+            <a:normAutofit/>
+          </a:bodyPr>
+          <a:lstStyle>
+            <a:lvl1pPr marL="0" indent="0" algn="ctr" defTabSz="914400" rtl="0" eaLnBrk="1" latinLnBrk="0" hangingPunct="1">
+              <a:lnSpc>
+                <a:spcPct val="90000"/>
+              </a:lnSpc>
+              <a:spcBef>
+                <a:spcPts val="1000"/>
+              </a:spcBef>
+              <a:buFont typeface="Arial" panose="020B0604020202020204" pitchFamily="34" charset="0"/>
+              <a:buNone/>
+              <a:defRPr sz="2400" kern="1200">
+                <a:solidFill>
+                  <a:schemeClr val="tx1"/>
+                </a:solidFill>
+                <a:latin typeface="+mn-lt"/>
+                <a:ea typeface="+mn-ea"/>
+                <a:cs typeface="+mn-cs"/>
+              </a:defRPr>
+            </a:lvl1pPr>
+            <a:lvl2pPr marL="457200" indent="0" algn="ctr" defTabSz="914400" rtl="0" eaLnBrk="1" latinLnBrk="0" hangingPunct="1">
+              <a:lnSpc>
+                <a:spcPct val="90000"/>
+              </a:lnSpc>
+              <a:spcBef>
+                <a:spcPts val="500"/>
+              </a:spcBef>
+              <a:buFont typeface="Arial" panose="020B0604020202020204" pitchFamily="34" charset="0"/>
+              <a:buNone/>
+              <a:defRPr sz="2000" kern="1200">
+                <a:solidFill>
+                  <a:schemeClr val="tx1"/>
+                </a:solidFill>
+                <a:latin typeface="+mn-lt"/>
+                <a:ea typeface="+mn-ea"/>
+                <a:cs typeface="+mn-cs"/>
+              </a:defRPr>
+            </a:lvl2pPr>
+            <a:lvl3pPr marL="914400" indent="0" algn="ctr" defTabSz="914400" rtl="0" eaLnBrk="1" latinLnBrk="0" hangingPunct="1">
+              <a:lnSpc>
+                <a:spcPct val="90000"/>
+              </a:lnSpc>
+              <a:spcBef>
+                <a:spcPts val="500"/>
+              </a:spcBef>
+              <a:buFont typeface="Arial" panose="020B0604020202020204" pitchFamily="34" charset="0"/>
+              <a:buNone/>
+              <a:defRPr sz="1800" kern="1200">
+                <a:solidFill>
+                  <a:schemeClr val="tx1"/>
+                </a:solidFill>
+                <a:latin typeface="+mn-lt"/>
+                <a:ea typeface="+mn-ea"/>
+                <a:cs typeface="+mn-cs"/>
+              </a:defRPr>
+            </a:lvl3pPr>
+            <a:lvl4pPr marL="1371600" indent="0" algn="ctr" defTabSz="914400" rtl="0" eaLnBrk="1" latinLnBrk="0" hangingPunct="1">
+              <a:lnSpc>
+                <a:spcPct val="90000"/>
+              </a:lnSpc>
+              <a:spcBef>
+                <a:spcPts val="500"/>
+              </a:spcBef>
+              <a:buFont typeface="Arial" panose="020B0604020202020204" pitchFamily="34" charset="0"/>
+              <a:buNone/>
+              <a:defRPr sz="1600" kern="1200">
+                <a:solidFill>
+                  <a:schemeClr val="tx1"/>
+                </a:solidFill>
+                <a:latin typeface="+mn-lt"/>
+                <a:ea typeface="+mn-ea"/>
+                <a:cs typeface="+mn-cs"/>
+              </a:defRPr>
+            </a:lvl4pPr>
+            <a:lvl5pPr marL="1828800" indent="0" algn="ctr" defTabSz="914400" rtl="0" eaLnBrk="1" latinLnBrk="0" hangingPunct="1">
+              <a:lnSpc>
+                <a:spcPct val="90000"/>
+              </a:lnSpc>
+              <a:spcBef>
+                <a:spcPts val="500"/>
+              </a:spcBef>
+              <a:buFont typeface="Arial" panose="020B0604020202020204" pitchFamily="34" charset="0"/>
+              <a:buNone/>
+              <a:defRPr sz="1600" kern="1200">
+                <a:solidFill>
+                  <a:schemeClr val="tx1"/>
+                </a:solidFill>
+                <a:latin typeface="+mn-lt"/>
+                <a:ea typeface="+mn-ea"/>
+                <a:cs typeface="+mn-cs"/>
+              </a:defRPr>
+            </a:lvl5pPr>
+            <a:lvl6pPr marL="2286000" indent="0" algn="ctr" defTabSz="914400" rtl="0" eaLnBrk="1" latinLnBrk="0" hangingPunct="1">
+              <a:lnSpc>
+                <a:spcPct val="90000"/>
+              </a:lnSpc>
+              <a:spcBef>
+                <a:spcPts val="500"/>
+              </a:spcBef>
+              <a:buFont typeface="Arial" panose="020B0604020202020204" pitchFamily="34" charset="0"/>
+              <a:buNone/>
+              <a:defRPr sz="1600" kern="1200">
+                <a:solidFill>
+                  <a:schemeClr val="tx1"/>
+                </a:solidFill>
+                <a:latin typeface="+mn-lt"/>
+                <a:ea typeface="+mn-ea"/>
+                <a:cs typeface="+mn-cs"/>
+              </a:defRPr>
+            </a:lvl6pPr>
+            <a:lvl7pPr marL="2743200" indent="0" algn="ctr" defTabSz="914400" rtl="0" eaLnBrk="1" latinLnBrk="0" hangingPunct="1">
+              <a:lnSpc>
+                <a:spcPct val="90000"/>
+              </a:lnSpc>
+              <a:spcBef>
+                <a:spcPts val="500"/>
+              </a:spcBef>
+              <a:buFont typeface="Arial" panose="020B0604020202020204" pitchFamily="34" charset="0"/>
+              <a:buNone/>
+              <a:defRPr sz="1600" kern="1200">
+                <a:solidFill>
+                  <a:schemeClr val="tx1"/>
+                </a:solidFill>
+                <a:latin typeface="+mn-lt"/>
+                <a:ea typeface="+mn-ea"/>
+                <a:cs typeface="+mn-cs"/>
+              </a:defRPr>
+            </a:lvl7pPr>
+            <a:lvl8pPr marL="3200400" indent="0" algn="ctr" defTabSz="914400" rtl="0" eaLnBrk="1" latinLnBrk="0" hangingPunct="1">
+              <a:lnSpc>
+                <a:spcPct val="90000"/>
+              </a:lnSpc>
+              <a:spcBef>
+                <a:spcPts val="500"/>
+              </a:spcBef>
+              <a:buFont typeface="Arial" panose="020B0604020202020204" pitchFamily="34" charset="0"/>
+              <a:buNone/>
+              <a:defRPr sz="1600" kern="1200">
+                <a:solidFill>
+                  <a:schemeClr val="tx1"/>
+                </a:solidFill>
+                <a:latin typeface="+mn-lt"/>
+                <a:ea typeface="+mn-ea"/>
+                <a:cs typeface="+mn-cs"/>
+              </a:defRPr>
+            </a:lvl8pPr>
+            <a:lvl9pPr marL="3657600" indent="0" algn="ctr" defTabSz="914400" rtl="0" eaLnBrk="1" latinLnBrk="0" hangingPunct="1">
+              <a:lnSpc>
+                <a:spcPct val="90000"/>
+              </a:lnSpc>
+              <a:spcBef>
+                <a:spcPts val="500"/>
+              </a:spcBef>
+              <a:buFont typeface="Arial" panose="020B0604020202020204" pitchFamily="34" charset="0"/>
+              <a:buNone/>
+              <a:defRPr sz="1600" kern="1200">
+                <a:solidFill>
+                  <a:schemeClr val="tx1"/>
+                </a:solidFill>
+                <a:latin typeface="+mn-lt"/>
+                <a:ea typeface="+mn-ea"/>
+                <a:cs typeface="+mn-cs"/>
+              </a:defRPr>
+            </a:lvl9pPr>
+          </a:lstStyle>
+          <a:p>
+            <a:pPr algn="l"/>
+            <a:r>
+              <a:rPr lang="en-US" altLang="zh-CN" dirty="0">
+                <a:latin typeface="微软雅黑" panose="020B0503020204020204" pitchFamily="34" charset="-122"/>
+                <a:ea typeface="微软雅黑" panose="020B0503020204020204" pitchFamily="34" charset="-122"/>
+              </a:rPr>
+              <a:t>0.78</a:t>
+            </a:r>
+            <a:endParaRPr lang="zh-CN" altLang="en-US" dirty="0">
+              <a:latin typeface="微软雅黑" panose="020B0503020204020204" pitchFamily="34" charset="-122"/>
+              <a:ea typeface="微软雅黑" panose="020B0503020204020204" pitchFamily="34" charset="-122"/>
+            </a:endParaRPr>
+          </a:p>
+        </p:txBody>
+      </p:sp>
+      <p:sp>
+        <p:nvSpPr>
+          <p:cNvPr id="11" name="椭圆 10">
+            <a:extLst>
+              <a:ext uri="{FF2B5EF4-FFF2-40B4-BE49-F238E27FC236}">
+                <a16:creationId xmlns:a16="http://schemas.microsoft.com/office/drawing/2014/main" id="{F74C9C0A-BDB6-43AE-AA8B-AC5105B26DFB}"/>
+              </a:ext>
+            </a:extLst>
+          </p:cNvPr>
+          <p:cNvSpPr/>
+          <p:nvPr/>
+        </p:nvSpPr>
+        <p:spPr>
+          <a:xfrm>
+            <a:off x="3342441" y="1949904"/>
+            <a:ext cx="985421" cy="482585"/>
+          </a:xfrm>
+          <a:prstGeom prst="ellipse">
+            <a:avLst/>
+          </a:prstGeom>
+          <a:noFill/>
+          <a:ln w="28575">
+            <a:solidFill>
+              <a:srgbClr val="FF0000"/>
+            </a:solidFill>
+          </a:ln>
+        </p:spPr>
+        <p:style>
+          <a:lnRef idx="2">
+            <a:schemeClr val="accent1">
+              <a:shade val="50000"/>
+            </a:schemeClr>
+          </a:lnRef>
+          <a:fillRef idx="1">
+            <a:schemeClr val="accent1"/>
+          </a:fillRef>
+          <a:effectRef idx="0">
+            <a:schemeClr val="accent1"/>
+          </a:effectRef>
+          <a:fontRef idx="minor">
+            <a:schemeClr val="lt1"/>
+          </a:fontRef>
+        </p:style>
+        <p:txBody>
+          <a:bodyPr rtlCol="0" anchor="ctr"/>
+          <a:lstStyle/>
+          <a:p>
+            <a:pPr algn="ctr"/>
+            <a:endParaRPr lang="zh-CN" altLang="en-US"/>
+          </a:p>
+        </p:txBody>
+      </p:sp>
+      <p:sp>
+        <p:nvSpPr>
+          <p:cNvPr id="12" name="箭头: 下 11">
+            <a:extLst>
+              <a:ext uri="{FF2B5EF4-FFF2-40B4-BE49-F238E27FC236}">
+                <a16:creationId xmlns:a16="http://schemas.microsoft.com/office/drawing/2014/main" id="{92E0A47F-C9D4-46A0-B4EC-A5B36AB3136C}"/>
+              </a:ext>
+            </a:extLst>
+          </p:cNvPr>
+          <p:cNvSpPr/>
+          <p:nvPr/>
+        </p:nvSpPr>
+        <p:spPr>
+          <a:xfrm>
+            <a:off x="3719743" y="3755466"/>
+            <a:ext cx="230819" cy="576315"/>
+          </a:xfrm>
+          <a:prstGeom prst="downArrow">
+            <a:avLst/>
+          </a:prstGeom>
+          <a:solidFill>
+            <a:schemeClr val="bg1"/>
+          </a:solidFill>
+          <a:ln>
+            <a:solidFill>
+              <a:schemeClr val="tx1"/>
+            </a:solidFill>
+          </a:ln>
+        </p:spPr>
+        <p:style>
+          <a:lnRef idx="2">
+            <a:schemeClr val="accent1">
+              <a:shade val="50000"/>
+            </a:schemeClr>
+          </a:lnRef>
+          <a:fillRef idx="1">
+            <a:schemeClr val="accent1"/>
+          </a:fillRef>
+          <a:effectRef idx="0">
+            <a:schemeClr val="accent1"/>
+          </a:effectRef>
+          <a:fontRef idx="minor">
+            <a:schemeClr val="lt1"/>
+          </a:fontRef>
+        </p:style>
+        <p:txBody>
+          <a:bodyPr rtlCol="0" anchor="ctr"/>
+          <a:lstStyle/>
+          <a:p>
+            <a:pPr algn="ctr"/>
+            <a:endParaRPr lang="zh-CN" altLang="en-US"/>
+          </a:p>
+        </p:txBody>
+      </p:sp>
+    </p:spTree>
+    <p:extLst>
+      <p:ext uri="{BB962C8B-B14F-4D97-AF65-F5344CB8AC3E}">
+        <p14:creationId xmlns:p14="http://schemas.microsoft.com/office/powerpoint/2010/main" val="2631822857"/>
+      </p:ext>
+    </p:extLst>
+  </p:cSld>
+  <p:clrMapOvr>
+    <a:masterClrMapping/>
+  </p:clrMapOvr>
+</p:sld>
+</file>
+
+<file path=ppt/slides/slide8.xml><?xml version="1.0" encoding="utf-8"?>
+<p:sld xmlns:a="http://schemas.openxmlformats.org/drawingml/2006/main" xmlns:r="http://schemas.openxmlformats.org/officeDocument/2006/relationships" xmlns:p="http://schemas.openxmlformats.org/presentationml/2006/main">
+  <p:cSld>
+    <p:spTree>
+      <p:nvGrpSpPr>
+        <p:cNvPr id="1" name=""/>
+        <p:cNvGrpSpPr/>
+        <p:nvPr/>
+      </p:nvGrpSpPr>
+      <p:grpSpPr>
+        <a:xfrm>
+          <a:off x="0" y="0"/>
+          <a:ext cx="0" cy="0"/>
+          <a:chOff x="0" y="0"/>
+          <a:chExt cx="0" cy="0"/>
+        </a:xfrm>
+      </p:grpSpPr>
+      <p:sp>
+        <p:nvSpPr>
+          <p:cNvPr id="2" name="标题 1">
+            <a:extLst>
+              <a:ext uri="{FF2B5EF4-FFF2-40B4-BE49-F238E27FC236}">
+                <a16:creationId xmlns:a16="http://schemas.microsoft.com/office/drawing/2014/main" id="{9ABDBD79-D929-45D4-846A-C2F473FABC04}"/>
+              </a:ext>
+            </a:extLst>
+          </p:cNvPr>
+          <p:cNvSpPr>
+            <a:spLocks noGrp="1"/>
+          </p:cNvSpPr>
+          <p:nvPr>
+            <p:ph type="ctrTitle"/>
+          </p:nvPr>
+        </p:nvSpPr>
+        <p:spPr>
+          <a:xfrm>
+            <a:off x="210499" y="258335"/>
+            <a:ext cx="8999489" cy="960234"/>
+          </a:xfrm>
+        </p:spPr>
+        <p:txBody>
+          <a:bodyPr>
+            <a:noAutofit/>
+          </a:bodyPr>
+          <a:lstStyle/>
+          <a:p>
+            <a:pPr algn="l">
+              <a:lnSpc>
+                <a:spcPct val="150000"/>
+              </a:lnSpc>
+            </a:pPr>
+            <a:r>
+              <a:rPr lang="en-US" altLang="zh-CN" sz="3200" dirty="0">
+                <a:latin typeface="微软雅黑" panose="020B0503020204020204" pitchFamily="34" charset="-122"/>
+                <a:ea typeface="微软雅黑" panose="020B0503020204020204" pitchFamily="34" charset="-122"/>
+              </a:rPr>
+              <a:t>Problem to be solved: Feature Entanglement</a:t>
+            </a:r>
+            <a:endParaRPr lang="zh-CN" altLang="en-US" sz="3200" dirty="0">
+              <a:latin typeface="微软雅黑" panose="020B0503020204020204" pitchFamily="34" charset="-122"/>
+              <a:ea typeface="微软雅黑" panose="020B0503020204020204" pitchFamily="34" charset="-122"/>
+            </a:endParaRPr>
+          </a:p>
+        </p:txBody>
+      </p:sp>
+      <p:sp>
+        <p:nvSpPr>
+          <p:cNvPr id="7" name="副标题 2">
+            <a:extLst>
+              <a:ext uri="{FF2B5EF4-FFF2-40B4-BE49-F238E27FC236}">
+                <a16:creationId xmlns:a16="http://schemas.microsoft.com/office/drawing/2014/main" id="{3C3F6893-B940-4D31-90AE-D87DD1EDA4EC}"/>
+              </a:ext>
+            </a:extLst>
+          </p:cNvPr>
+          <p:cNvSpPr>
+            <a:spLocks noGrp="1"/>
+          </p:cNvSpPr>
+          <p:nvPr>
+            <p:ph type="subTitle" idx="1"/>
+          </p:nvPr>
+        </p:nvSpPr>
+        <p:spPr>
+          <a:xfrm>
+            <a:off x="464306" y="2003464"/>
+            <a:ext cx="10030579" cy="576315"/>
+          </a:xfrm>
+        </p:spPr>
+        <p:txBody>
+          <a:bodyPr>
+            <a:normAutofit/>
+          </a:bodyPr>
+          <a:lstStyle/>
+          <a:p>
+            <a:pPr algn="l"/>
+            <a:r>
+              <a:rPr lang="en-US" altLang="zh-CN" dirty="0">
+                <a:latin typeface="微软雅黑" panose="020B0503020204020204" pitchFamily="34" charset="-122"/>
+                <a:ea typeface="微软雅黑" panose="020B0503020204020204" pitchFamily="34" charset="-122"/>
+              </a:rPr>
+              <a:t>Latent vector: [1.65, 0.68, 1.98, 0.25, 0.39, …, 0.87, 2.91, 1.87]</a:t>
+            </a:r>
+            <a:endParaRPr lang="zh-CN" altLang="en-US" dirty="0">
+              <a:latin typeface="微软雅黑" panose="020B0503020204020204" pitchFamily="34" charset="-122"/>
+              <a:ea typeface="微软雅黑" panose="020B0503020204020204" pitchFamily="34" charset="-122"/>
+            </a:endParaRPr>
+          </a:p>
+        </p:txBody>
+      </p:sp>
+      <p:sp>
+        <p:nvSpPr>
+          <p:cNvPr id="5" name="副标题 2">
+            <a:extLst>
+              <a:ext uri="{FF2B5EF4-FFF2-40B4-BE49-F238E27FC236}">
+                <a16:creationId xmlns:a16="http://schemas.microsoft.com/office/drawing/2014/main" id="{10DEAF48-8DCC-425A-8128-E34BE82AC743}"/>
+              </a:ext>
+            </a:extLst>
+          </p:cNvPr>
+          <p:cNvSpPr txBox="1">
+            <a:spLocks/>
+          </p:cNvSpPr>
+          <p:nvPr/>
+        </p:nvSpPr>
+        <p:spPr>
+          <a:xfrm>
+            <a:off x="3950561" y="4732136"/>
+            <a:ext cx="7308979" cy="1043244"/>
+          </a:xfrm>
+          <a:prstGeom prst="rect">
+            <a:avLst/>
+          </a:prstGeom>
+        </p:spPr>
+        <p:txBody>
+          <a:bodyPr vert="horz" lIns="91440" tIns="45720" rIns="91440" bIns="45720" rtlCol="0">
+            <a:normAutofit/>
+          </a:bodyPr>
+          <a:lstStyle>
+            <a:lvl1pPr marL="0" indent="0" algn="ctr" defTabSz="914400" rtl="0" eaLnBrk="1" latinLnBrk="0" hangingPunct="1">
+              <a:lnSpc>
+                <a:spcPct val="90000"/>
+              </a:lnSpc>
+              <a:spcBef>
+                <a:spcPts val="1000"/>
+              </a:spcBef>
+              <a:buFont typeface="Arial" panose="020B0604020202020204" pitchFamily="34" charset="0"/>
+              <a:buNone/>
+              <a:defRPr sz="2400" kern="1200">
+                <a:solidFill>
+                  <a:schemeClr val="tx1"/>
+                </a:solidFill>
+                <a:latin typeface="+mn-lt"/>
+                <a:ea typeface="+mn-ea"/>
+                <a:cs typeface="+mn-cs"/>
+              </a:defRPr>
+            </a:lvl1pPr>
+            <a:lvl2pPr marL="457200" indent="0" algn="ctr" defTabSz="914400" rtl="0" eaLnBrk="1" latinLnBrk="0" hangingPunct="1">
+              <a:lnSpc>
+                <a:spcPct val="90000"/>
+              </a:lnSpc>
+              <a:spcBef>
+                <a:spcPts val="500"/>
+              </a:spcBef>
+              <a:buFont typeface="Arial" panose="020B0604020202020204" pitchFamily="34" charset="0"/>
+              <a:buNone/>
+              <a:defRPr sz="2000" kern="1200">
+                <a:solidFill>
+                  <a:schemeClr val="tx1"/>
+                </a:solidFill>
+                <a:latin typeface="+mn-lt"/>
+                <a:ea typeface="+mn-ea"/>
+                <a:cs typeface="+mn-cs"/>
+              </a:defRPr>
+            </a:lvl2pPr>
+            <a:lvl3pPr marL="914400" indent="0" algn="ctr" defTabSz="914400" rtl="0" eaLnBrk="1" latinLnBrk="0" hangingPunct="1">
+              <a:lnSpc>
+                <a:spcPct val="90000"/>
+              </a:lnSpc>
+              <a:spcBef>
+                <a:spcPts val="500"/>
+              </a:spcBef>
+              <a:buFont typeface="Arial" panose="020B0604020202020204" pitchFamily="34" charset="0"/>
+              <a:buNone/>
+              <a:defRPr sz="1800" kern="1200">
+                <a:solidFill>
+                  <a:schemeClr val="tx1"/>
+                </a:solidFill>
+                <a:latin typeface="+mn-lt"/>
+                <a:ea typeface="+mn-ea"/>
+                <a:cs typeface="+mn-cs"/>
+              </a:defRPr>
+            </a:lvl3pPr>
+            <a:lvl4pPr marL="1371600" indent="0" algn="ctr" defTabSz="914400" rtl="0" eaLnBrk="1" latinLnBrk="0" hangingPunct="1">
+              <a:lnSpc>
+                <a:spcPct val="90000"/>
+              </a:lnSpc>
+              <a:spcBef>
+                <a:spcPts val="500"/>
+              </a:spcBef>
+              <a:buFont typeface="Arial" panose="020B0604020202020204" pitchFamily="34" charset="0"/>
+              <a:buNone/>
+              <a:defRPr sz="1600" kern="1200">
+                <a:solidFill>
+                  <a:schemeClr val="tx1"/>
+                </a:solidFill>
+                <a:latin typeface="+mn-lt"/>
+                <a:ea typeface="+mn-ea"/>
+                <a:cs typeface="+mn-cs"/>
+              </a:defRPr>
+            </a:lvl4pPr>
+            <a:lvl5pPr marL="1828800" indent="0" algn="ctr" defTabSz="914400" rtl="0" eaLnBrk="1" latinLnBrk="0" hangingPunct="1">
+              <a:lnSpc>
+                <a:spcPct val="90000"/>
+              </a:lnSpc>
+              <a:spcBef>
+                <a:spcPts val="500"/>
+              </a:spcBef>
+              <a:buFont typeface="Arial" panose="020B0604020202020204" pitchFamily="34" charset="0"/>
+              <a:buNone/>
+              <a:defRPr sz="1600" kern="1200">
+                <a:solidFill>
+                  <a:schemeClr val="tx1"/>
+                </a:solidFill>
+                <a:latin typeface="+mn-lt"/>
+                <a:ea typeface="+mn-ea"/>
+                <a:cs typeface="+mn-cs"/>
+              </a:defRPr>
+            </a:lvl5pPr>
+            <a:lvl6pPr marL="2286000" indent="0" algn="ctr" defTabSz="914400" rtl="0" eaLnBrk="1" latinLnBrk="0" hangingPunct="1">
+              <a:lnSpc>
+                <a:spcPct val="90000"/>
+              </a:lnSpc>
+              <a:spcBef>
+                <a:spcPts val="500"/>
+              </a:spcBef>
+              <a:buFont typeface="Arial" panose="020B0604020202020204" pitchFamily="34" charset="0"/>
+              <a:buNone/>
+              <a:defRPr sz="1600" kern="1200">
+                <a:solidFill>
+                  <a:schemeClr val="tx1"/>
+                </a:solidFill>
+                <a:latin typeface="+mn-lt"/>
+                <a:ea typeface="+mn-ea"/>
+                <a:cs typeface="+mn-cs"/>
+              </a:defRPr>
+            </a:lvl6pPr>
+            <a:lvl7pPr marL="2743200" indent="0" algn="ctr" defTabSz="914400" rtl="0" eaLnBrk="1" latinLnBrk="0" hangingPunct="1">
+              <a:lnSpc>
+                <a:spcPct val="90000"/>
+              </a:lnSpc>
+              <a:spcBef>
+                <a:spcPts val="500"/>
+              </a:spcBef>
+              <a:buFont typeface="Arial" panose="020B0604020202020204" pitchFamily="34" charset="0"/>
+              <a:buNone/>
+              <a:defRPr sz="1600" kern="1200">
+                <a:solidFill>
+                  <a:schemeClr val="tx1"/>
+                </a:solidFill>
+                <a:latin typeface="+mn-lt"/>
+                <a:ea typeface="+mn-ea"/>
+                <a:cs typeface="+mn-cs"/>
+              </a:defRPr>
+            </a:lvl7pPr>
+            <a:lvl8pPr marL="3200400" indent="0" algn="ctr" defTabSz="914400" rtl="0" eaLnBrk="1" latinLnBrk="0" hangingPunct="1">
+              <a:lnSpc>
+                <a:spcPct val="90000"/>
+              </a:lnSpc>
+              <a:spcBef>
+                <a:spcPts val="500"/>
+              </a:spcBef>
+              <a:buFont typeface="Arial" panose="020B0604020202020204" pitchFamily="34" charset="0"/>
+              <a:buNone/>
+              <a:defRPr sz="1600" kern="1200">
+                <a:solidFill>
+                  <a:schemeClr val="tx1"/>
+                </a:solidFill>
+                <a:latin typeface="+mn-lt"/>
+                <a:ea typeface="+mn-ea"/>
+                <a:cs typeface="+mn-cs"/>
+              </a:defRPr>
+            </a:lvl8pPr>
+            <a:lvl9pPr marL="3657600" indent="0" algn="ctr" defTabSz="914400" rtl="0" eaLnBrk="1" latinLnBrk="0" hangingPunct="1">
+              <a:lnSpc>
+                <a:spcPct val="90000"/>
+              </a:lnSpc>
+              <a:spcBef>
+                <a:spcPts val="500"/>
+              </a:spcBef>
+              <a:buFont typeface="Arial" panose="020B0604020202020204" pitchFamily="34" charset="0"/>
+              <a:buNone/>
+              <a:defRPr sz="1600" kern="1200">
+                <a:solidFill>
+                  <a:schemeClr val="tx1"/>
+                </a:solidFill>
+                <a:latin typeface="+mn-lt"/>
+                <a:ea typeface="+mn-ea"/>
+                <a:cs typeface="+mn-cs"/>
+              </a:defRPr>
+            </a:lvl9pPr>
+          </a:lstStyle>
+          <a:p>
+            <a:pPr marL="514350" indent="-514350" algn="l">
+              <a:buFont typeface="+mj-lt"/>
+              <a:buAutoNum type="arabicPeriod"/>
+            </a:pPr>
+            <a:r>
+              <a:rPr lang="en-US" altLang="zh-CN" sz="2000" dirty="0">
+                <a:latin typeface="微软雅黑" panose="020B0503020204020204" pitchFamily="34" charset="-122"/>
+                <a:ea typeface="微软雅黑" panose="020B0503020204020204" pitchFamily="34" charset="-122"/>
+              </a:rPr>
+              <a:t>Change of hair color</a:t>
+            </a:r>
+          </a:p>
+          <a:p>
+            <a:pPr marL="514350" indent="-514350" algn="l">
+              <a:buFont typeface="+mj-lt"/>
+              <a:buAutoNum type="arabicPeriod"/>
+            </a:pPr>
+            <a:r>
+              <a:rPr lang="en-US" altLang="zh-CN" sz="2000" dirty="0">
+                <a:latin typeface="微软雅黑" panose="020B0503020204020204" pitchFamily="34" charset="-122"/>
+                <a:ea typeface="微软雅黑" panose="020B0503020204020204" pitchFamily="34" charset="-122"/>
+              </a:rPr>
+              <a:t>Change of gender</a:t>
+            </a:r>
+            <a:endParaRPr lang="zh-CN" altLang="en-US" sz="2000" dirty="0">
+              <a:latin typeface="微软雅黑" panose="020B0503020204020204" pitchFamily="34" charset="-122"/>
+              <a:ea typeface="微软雅黑" panose="020B0503020204020204" pitchFamily="34" charset="-122"/>
+            </a:endParaRPr>
+          </a:p>
+        </p:txBody>
+      </p:sp>
+      <p:sp>
+        <p:nvSpPr>
+          <p:cNvPr id="8" name="副标题 2">
+            <a:extLst>
+              <a:ext uri="{FF2B5EF4-FFF2-40B4-BE49-F238E27FC236}">
+                <a16:creationId xmlns:a16="http://schemas.microsoft.com/office/drawing/2014/main" id="{5D8E43F3-ABB1-4D32-B106-64C09EBCCD00}"/>
+              </a:ext>
+            </a:extLst>
+          </p:cNvPr>
+          <p:cNvSpPr txBox="1">
+            <a:spLocks/>
+          </p:cNvSpPr>
+          <p:nvPr/>
+        </p:nvSpPr>
+        <p:spPr>
+          <a:xfrm>
+            <a:off x="296072" y="4043624"/>
+            <a:ext cx="7308979" cy="576315"/>
+          </a:xfrm>
+          <a:prstGeom prst="rect">
+            <a:avLst/>
+          </a:prstGeom>
+        </p:spPr>
+        <p:txBody>
+          <a:bodyPr vert="horz" lIns="91440" tIns="45720" rIns="91440" bIns="45720" rtlCol="0">
+            <a:normAutofit/>
+          </a:bodyPr>
+          <a:lstStyle>
+            <a:lvl1pPr marL="0" indent="0" algn="ctr" defTabSz="914400" rtl="0" eaLnBrk="1" latinLnBrk="0" hangingPunct="1">
+              <a:lnSpc>
+                <a:spcPct val="90000"/>
+              </a:lnSpc>
+              <a:spcBef>
+                <a:spcPts val="1000"/>
+              </a:spcBef>
+              <a:buFont typeface="Arial" panose="020B0604020202020204" pitchFamily="34" charset="0"/>
+              <a:buNone/>
+              <a:defRPr sz="2400" kern="1200">
+                <a:solidFill>
+                  <a:schemeClr val="tx1"/>
+                </a:solidFill>
+                <a:latin typeface="+mn-lt"/>
+                <a:ea typeface="+mn-ea"/>
+                <a:cs typeface="+mn-cs"/>
+              </a:defRPr>
+            </a:lvl1pPr>
+            <a:lvl2pPr marL="457200" indent="0" algn="ctr" defTabSz="914400" rtl="0" eaLnBrk="1" latinLnBrk="0" hangingPunct="1">
+              <a:lnSpc>
+                <a:spcPct val="90000"/>
+              </a:lnSpc>
+              <a:spcBef>
+                <a:spcPts val="500"/>
+              </a:spcBef>
+              <a:buFont typeface="Arial" panose="020B0604020202020204" pitchFamily="34" charset="0"/>
+              <a:buNone/>
+              <a:defRPr sz="2000" kern="1200">
+                <a:solidFill>
+                  <a:schemeClr val="tx1"/>
+                </a:solidFill>
+                <a:latin typeface="+mn-lt"/>
+                <a:ea typeface="+mn-ea"/>
+                <a:cs typeface="+mn-cs"/>
+              </a:defRPr>
+            </a:lvl2pPr>
+            <a:lvl3pPr marL="914400" indent="0" algn="ctr" defTabSz="914400" rtl="0" eaLnBrk="1" latinLnBrk="0" hangingPunct="1">
+              <a:lnSpc>
+                <a:spcPct val="90000"/>
+              </a:lnSpc>
+              <a:spcBef>
+                <a:spcPts val="500"/>
+              </a:spcBef>
+              <a:buFont typeface="Arial" panose="020B0604020202020204" pitchFamily="34" charset="0"/>
+              <a:buNone/>
+              <a:defRPr sz="1800" kern="1200">
+                <a:solidFill>
+                  <a:schemeClr val="tx1"/>
+                </a:solidFill>
+                <a:latin typeface="+mn-lt"/>
+                <a:ea typeface="+mn-ea"/>
+                <a:cs typeface="+mn-cs"/>
+              </a:defRPr>
+            </a:lvl3pPr>
+            <a:lvl4pPr marL="1371600" indent="0" algn="ctr" defTabSz="914400" rtl="0" eaLnBrk="1" latinLnBrk="0" hangingPunct="1">
+              <a:lnSpc>
+                <a:spcPct val="90000"/>
+              </a:lnSpc>
+              <a:spcBef>
+                <a:spcPts val="500"/>
+              </a:spcBef>
+              <a:buFont typeface="Arial" panose="020B0604020202020204" pitchFamily="34" charset="0"/>
+              <a:buNone/>
+              <a:defRPr sz="1600" kern="1200">
+                <a:solidFill>
+                  <a:schemeClr val="tx1"/>
+                </a:solidFill>
+                <a:latin typeface="+mn-lt"/>
+                <a:ea typeface="+mn-ea"/>
+                <a:cs typeface="+mn-cs"/>
+              </a:defRPr>
+            </a:lvl4pPr>
+            <a:lvl5pPr marL="1828800" indent="0" algn="ctr" defTabSz="914400" rtl="0" eaLnBrk="1" latinLnBrk="0" hangingPunct="1">
+              <a:lnSpc>
+                <a:spcPct val="90000"/>
+              </a:lnSpc>
+              <a:spcBef>
+                <a:spcPts val="500"/>
+              </a:spcBef>
+              <a:buFont typeface="Arial" panose="020B0604020202020204" pitchFamily="34" charset="0"/>
+              <a:buNone/>
+              <a:defRPr sz="1600" kern="1200">
+                <a:solidFill>
+                  <a:schemeClr val="tx1"/>
+                </a:solidFill>
+                <a:latin typeface="+mn-lt"/>
+                <a:ea typeface="+mn-ea"/>
+                <a:cs typeface="+mn-cs"/>
+              </a:defRPr>
+            </a:lvl5pPr>
+            <a:lvl6pPr marL="2286000" indent="0" algn="ctr" defTabSz="914400" rtl="0" eaLnBrk="1" latinLnBrk="0" hangingPunct="1">
+              <a:lnSpc>
+                <a:spcPct val="90000"/>
+              </a:lnSpc>
+              <a:spcBef>
+                <a:spcPts val="500"/>
+              </a:spcBef>
+              <a:buFont typeface="Arial" panose="020B0604020202020204" pitchFamily="34" charset="0"/>
+              <a:buNone/>
+              <a:defRPr sz="1600" kern="1200">
+                <a:solidFill>
+                  <a:schemeClr val="tx1"/>
+                </a:solidFill>
+                <a:latin typeface="+mn-lt"/>
+                <a:ea typeface="+mn-ea"/>
+                <a:cs typeface="+mn-cs"/>
+              </a:defRPr>
+            </a:lvl6pPr>
+            <a:lvl7pPr marL="2743200" indent="0" algn="ctr" defTabSz="914400" rtl="0" eaLnBrk="1" latinLnBrk="0" hangingPunct="1">
+              <a:lnSpc>
+                <a:spcPct val="90000"/>
+              </a:lnSpc>
+              <a:spcBef>
+                <a:spcPts val="500"/>
+              </a:spcBef>
+              <a:buFont typeface="Arial" panose="020B0604020202020204" pitchFamily="34" charset="0"/>
+              <a:buNone/>
+              <a:defRPr sz="1600" kern="1200">
+                <a:solidFill>
+                  <a:schemeClr val="tx1"/>
+                </a:solidFill>
+                <a:latin typeface="+mn-lt"/>
+                <a:ea typeface="+mn-ea"/>
+                <a:cs typeface="+mn-cs"/>
+              </a:defRPr>
+            </a:lvl7pPr>
+            <a:lvl8pPr marL="3200400" indent="0" algn="ctr" defTabSz="914400" rtl="0" eaLnBrk="1" latinLnBrk="0" hangingPunct="1">
+              <a:lnSpc>
+                <a:spcPct val="90000"/>
+              </a:lnSpc>
+              <a:spcBef>
+                <a:spcPts val="500"/>
+              </a:spcBef>
+              <a:buFont typeface="Arial" panose="020B0604020202020204" pitchFamily="34" charset="0"/>
+              <a:buNone/>
+              <a:defRPr sz="1600" kern="1200">
+                <a:solidFill>
+                  <a:schemeClr val="tx1"/>
+                </a:solidFill>
+                <a:latin typeface="+mn-lt"/>
+                <a:ea typeface="+mn-ea"/>
+                <a:cs typeface="+mn-cs"/>
+              </a:defRPr>
+            </a:lvl8pPr>
+            <a:lvl9pPr marL="3657600" indent="0" algn="ctr" defTabSz="914400" rtl="0" eaLnBrk="1" latinLnBrk="0" hangingPunct="1">
+              <a:lnSpc>
+                <a:spcPct val="90000"/>
+              </a:lnSpc>
+              <a:spcBef>
+                <a:spcPts val="500"/>
+              </a:spcBef>
+              <a:buFont typeface="Arial" panose="020B0604020202020204" pitchFamily="34" charset="0"/>
+              <a:buNone/>
+              <a:defRPr sz="1600" kern="1200">
+                <a:solidFill>
+                  <a:schemeClr val="tx1"/>
+                </a:solidFill>
+                <a:latin typeface="+mn-lt"/>
+                <a:ea typeface="+mn-ea"/>
+                <a:cs typeface="+mn-cs"/>
+              </a:defRPr>
+            </a:lvl9pPr>
+          </a:lstStyle>
+          <a:p>
+            <a:pPr algn="l"/>
+            <a:endParaRPr lang="zh-CN" altLang="en-US" dirty="0">
+              <a:latin typeface="微软雅黑" panose="020B0503020204020204" pitchFamily="34" charset="-122"/>
+              <a:ea typeface="微软雅黑" panose="020B0503020204020204" pitchFamily="34" charset="-122"/>
+            </a:endParaRPr>
+          </a:p>
+        </p:txBody>
+      </p:sp>
+      <p:sp>
+        <p:nvSpPr>
+          <p:cNvPr id="9" name="箭头: 下 8">
+            <a:extLst>
+              <a:ext uri="{FF2B5EF4-FFF2-40B4-BE49-F238E27FC236}">
+                <a16:creationId xmlns:a16="http://schemas.microsoft.com/office/drawing/2014/main" id="{2CD18087-CBE6-474B-A010-561C4E4CDA31}"/>
+              </a:ext>
+            </a:extLst>
+          </p:cNvPr>
+          <p:cNvSpPr/>
+          <p:nvPr/>
+        </p:nvSpPr>
+        <p:spPr>
+          <a:xfrm>
+            <a:off x="3719743" y="2491773"/>
+            <a:ext cx="230819" cy="576315"/>
+          </a:xfrm>
+          <a:prstGeom prst="downArrow">
+            <a:avLst/>
+          </a:prstGeom>
+          <a:solidFill>
+            <a:schemeClr val="bg1"/>
+          </a:solidFill>
+          <a:ln>
+            <a:solidFill>
+              <a:schemeClr val="tx1"/>
+            </a:solidFill>
+          </a:ln>
+        </p:spPr>
+        <p:style>
+          <a:lnRef idx="2">
+            <a:schemeClr val="accent1">
+              <a:shade val="50000"/>
+            </a:schemeClr>
+          </a:lnRef>
+          <a:fillRef idx="1">
+            <a:schemeClr val="accent1"/>
+          </a:fillRef>
+          <a:effectRef idx="0">
+            <a:schemeClr val="accent1"/>
+          </a:effectRef>
+          <a:fontRef idx="minor">
+            <a:schemeClr val="lt1"/>
+          </a:fontRef>
+        </p:style>
+        <p:txBody>
+          <a:bodyPr rtlCol="0" anchor="ctr"/>
+          <a:lstStyle/>
+          <a:p>
+            <a:pPr algn="ctr"/>
+            <a:endParaRPr lang="zh-CN" altLang="en-US"/>
+          </a:p>
+        </p:txBody>
+      </p:sp>
+      <p:sp>
+        <p:nvSpPr>
+          <p:cNvPr id="10" name="副标题 2">
+            <a:extLst>
+              <a:ext uri="{FF2B5EF4-FFF2-40B4-BE49-F238E27FC236}">
+                <a16:creationId xmlns:a16="http://schemas.microsoft.com/office/drawing/2014/main" id="{BDF3568A-140B-4880-95E1-EEEDE37BB17C}"/>
+              </a:ext>
+            </a:extLst>
+          </p:cNvPr>
+          <p:cNvSpPr txBox="1">
+            <a:spLocks/>
+          </p:cNvSpPr>
+          <p:nvPr/>
+        </p:nvSpPr>
+        <p:spPr>
+          <a:xfrm>
+            <a:off x="3438327" y="3213598"/>
+            <a:ext cx="6469154" cy="576315"/>
+          </a:xfrm>
+          <a:prstGeom prst="rect">
+            <a:avLst/>
+          </a:prstGeom>
+        </p:spPr>
+        <p:txBody>
+          <a:bodyPr vert="horz" lIns="91440" tIns="45720" rIns="91440" bIns="45720" rtlCol="0">
+            <a:normAutofit/>
+          </a:bodyPr>
+          <a:lstStyle>
+            <a:lvl1pPr marL="0" indent="0" algn="ctr" defTabSz="914400" rtl="0" eaLnBrk="1" latinLnBrk="0" hangingPunct="1">
+              <a:lnSpc>
+                <a:spcPct val="90000"/>
+              </a:lnSpc>
+              <a:spcBef>
+                <a:spcPts val="1000"/>
+              </a:spcBef>
+              <a:buFont typeface="Arial" panose="020B0604020202020204" pitchFamily="34" charset="0"/>
+              <a:buNone/>
+              <a:defRPr sz="2400" kern="1200">
+                <a:solidFill>
+                  <a:schemeClr val="tx1"/>
+                </a:solidFill>
+                <a:latin typeface="+mn-lt"/>
+                <a:ea typeface="+mn-ea"/>
+                <a:cs typeface="+mn-cs"/>
+              </a:defRPr>
+            </a:lvl1pPr>
+            <a:lvl2pPr marL="457200" indent="0" algn="ctr" defTabSz="914400" rtl="0" eaLnBrk="1" latinLnBrk="0" hangingPunct="1">
+              <a:lnSpc>
+                <a:spcPct val="90000"/>
+              </a:lnSpc>
+              <a:spcBef>
+                <a:spcPts val="500"/>
+              </a:spcBef>
+              <a:buFont typeface="Arial" panose="020B0604020202020204" pitchFamily="34" charset="0"/>
+              <a:buNone/>
+              <a:defRPr sz="2000" kern="1200">
+                <a:solidFill>
+                  <a:schemeClr val="tx1"/>
+                </a:solidFill>
+                <a:latin typeface="+mn-lt"/>
+                <a:ea typeface="+mn-ea"/>
+                <a:cs typeface="+mn-cs"/>
+              </a:defRPr>
+            </a:lvl2pPr>
+            <a:lvl3pPr marL="914400" indent="0" algn="ctr" defTabSz="914400" rtl="0" eaLnBrk="1" latinLnBrk="0" hangingPunct="1">
+              <a:lnSpc>
+                <a:spcPct val="90000"/>
+              </a:lnSpc>
+              <a:spcBef>
+                <a:spcPts val="500"/>
+              </a:spcBef>
+              <a:buFont typeface="Arial" panose="020B0604020202020204" pitchFamily="34" charset="0"/>
+              <a:buNone/>
+              <a:defRPr sz="1800" kern="1200">
+                <a:solidFill>
+                  <a:schemeClr val="tx1"/>
+                </a:solidFill>
+                <a:latin typeface="+mn-lt"/>
+                <a:ea typeface="+mn-ea"/>
+                <a:cs typeface="+mn-cs"/>
+              </a:defRPr>
+            </a:lvl3pPr>
+            <a:lvl4pPr marL="1371600" indent="0" algn="ctr" defTabSz="914400" rtl="0" eaLnBrk="1" latinLnBrk="0" hangingPunct="1">
+              <a:lnSpc>
+                <a:spcPct val="90000"/>
+              </a:lnSpc>
+              <a:spcBef>
+                <a:spcPts val="500"/>
+              </a:spcBef>
+              <a:buFont typeface="Arial" panose="020B0604020202020204" pitchFamily="34" charset="0"/>
+              <a:buNone/>
+              <a:defRPr sz="1600" kern="1200">
+                <a:solidFill>
+                  <a:schemeClr val="tx1"/>
+                </a:solidFill>
+                <a:latin typeface="+mn-lt"/>
+                <a:ea typeface="+mn-ea"/>
+                <a:cs typeface="+mn-cs"/>
+              </a:defRPr>
+            </a:lvl4pPr>
+            <a:lvl5pPr marL="1828800" indent="0" algn="ctr" defTabSz="914400" rtl="0" eaLnBrk="1" latinLnBrk="0" hangingPunct="1">
+              <a:lnSpc>
+                <a:spcPct val="90000"/>
+              </a:lnSpc>
+              <a:spcBef>
+                <a:spcPts val="500"/>
+              </a:spcBef>
+              <a:buFont typeface="Arial" panose="020B0604020202020204" pitchFamily="34" charset="0"/>
+              <a:buNone/>
+              <a:defRPr sz="1600" kern="1200">
+                <a:solidFill>
+                  <a:schemeClr val="tx1"/>
+                </a:solidFill>
+                <a:latin typeface="+mn-lt"/>
+                <a:ea typeface="+mn-ea"/>
+                <a:cs typeface="+mn-cs"/>
+              </a:defRPr>
+            </a:lvl5pPr>
+            <a:lvl6pPr marL="2286000" indent="0" algn="ctr" defTabSz="914400" rtl="0" eaLnBrk="1" latinLnBrk="0" hangingPunct="1">
+              <a:lnSpc>
+                <a:spcPct val="90000"/>
+              </a:lnSpc>
+              <a:spcBef>
+                <a:spcPts val="500"/>
+              </a:spcBef>
+              <a:buFont typeface="Arial" panose="020B0604020202020204" pitchFamily="34" charset="0"/>
+              <a:buNone/>
+              <a:defRPr sz="1600" kern="1200">
+                <a:solidFill>
+                  <a:schemeClr val="tx1"/>
+                </a:solidFill>
+                <a:latin typeface="+mn-lt"/>
+                <a:ea typeface="+mn-ea"/>
+                <a:cs typeface="+mn-cs"/>
+              </a:defRPr>
+            </a:lvl6pPr>
+            <a:lvl7pPr marL="2743200" indent="0" algn="ctr" defTabSz="914400" rtl="0" eaLnBrk="1" latinLnBrk="0" hangingPunct="1">
+              <a:lnSpc>
+                <a:spcPct val="90000"/>
+              </a:lnSpc>
+              <a:spcBef>
+                <a:spcPts val="500"/>
+              </a:spcBef>
+              <a:buFont typeface="Arial" panose="020B0604020202020204" pitchFamily="34" charset="0"/>
+              <a:buNone/>
+              <a:defRPr sz="1600" kern="1200">
+                <a:solidFill>
+                  <a:schemeClr val="tx1"/>
+                </a:solidFill>
+                <a:latin typeface="+mn-lt"/>
+                <a:ea typeface="+mn-ea"/>
+                <a:cs typeface="+mn-cs"/>
+              </a:defRPr>
+            </a:lvl7pPr>
+            <a:lvl8pPr marL="3200400" indent="0" algn="ctr" defTabSz="914400" rtl="0" eaLnBrk="1" latinLnBrk="0" hangingPunct="1">
+              <a:lnSpc>
+                <a:spcPct val="90000"/>
+              </a:lnSpc>
+              <a:spcBef>
+                <a:spcPts val="500"/>
+              </a:spcBef>
+              <a:buFont typeface="Arial" panose="020B0604020202020204" pitchFamily="34" charset="0"/>
+              <a:buNone/>
+              <a:defRPr sz="1600" kern="1200">
+                <a:solidFill>
+                  <a:schemeClr val="tx1"/>
+                </a:solidFill>
+                <a:latin typeface="+mn-lt"/>
+                <a:ea typeface="+mn-ea"/>
+                <a:cs typeface="+mn-cs"/>
+              </a:defRPr>
+            </a:lvl8pPr>
+            <a:lvl9pPr marL="3657600" indent="0" algn="ctr" defTabSz="914400" rtl="0" eaLnBrk="1" latinLnBrk="0" hangingPunct="1">
+              <a:lnSpc>
+                <a:spcPct val="90000"/>
+              </a:lnSpc>
+              <a:spcBef>
+                <a:spcPts val="500"/>
+              </a:spcBef>
+              <a:buFont typeface="Arial" panose="020B0604020202020204" pitchFamily="34" charset="0"/>
+              <a:buNone/>
+              <a:defRPr sz="1600" kern="1200">
+                <a:solidFill>
+                  <a:schemeClr val="tx1"/>
+                </a:solidFill>
+                <a:latin typeface="+mn-lt"/>
+                <a:ea typeface="+mn-ea"/>
+                <a:cs typeface="+mn-cs"/>
+              </a:defRPr>
+            </a:lvl9pPr>
+          </a:lstStyle>
+          <a:p>
+            <a:pPr algn="l"/>
+            <a:r>
+              <a:rPr lang="en-US" altLang="zh-CN" dirty="0">
+                <a:latin typeface="微软雅黑" panose="020B0503020204020204" pitchFamily="34" charset="-122"/>
+                <a:ea typeface="微软雅黑" panose="020B0503020204020204" pitchFamily="34" charset="-122"/>
+              </a:rPr>
+              <a:t>0.78</a:t>
+            </a:r>
+            <a:endParaRPr lang="zh-CN" altLang="en-US" dirty="0">
+              <a:latin typeface="微软雅黑" panose="020B0503020204020204" pitchFamily="34" charset="-122"/>
+              <a:ea typeface="微软雅黑" panose="020B0503020204020204" pitchFamily="34" charset="-122"/>
+            </a:endParaRPr>
+          </a:p>
+        </p:txBody>
+      </p:sp>
+      <p:sp>
+        <p:nvSpPr>
+          <p:cNvPr id="11" name="椭圆 10">
+            <a:extLst>
+              <a:ext uri="{FF2B5EF4-FFF2-40B4-BE49-F238E27FC236}">
+                <a16:creationId xmlns:a16="http://schemas.microsoft.com/office/drawing/2014/main" id="{F74C9C0A-BDB6-43AE-AA8B-AC5105B26DFB}"/>
+              </a:ext>
+            </a:extLst>
+          </p:cNvPr>
+          <p:cNvSpPr/>
+          <p:nvPr/>
+        </p:nvSpPr>
+        <p:spPr>
+          <a:xfrm>
+            <a:off x="3342441" y="1949904"/>
+            <a:ext cx="985421" cy="482585"/>
+          </a:xfrm>
+          <a:prstGeom prst="ellipse">
+            <a:avLst/>
+          </a:prstGeom>
+          <a:noFill/>
+          <a:ln w="28575">
+            <a:solidFill>
+              <a:srgbClr val="FF0000"/>
+            </a:solidFill>
+          </a:ln>
+        </p:spPr>
+        <p:style>
+          <a:lnRef idx="2">
+            <a:schemeClr val="accent1">
+              <a:shade val="50000"/>
+            </a:schemeClr>
+          </a:lnRef>
+          <a:fillRef idx="1">
+            <a:schemeClr val="accent1"/>
+          </a:fillRef>
+          <a:effectRef idx="0">
+            <a:schemeClr val="accent1"/>
+          </a:effectRef>
+          <a:fontRef idx="minor">
+            <a:schemeClr val="lt1"/>
+          </a:fontRef>
+        </p:style>
+        <p:txBody>
+          <a:bodyPr rtlCol="0" anchor="ctr"/>
+          <a:lstStyle/>
+          <a:p>
+            <a:pPr algn="ctr"/>
+            <a:endParaRPr lang="zh-CN" altLang="en-US"/>
+          </a:p>
+        </p:txBody>
+      </p:sp>
+      <p:sp>
+        <p:nvSpPr>
+          <p:cNvPr id="12" name="箭头: 下 11">
+            <a:extLst>
+              <a:ext uri="{FF2B5EF4-FFF2-40B4-BE49-F238E27FC236}">
+                <a16:creationId xmlns:a16="http://schemas.microsoft.com/office/drawing/2014/main" id="{92E0A47F-C9D4-46A0-B4EC-A5B36AB3136C}"/>
+              </a:ext>
+            </a:extLst>
+          </p:cNvPr>
+          <p:cNvSpPr/>
+          <p:nvPr/>
+        </p:nvSpPr>
+        <p:spPr>
+          <a:xfrm rot="19238623">
+            <a:off x="4482567" y="3574327"/>
+            <a:ext cx="230819" cy="1079638"/>
+          </a:xfrm>
+          <a:prstGeom prst="downArrow">
+            <a:avLst/>
+          </a:prstGeom>
+          <a:solidFill>
+            <a:schemeClr val="bg1"/>
+          </a:solidFill>
+          <a:ln>
+            <a:solidFill>
+              <a:schemeClr val="tx1"/>
+            </a:solidFill>
+          </a:ln>
+        </p:spPr>
+        <p:style>
+          <a:lnRef idx="2">
+            <a:schemeClr val="accent1">
+              <a:shade val="50000"/>
+            </a:schemeClr>
+          </a:lnRef>
+          <a:fillRef idx="1">
+            <a:schemeClr val="accent1"/>
+          </a:fillRef>
+          <a:effectRef idx="0">
+            <a:schemeClr val="accent1"/>
+          </a:effectRef>
+          <a:fontRef idx="minor">
+            <a:schemeClr val="lt1"/>
+          </a:fontRef>
+        </p:style>
+        <p:txBody>
+          <a:bodyPr rtlCol="0" anchor="ctr"/>
+          <a:lstStyle/>
+          <a:p>
+            <a:pPr algn="ctr"/>
+            <a:endParaRPr lang="zh-CN" altLang="en-US"/>
+          </a:p>
+        </p:txBody>
+      </p:sp>
+      <p:sp>
+        <p:nvSpPr>
+          <p:cNvPr id="13" name="椭圆 12">
+            <a:extLst>
+              <a:ext uri="{FF2B5EF4-FFF2-40B4-BE49-F238E27FC236}">
+                <a16:creationId xmlns:a16="http://schemas.microsoft.com/office/drawing/2014/main" id="{1061143D-13D0-4B92-AFFD-AFE460A733B3}"/>
+              </a:ext>
+            </a:extLst>
+          </p:cNvPr>
+          <p:cNvSpPr/>
+          <p:nvPr/>
+        </p:nvSpPr>
+        <p:spPr>
+          <a:xfrm>
+            <a:off x="6835195" y="1935434"/>
+            <a:ext cx="985421" cy="482585"/>
+          </a:xfrm>
+          <a:prstGeom prst="ellipse">
+            <a:avLst/>
+          </a:prstGeom>
+          <a:noFill/>
+          <a:ln w="28575">
+            <a:solidFill>
+              <a:srgbClr val="FF0000"/>
+            </a:solidFill>
+          </a:ln>
+        </p:spPr>
+        <p:style>
+          <a:lnRef idx="2">
+            <a:schemeClr val="accent1">
+              <a:shade val="50000"/>
+            </a:schemeClr>
+          </a:lnRef>
+          <a:fillRef idx="1">
+            <a:schemeClr val="accent1"/>
+          </a:fillRef>
+          <a:effectRef idx="0">
+            <a:schemeClr val="accent1"/>
+          </a:effectRef>
+          <a:fontRef idx="minor">
+            <a:schemeClr val="lt1"/>
+          </a:fontRef>
+        </p:style>
+        <p:txBody>
+          <a:bodyPr rtlCol="0" anchor="ctr"/>
+          <a:lstStyle/>
+          <a:p>
+            <a:pPr algn="ctr"/>
+            <a:endParaRPr lang="zh-CN" altLang="en-US"/>
+          </a:p>
+        </p:txBody>
+      </p:sp>
+      <p:sp>
+        <p:nvSpPr>
+          <p:cNvPr id="14" name="箭头: 下 13">
+            <a:extLst>
+              <a:ext uri="{FF2B5EF4-FFF2-40B4-BE49-F238E27FC236}">
+                <a16:creationId xmlns:a16="http://schemas.microsoft.com/office/drawing/2014/main" id="{AFE1F521-9107-4D6C-A00A-785DE75E45B3}"/>
+              </a:ext>
+            </a:extLst>
+          </p:cNvPr>
+          <p:cNvSpPr/>
+          <p:nvPr/>
+        </p:nvSpPr>
+        <p:spPr>
+          <a:xfrm>
+            <a:off x="7212495" y="2527651"/>
+            <a:ext cx="230819" cy="576315"/>
+          </a:xfrm>
+          <a:prstGeom prst="downArrow">
+            <a:avLst/>
+          </a:prstGeom>
+          <a:solidFill>
+            <a:schemeClr val="bg1"/>
+          </a:solidFill>
+          <a:ln>
+            <a:solidFill>
+              <a:schemeClr val="tx1"/>
+            </a:solidFill>
+          </a:ln>
+        </p:spPr>
+        <p:style>
+          <a:lnRef idx="2">
+            <a:schemeClr val="accent1">
+              <a:shade val="50000"/>
+            </a:schemeClr>
+          </a:lnRef>
+          <a:fillRef idx="1">
+            <a:schemeClr val="accent1"/>
+          </a:fillRef>
+          <a:effectRef idx="0">
+            <a:schemeClr val="accent1"/>
+          </a:effectRef>
+          <a:fontRef idx="minor">
+            <a:schemeClr val="lt1"/>
+          </a:fontRef>
+        </p:style>
+        <p:txBody>
+          <a:bodyPr rtlCol="0" anchor="ctr"/>
+          <a:lstStyle/>
+          <a:p>
+            <a:pPr algn="ctr"/>
+            <a:endParaRPr lang="zh-CN" altLang="en-US"/>
+          </a:p>
+        </p:txBody>
+      </p:sp>
+      <p:sp>
+        <p:nvSpPr>
+          <p:cNvPr id="15" name="副标题 2">
+            <a:extLst>
+              <a:ext uri="{FF2B5EF4-FFF2-40B4-BE49-F238E27FC236}">
+                <a16:creationId xmlns:a16="http://schemas.microsoft.com/office/drawing/2014/main" id="{2849DDB1-33FD-42AA-AF3B-564F658E8ABD}"/>
+              </a:ext>
+            </a:extLst>
+          </p:cNvPr>
+          <p:cNvSpPr txBox="1">
+            <a:spLocks/>
+          </p:cNvSpPr>
+          <p:nvPr/>
+        </p:nvSpPr>
+        <p:spPr>
+          <a:xfrm>
+            <a:off x="6953052" y="3177720"/>
+            <a:ext cx="2505273" cy="576315"/>
+          </a:xfrm>
+          <a:prstGeom prst="rect">
+            <a:avLst/>
+          </a:prstGeom>
+        </p:spPr>
+        <p:txBody>
+          <a:bodyPr vert="horz" lIns="91440" tIns="45720" rIns="91440" bIns="45720" rtlCol="0">
+            <a:normAutofit/>
+          </a:bodyPr>
+          <a:lstStyle>
+            <a:lvl1pPr marL="0" indent="0" algn="ctr" defTabSz="914400" rtl="0" eaLnBrk="1" latinLnBrk="0" hangingPunct="1">
+              <a:lnSpc>
+                <a:spcPct val="90000"/>
+              </a:lnSpc>
+              <a:spcBef>
+                <a:spcPts val="1000"/>
+              </a:spcBef>
+              <a:buFont typeface="Arial" panose="020B0604020202020204" pitchFamily="34" charset="0"/>
+              <a:buNone/>
+              <a:defRPr sz="2400" kern="1200">
+                <a:solidFill>
+                  <a:schemeClr val="tx1"/>
+                </a:solidFill>
+                <a:latin typeface="+mn-lt"/>
+                <a:ea typeface="+mn-ea"/>
+                <a:cs typeface="+mn-cs"/>
+              </a:defRPr>
+            </a:lvl1pPr>
+            <a:lvl2pPr marL="457200" indent="0" algn="ctr" defTabSz="914400" rtl="0" eaLnBrk="1" latinLnBrk="0" hangingPunct="1">
+              <a:lnSpc>
+                <a:spcPct val="90000"/>
+              </a:lnSpc>
+              <a:spcBef>
+                <a:spcPts val="500"/>
+              </a:spcBef>
+              <a:buFont typeface="Arial" panose="020B0604020202020204" pitchFamily="34" charset="0"/>
+              <a:buNone/>
+              <a:defRPr sz="2000" kern="1200">
+                <a:solidFill>
+                  <a:schemeClr val="tx1"/>
+                </a:solidFill>
+                <a:latin typeface="+mn-lt"/>
+                <a:ea typeface="+mn-ea"/>
+                <a:cs typeface="+mn-cs"/>
+              </a:defRPr>
+            </a:lvl2pPr>
+            <a:lvl3pPr marL="914400" indent="0" algn="ctr" defTabSz="914400" rtl="0" eaLnBrk="1" latinLnBrk="0" hangingPunct="1">
+              <a:lnSpc>
+                <a:spcPct val="90000"/>
+              </a:lnSpc>
+              <a:spcBef>
+                <a:spcPts val="500"/>
+              </a:spcBef>
+              <a:buFont typeface="Arial" panose="020B0604020202020204" pitchFamily="34" charset="0"/>
+              <a:buNone/>
+              <a:defRPr sz="1800" kern="1200">
+                <a:solidFill>
+                  <a:schemeClr val="tx1"/>
+                </a:solidFill>
+                <a:latin typeface="+mn-lt"/>
+                <a:ea typeface="+mn-ea"/>
+                <a:cs typeface="+mn-cs"/>
+              </a:defRPr>
+            </a:lvl3pPr>
+            <a:lvl4pPr marL="1371600" indent="0" algn="ctr" defTabSz="914400" rtl="0" eaLnBrk="1" latinLnBrk="0" hangingPunct="1">
+              <a:lnSpc>
+                <a:spcPct val="90000"/>
+              </a:lnSpc>
+              <a:spcBef>
+                <a:spcPts val="500"/>
+              </a:spcBef>
+              <a:buFont typeface="Arial" panose="020B0604020202020204" pitchFamily="34" charset="0"/>
+              <a:buNone/>
+              <a:defRPr sz="1600" kern="1200">
+                <a:solidFill>
+                  <a:schemeClr val="tx1"/>
+                </a:solidFill>
+                <a:latin typeface="+mn-lt"/>
+                <a:ea typeface="+mn-ea"/>
+                <a:cs typeface="+mn-cs"/>
+              </a:defRPr>
+            </a:lvl4pPr>
+            <a:lvl5pPr marL="1828800" indent="0" algn="ctr" defTabSz="914400" rtl="0" eaLnBrk="1" latinLnBrk="0" hangingPunct="1">
+              <a:lnSpc>
+                <a:spcPct val="90000"/>
+              </a:lnSpc>
+              <a:spcBef>
+                <a:spcPts val="500"/>
+              </a:spcBef>
+              <a:buFont typeface="Arial" panose="020B0604020202020204" pitchFamily="34" charset="0"/>
+              <a:buNone/>
+              <a:defRPr sz="1600" kern="1200">
+                <a:solidFill>
+                  <a:schemeClr val="tx1"/>
+                </a:solidFill>
+                <a:latin typeface="+mn-lt"/>
+                <a:ea typeface="+mn-ea"/>
+                <a:cs typeface="+mn-cs"/>
+              </a:defRPr>
+            </a:lvl5pPr>
+            <a:lvl6pPr marL="2286000" indent="0" algn="ctr" defTabSz="914400" rtl="0" eaLnBrk="1" latinLnBrk="0" hangingPunct="1">
+              <a:lnSpc>
+                <a:spcPct val="90000"/>
+              </a:lnSpc>
+              <a:spcBef>
+                <a:spcPts val="500"/>
+              </a:spcBef>
+              <a:buFont typeface="Arial" panose="020B0604020202020204" pitchFamily="34" charset="0"/>
+              <a:buNone/>
+              <a:defRPr sz="1600" kern="1200">
+                <a:solidFill>
+                  <a:schemeClr val="tx1"/>
+                </a:solidFill>
+                <a:latin typeface="+mn-lt"/>
+                <a:ea typeface="+mn-ea"/>
+                <a:cs typeface="+mn-cs"/>
+              </a:defRPr>
+            </a:lvl6pPr>
+            <a:lvl7pPr marL="2743200" indent="0" algn="ctr" defTabSz="914400" rtl="0" eaLnBrk="1" latinLnBrk="0" hangingPunct="1">
+              <a:lnSpc>
+                <a:spcPct val="90000"/>
+              </a:lnSpc>
+              <a:spcBef>
+                <a:spcPts val="500"/>
+              </a:spcBef>
+              <a:buFont typeface="Arial" panose="020B0604020202020204" pitchFamily="34" charset="0"/>
+              <a:buNone/>
+              <a:defRPr sz="1600" kern="1200">
+                <a:solidFill>
+                  <a:schemeClr val="tx1"/>
+                </a:solidFill>
+                <a:latin typeface="+mn-lt"/>
+                <a:ea typeface="+mn-ea"/>
+                <a:cs typeface="+mn-cs"/>
+              </a:defRPr>
+            </a:lvl7pPr>
+            <a:lvl8pPr marL="3200400" indent="0" algn="ctr" defTabSz="914400" rtl="0" eaLnBrk="1" latinLnBrk="0" hangingPunct="1">
+              <a:lnSpc>
+                <a:spcPct val="90000"/>
+              </a:lnSpc>
+              <a:spcBef>
+                <a:spcPts val="500"/>
+              </a:spcBef>
+              <a:buFont typeface="Arial" panose="020B0604020202020204" pitchFamily="34" charset="0"/>
+              <a:buNone/>
+              <a:defRPr sz="1600" kern="1200">
+                <a:solidFill>
+                  <a:schemeClr val="tx1"/>
+                </a:solidFill>
+                <a:latin typeface="+mn-lt"/>
+                <a:ea typeface="+mn-ea"/>
+                <a:cs typeface="+mn-cs"/>
+              </a:defRPr>
+            </a:lvl8pPr>
+            <a:lvl9pPr marL="3657600" indent="0" algn="ctr" defTabSz="914400" rtl="0" eaLnBrk="1" latinLnBrk="0" hangingPunct="1">
+              <a:lnSpc>
+                <a:spcPct val="90000"/>
+              </a:lnSpc>
+              <a:spcBef>
+                <a:spcPts val="500"/>
+              </a:spcBef>
+              <a:buFont typeface="Arial" panose="020B0604020202020204" pitchFamily="34" charset="0"/>
+              <a:buNone/>
+              <a:defRPr sz="1600" kern="1200">
+                <a:solidFill>
+                  <a:schemeClr val="tx1"/>
+                </a:solidFill>
+                <a:latin typeface="+mn-lt"/>
+                <a:ea typeface="+mn-ea"/>
+                <a:cs typeface="+mn-cs"/>
+              </a:defRPr>
+            </a:lvl9pPr>
+          </a:lstStyle>
+          <a:p>
+            <a:pPr algn="l"/>
+            <a:r>
+              <a:rPr lang="en-US" altLang="zh-CN" dirty="0">
+                <a:latin typeface="微软雅黑" panose="020B0503020204020204" pitchFamily="34" charset="-122"/>
+                <a:ea typeface="微软雅黑" panose="020B0503020204020204" pitchFamily="34" charset="-122"/>
+              </a:rPr>
+              <a:t>0.77</a:t>
+            </a:r>
+            <a:endParaRPr lang="zh-CN" altLang="en-US" dirty="0">
+              <a:latin typeface="微软雅黑" panose="020B0503020204020204" pitchFamily="34" charset="-122"/>
+              <a:ea typeface="微软雅黑" panose="020B0503020204020204" pitchFamily="34" charset="-122"/>
+            </a:endParaRPr>
+          </a:p>
+        </p:txBody>
+      </p:sp>
+      <p:sp>
+        <p:nvSpPr>
+          <p:cNvPr id="16" name="箭头: 下 15">
+            <a:extLst>
+              <a:ext uri="{FF2B5EF4-FFF2-40B4-BE49-F238E27FC236}">
+                <a16:creationId xmlns:a16="http://schemas.microsoft.com/office/drawing/2014/main" id="{3B89A357-E0AF-41CE-9204-BFCF9C5578EB}"/>
+              </a:ext>
+            </a:extLst>
+          </p:cNvPr>
+          <p:cNvSpPr/>
+          <p:nvPr/>
+        </p:nvSpPr>
+        <p:spPr>
+          <a:xfrm rot="2416869">
+            <a:off x="6417648" y="3559237"/>
+            <a:ext cx="230819" cy="1079638"/>
+          </a:xfrm>
+          <a:prstGeom prst="downArrow">
+            <a:avLst/>
+          </a:prstGeom>
+          <a:solidFill>
+            <a:schemeClr val="bg1"/>
+          </a:solidFill>
+          <a:ln>
+            <a:solidFill>
+              <a:schemeClr val="tx1"/>
+            </a:solidFill>
+          </a:ln>
+        </p:spPr>
+        <p:style>
+          <a:lnRef idx="2">
+            <a:schemeClr val="accent1">
+              <a:shade val="50000"/>
+            </a:schemeClr>
+          </a:lnRef>
+          <a:fillRef idx="1">
+            <a:schemeClr val="accent1"/>
+          </a:fillRef>
+          <a:effectRef idx="0">
+            <a:schemeClr val="accent1"/>
+          </a:effectRef>
+          <a:fontRef idx="minor">
+            <a:schemeClr val="lt1"/>
+          </a:fontRef>
+        </p:style>
+        <p:txBody>
+          <a:bodyPr rtlCol="0" anchor="ctr"/>
+          <a:lstStyle/>
+          <a:p>
+            <a:pPr algn="ctr"/>
+            <a:endParaRPr lang="zh-CN" altLang="en-US"/>
+          </a:p>
+        </p:txBody>
+      </p:sp>
+    </p:spTree>
+    <p:extLst>
+      <p:ext uri="{BB962C8B-B14F-4D97-AF65-F5344CB8AC3E}">
+        <p14:creationId xmlns:p14="http://schemas.microsoft.com/office/powerpoint/2010/main" val="71864472"/>
+      </p:ext>
+    </p:extLst>
+  </p:cSld>
+  <p:clrMapOvr>
+    <a:masterClrMapping/>
+  </p:clrMapOvr>
+  <p:timing>
+    <p:tnLst>
+      <p:par>
+        <p:cTn id="1" dur="indefinite" restart="never" nodeType="tmRoot">
+          <p:childTnLst>
+            <p:seq concurrent="1" nextAc="seek">
+              <p:cTn id="2" dur="indefinite" nodeType="mainSeq">
+                <p:childTnLst>
+                  <p:par>
+                    <p:cTn id="3" fill="hold">
+                      <p:stCondLst>
+                        <p:cond delay="indefinite"/>
+                      </p:stCondLst>
+                      <p:childTnLst>
+                        <p:par>
+                          <p:cTn id="4" fill="hold">
+                            <p:stCondLst>
+                              <p:cond delay="0"/>
+                            </p:stCondLst>
+                            <p:childTnLst>
+                              <p:par>
+                                <p:cTn id="5" presetID="42" presetClass="entr" presetSubtype="0" fill="hold" nodeType="clickEffect">
+                                  <p:stCondLst>
+                                    <p:cond delay="0"/>
+                                  </p:stCondLst>
+                                  <p:childTnLst>
+                                    <p:set>
+                                      <p:cBhvr>
+                                        <p:cTn id="6" dur="1" fill="hold">
+                                          <p:stCondLst>
+                                            <p:cond delay="0"/>
+                                          </p:stCondLst>
+                                        </p:cTn>
+                                        <p:tgtEl>
+                                          <p:spTgt spid="5">
+                                            <p:txEl>
+                                              <p:pRg st="1" end="1"/>
+                                            </p:txEl>
+                                          </p:spTgt>
+                                        </p:tgtEl>
+                                        <p:attrNameLst>
+                                          <p:attrName>style.visibility</p:attrName>
+                                        </p:attrNameLst>
+                                      </p:cBhvr>
+                                      <p:to>
+                                        <p:strVal val="visible"/>
+                                      </p:to>
+                                    </p:set>
+                                    <p:animEffect transition="in" filter="fade">
+                                      <p:cBhvr>
+                                        <p:cTn id="7" dur="500"/>
+                                        <p:tgtEl>
+                                          <p:spTgt spid="5">
+                                            <p:txEl>
+                                              <p:pRg st="1" end="1"/>
+                                            </p:txEl>
+                                          </p:spTgt>
+                                        </p:tgtEl>
+                                      </p:cBhvr>
+                                    </p:animEffect>
+                                    <p:anim calcmode="lin" valueType="num">
+                                      <p:cBhvr>
+                                        <p:cTn id="8" dur="500" fill="hold"/>
+                                        <p:tgtEl>
+                                          <p:spTgt spid="5">
+                                            <p:txEl>
+                                              <p:pRg st="1" end="1"/>
+                                            </p:txEl>
+                                          </p:spTgt>
+                                        </p:tgtEl>
+                                        <p:attrNameLst>
+                                          <p:attrName>ppt_x</p:attrName>
+                                        </p:attrNameLst>
+                                      </p:cBhvr>
+                                      <p:tavLst>
+                                        <p:tav tm="0">
+                                          <p:val>
+                                            <p:strVal val="#ppt_x"/>
+                                          </p:val>
+                                        </p:tav>
+                                        <p:tav tm="100000">
+                                          <p:val>
+                                            <p:strVal val="#ppt_x"/>
+                                          </p:val>
+                                        </p:tav>
+                                      </p:tavLst>
+                                    </p:anim>
+                                    <p:anim calcmode="lin" valueType="num">
+                                      <p:cBhvr>
+                                        <p:cTn id="9" dur="500" fill="hold"/>
+                                        <p:tgtEl>
+                                          <p:spTgt spid="5">
+                                            <p:txEl>
+                                              <p:pRg st="1" end="1"/>
+                                            </p:txEl>
+                                          </p:spTgt>
+                                        </p:tgtEl>
+                                        <p:attrNameLst>
+                                          <p:attrName>ppt_y</p:attrName>
+                                        </p:attrNameLst>
+                                      </p:cBhvr>
+                                      <p:tavLst>
+                                        <p:tav tm="0">
+                                          <p:val>
+                                            <p:strVal val="#ppt_y+.1"/>
+                                          </p:val>
+                                        </p:tav>
+                                        <p:tav tm="100000">
+                                          <p:val>
+                                            <p:strVal val="#ppt_y"/>
+                                          </p:val>
+                                        </p:tav>
+                                      </p:tavLst>
+                                    </p:anim>
+                                  </p:childTnLst>
+                                </p:cTn>
+                              </p:par>
+                            </p:childTnLst>
+                          </p:cTn>
+                        </p:par>
+                      </p:childTnLst>
+                    </p:cTn>
+                  </p:par>
+                </p:childTnLst>
+              </p:cTn>
+              <p:prevCondLst>
+                <p:cond evt="onPrev" delay="0">
+                  <p:tgtEl>
+                    <p:sldTgt/>
+                  </p:tgtEl>
+                </p:cond>
+              </p:prevCondLst>
+              <p:nextCondLst>
+                <p:cond evt="onNext" delay="0">
+                  <p:tgtEl>
+                    <p:sldTgt/>
+                  </p:tgtEl>
+                </p:cond>
+              </p:nextCondLst>
+            </p:seq>
+          </p:childTnLst>
+        </p:cTn>
+      </p:par>
+    </p:tnLst>
+  </p:timing>
+</p:sld>
+</file>
+
+<file path=ppt/slides/slide9.xml><?xml version="1.0" encoding="utf-8"?>
+<p:sld xmlns:a="http://schemas.openxmlformats.org/drawingml/2006/main" xmlns:r="http://schemas.openxmlformats.org/officeDocument/2006/relationships" xmlns:p="http://schemas.openxmlformats.org/presentationml/2006/main">
+  <p:cSld>
+    <p:spTree>
+      <p:nvGrpSpPr>
+        <p:cNvPr id="1" name=""/>
+        <p:cNvGrpSpPr/>
+        <p:nvPr/>
+      </p:nvGrpSpPr>
+      <p:grpSpPr>
+        <a:xfrm>
+          <a:off x="0" y="0"/>
+          <a:ext cx="0" cy="0"/>
+          <a:chOff x="0" y="0"/>
+          <a:chExt cx="0" cy="0"/>
+        </a:xfrm>
+      </p:grpSpPr>
+      <p:sp>
+        <p:nvSpPr>
+          <p:cNvPr id="2" name="标题 1">
+            <a:extLst>
+              <a:ext uri="{FF2B5EF4-FFF2-40B4-BE49-F238E27FC236}">
+                <a16:creationId xmlns:a16="http://schemas.microsoft.com/office/drawing/2014/main" id="{9ABDBD79-D929-45D4-846A-C2F473FABC04}"/>
+              </a:ext>
+            </a:extLst>
+          </p:cNvPr>
+          <p:cNvSpPr>
+            <a:spLocks noGrp="1"/>
+          </p:cNvSpPr>
+          <p:nvPr>
+            <p:ph type="ctrTitle"/>
+          </p:nvPr>
+        </p:nvSpPr>
+        <p:spPr>
+          <a:xfrm>
+            <a:off x="210499" y="258335"/>
+            <a:ext cx="8999489" cy="960234"/>
+          </a:xfrm>
+        </p:spPr>
+        <p:txBody>
+          <a:bodyPr>
+            <a:noAutofit/>
+          </a:bodyPr>
+          <a:lstStyle/>
+          <a:p>
+            <a:pPr algn="l">
+              <a:lnSpc>
+                <a:spcPct val="150000"/>
+              </a:lnSpc>
+            </a:pPr>
+            <a:r>
+              <a:rPr lang="en-US" altLang="zh-CN" sz="3200" dirty="0" err="1">
+                <a:latin typeface="微软雅黑" panose="020B0503020204020204" pitchFamily="34" charset="-122"/>
+                <a:ea typeface="微软雅黑" panose="020B0503020204020204" pitchFamily="34" charset="-122"/>
+              </a:rPr>
+              <a:t>StyleGAN</a:t>
+            </a:r>
+            <a:endParaRPr lang="zh-CN" altLang="en-US" sz="3200" dirty="0">
+              <a:latin typeface="微软雅黑" panose="020B0503020204020204" pitchFamily="34" charset="-122"/>
+              <a:ea typeface="微软雅黑" panose="020B0503020204020204" pitchFamily="34" charset="-122"/>
+            </a:endParaRPr>
+          </a:p>
+        </p:txBody>
+      </p:sp>
+      <p:sp>
+        <p:nvSpPr>
+          <p:cNvPr id="7" name="副标题 2">
+            <a:extLst>
+              <a:ext uri="{FF2B5EF4-FFF2-40B4-BE49-F238E27FC236}">
+                <a16:creationId xmlns:a16="http://schemas.microsoft.com/office/drawing/2014/main" id="{3C3F6893-B940-4D31-90AE-D87DD1EDA4EC}"/>
+              </a:ext>
+            </a:extLst>
+          </p:cNvPr>
+          <p:cNvSpPr>
+            <a:spLocks noGrp="1"/>
+          </p:cNvSpPr>
+          <p:nvPr>
+            <p:ph type="subTitle" idx="1"/>
+          </p:nvPr>
+        </p:nvSpPr>
+        <p:spPr>
+          <a:xfrm>
+            <a:off x="464306" y="2003464"/>
+            <a:ext cx="11394319" cy="2016086"/>
+          </a:xfrm>
+        </p:spPr>
+        <p:txBody>
+          <a:bodyPr>
+            <a:noAutofit/>
+          </a:bodyPr>
+          <a:lstStyle/>
+          <a:p>
+            <a:pPr marL="342900" indent="-342900" algn="l">
+              <a:lnSpc>
+                <a:spcPct val="150000"/>
+              </a:lnSpc>
+              <a:buFont typeface="Arial" panose="020B0604020202020204" pitchFamily="34" charset="0"/>
+              <a:buChar char="•"/>
+            </a:pPr>
+            <a:r>
+              <a:rPr lang="en-US" altLang="zh-CN" dirty="0">
+                <a:latin typeface="微软雅黑" panose="020B0503020204020204" pitchFamily="34" charset="-122"/>
+                <a:ea typeface="微软雅黑" panose="020B0503020204020204" pitchFamily="34" charset="-122"/>
+              </a:rPr>
+              <a:t>high-quality and realistic images (based on </a:t>
+            </a:r>
+            <a:r>
+              <a:rPr lang="en-US" altLang="zh-CN" dirty="0" err="1">
+                <a:latin typeface="微软雅黑" panose="020B0503020204020204" pitchFamily="34" charset="-122"/>
+                <a:ea typeface="微软雅黑" panose="020B0503020204020204" pitchFamily="34" charset="-122"/>
+              </a:rPr>
+              <a:t>ProGAN</a:t>
+            </a:r>
+            <a:r>
+              <a:rPr lang="en-US" altLang="zh-CN" dirty="0">
+                <a:latin typeface="微软雅黑" panose="020B0503020204020204" pitchFamily="34" charset="-122"/>
+                <a:ea typeface="微软雅黑" panose="020B0503020204020204" pitchFamily="34" charset="-122"/>
+              </a:rPr>
+              <a:t>)</a:t>
+            </a:r>
+          </a:p>
+          <a:p>
+            <a:pPr marL="342900" indent="-342900" algn="l">
+              <a:lnSpc>
+                <a:spcPct val="150000"/>
+              </a:lnSpc>
+              <a:buFont typeface="Arial" panose="020B0604020202020204" pitchFamily="34" charset="0"/>
+              <a:buChar char="•"/>
+            </a:pPr>
+            <a:r>
+              <a:rPr lang="en-US" altLang="zh-CN" dirty="0">
+                <a:latin typeface="微软雅黑" panose="020B0503020204020204" pitchFamily="34" charset="-122"/>
+                <a:ea typeface="微软雅黑" panose="020B0503020204020204" pitchFamily="34" charset="-122"/>
+              </a:rPr>
+              <a:t>Feature Disentanglement: superior control and understanding of the features of generated images</a:t>
+            </a:r>
+            <a:endParaRPr lang="zh-CN" altLang="en-US" dirty="0">
+              <a:latin typeface="微软雅黑" panose="020B0503020204020204" pitchFamily="34" charset="-122"/>
+              <a:ea typeface="微软雅黑" panose="020B0503020204020204" pitchFamily="34" charset="-122"/>
+            </a:endParaRPr>
+          </a:p>
+        </p:txBody>
+      </p:sp>
+    </p:spTree>
+    <p:extLst>
+      <p:ext uri="{BB962C8B-B14F-4D97-AF65-F5344CB8AC3E}">
+        <p14:creationId xmlns:p14="http://schemas.microsoft.com/office/powerpoint/2010/main" val="1772574067"/>
       </p:ext>
     </p:extLst>
   </p:cSld>
